--- a/Report and Presentation/Final Presentation.pptx
+++ b/Report and Presentation/Final Presentation.pptx
@@ -7,11 +7,12 @@
   <p:sldIdLst>
     <p:sldId id="256" r:id="rId2"/>
     <p:sldId id="257" r:id="rId3"/>
-    <p:sldId id="258" r:id="rId4"/>
-    <p:sldId id="259" r:id="rId5"/>
-    <p:sldId id="261" r:id="rId6"/>
-    <p:sldId id="262" r:id="rId7"/>
-    <p:sldId id="263" r:id="rId8"/>
+    <p:sldId id="264" r:id="rId4"/>
+    <p:sldId id="258" r:id="rId5"/>
+    <p:sldId id="259" r:id="rId6"/>
+    <p:sldId id="261" r:id="rId7"/>
+    <p:sldId id="262" r:id="rId8"/>
+    <p:sldId id="263" r:id="rId9"/>
   </p:sldIdLst>
   <p:sldSz cx="12192000" cy="6858000"/>
   <p:notesSz cx="6858000" cy="9144000"/>
@@ -3416,8 +3417,8 @@
         </p:nvSpPr>
         <p:spPr>
           <a:xfrm>
-            <a:off x="1524000" y="351652"/>
-            <a:ext cx="9144000" cy="876255"/>
+            <a:off x="1524000" y="416969"/>
+            <a:ext cx="9144000" cy="863191"/>
           </a:xfrm>
         </p:spPr>
         <p:txBody>
@@ -3432,137 +3433,856 @@
                   <a:schemeClr val="bg1"/>
                 </a:solidFill>
               </a:rPr>
-              <a:t>Approach-Choosing the Data</a:t>
-            </a:r>
-          </a:p>
-        </p:txBody>
-      </p:sp>
-      <p:sp>
-        <p:nvSpPr>
-          <p:cNvPr id="3" name="Subtitle 2"/>
-          <p:cNvSpPr>
-            <a:spLocks noGrp="1"/>
-          </p:cNvSpPr>
-          <p:nvPr>
-            <p:ph type="subTitle" idx="1"/>
-          </p:nvPr>
+              <a:t>Overall Design</a:t>
+            </a:r>
+          </a:p>
+        </p:txBody>
+      </p:sp>
+      <p:sp>
+        <p:nvSpPr>
+          <p:cNvPr id="7" name="Rectangle 6"/>
+          <p:cNvSpPr/>
+          <p:nvPr/>
         </p:nvSpPr>
         <p:spPr>
           <a:xfrm>
-            <a:off x="1524000" y="1227907"/>
-            <a:ext cx="9144000" cy="4029893"/>
+            <a:off x="5569403" y="1280160"/>
+            <a:ext cx="1053193" cy="391886"/>
           </a:xfrm>
+          <a:prstGeom prst="rect">
+            <a:avLst/>
+          </a:prstGeom>
         </p:spPr>
-        <p:txBody>
-          <a:bodyPr/>
-          <a:lstStyle/>
-          <a:p>
-            <a:pPr marL="342900" indent="-342900" algn="l">
-              <a:buFont typeface="Arial" panose="020B0604020202020204" pitchFamily="34" charset="0"/>
-              <a:buChar char="•"/>
-            </a:pPr>
-            <a:r>
-              <a:rPr lang="en-US" dirty="0">
-                <a:solidFill>
-                  <a:schemeClr val="bg1"/>
-                </a:solidFill>
-              </a:rPr>
-              <a:t>Millions of reviews, only so much processing power</a:t>
-            </a:r>
-          </a:p>
-          <a:p>
-            <a:pPr marL="342900" indent="-342900" algn="l">
-              <a:buFont typeface="Arial" panose="020B0604020202020204" pitchFamily="34" charset="0"/>
-              <a:buChar char="•"/>
-            </a:pPr>
-            <a:r>
-              <a:rPr lang="en-US" dirty="0">
-                <a:solidFill>
-                  <a:schemeClr val="bg1"/>
-                </a:solidFill>
-              </a:rPr>
-              <a:t>Limiting problem space let’s us get more focused data</a:t>
-            </a:r>
-          </a:p>
-          <a:p>
-            <a:pPr marL="342900" indent="-342900" algn="l">
-              <a:buFont typeface="Arial" panose="020B0604020202020204" pitchFamily="34" charset="0"/>
-              <a:buChar char="•"/>
-            </a:pPr>
-            <a:endParaRPr lang="en-US" dirty="0">
-              <a:solidFill>
-                <a:schemeClr val="bg1"/>
-              </a:solidFill>
-            </a:endParaRPr>
-          </a:p>
-          <a:p>
-            <a:pPr marL="342900" indent="-342900" algn="l">
-              <a:buFont typeface="Arial" panose="020B0604020202020204" pitchFamily="34" charset="0"/>
-              <a:buChar char="•"/>
-            </a:pPr>
-            <a:r>
-              <a:rPr lang="en-US" dirty="0">
-                <a:solidFill>
-                  <a:schemeClr val="bg1"/>
-                </a:solidFill>
-              </a:rPr>
-              <a:t>Reduction</a:t>
-            </a:r>
-          </a:p>
-          <a:p>
-            <a:pPr marL="800100" lvl="1" indent="-342900" algn="l">
-              <a:buFont typeface="Arial" panose="020B0604020202020204" pitchFamily="34" charset="0"/>
-              <a:buChar char="•"/>
-            </a:pPr>
-            <a:r>
-              <a:rPr lang="en-US" dirty="0">
-                <a:solidFill>
-                  <a:schemeClr val="bg1"/>
-                </a:solidFill>
-              </a:rPr>
-              <a:t>Only businesses in Pittsburgh</a:t>
-            </a:r>
-          </a:p>
-          <a:p>
-            <a:pPr marL="800100" lvl="1" indent="-342900" algn="l">
-              <a:buFont typeface="Arial" panose="020B0604020202020204" pitchFamily="34" charset="0"/>
-              <a:buChar char="•"/>
-            </a:pPr>
-            <a:r>
-              <a:rPr lang="en-US" dirty="0">
-                <a:solidFill>
-                  <a:schemeClr val="bg1"/>
-                </a:solidFill>
-              </a:rPr>
-              <a:t>Removed several fields (check-ins, for instance)</a:t>
-            </a:r>
-          </a:p>
-          <a:p>
-            <a:pPr marL="800100" lvl="1" indent="-342900" algn="l">
-              <a:buFont typeface="Arial" panose="020B0604020202020204" pitchFamily="34" charset="0"/>
-              <a:buChar char="•"/>
-            </a:pPr>
-            <a:r>
-              <a:rPr lang="en-US" dirty="0">
-                <a:solidFill>
-                  <a:schemeClr val="bg1"/>
-                </a:solidFill>
-              </a:rPr>
-              <a:t>Ignored tips</a:t>
-            </a:r>
-          </a:p>
-          <a:p>
-            <a:pPr marL="800100" lvl="1" indent="-342900" algn="l">
-              <a:buFont typeface="Arial" panose="020B0604020202020204" pitchFamily="34" charset="0"/>
-              <a:buChar char="•"/>
-            </a:pPr>
-            <a:r>
-              <a:rPr lang="en-US" dirty="0">
-                <a:solidFill>
-                  <a:schemeClr val="bg1"/>
-                </a:solidFill>
-              </a:rPr>
-              <a:t>From &gt;79,000 businesses with disparate amounts of data to ~3000 complete</a:t>
+        <p:style>
+          <a:lnRef idx="2">
+            <a:schemeClr val="dk1"/>
+          </a:lnRef>
+          <a:fillRef idx="1">
+            <a:schemeClr val="lt1"/>
+          </a:fillRef>
+          <a:effectRef idx="0">
+            <a:schemeClr val="dk1"/>
+          </a:effectRef>
+          <a:fontRef idx="minor">
+            <a:schemeClr val="dk1"/>
+          </a:fontRef>
+        </p:style>
+        <p:txBody>
+          <a:bodyPr rtlCol="0" anchor="ctr"/>
+          <a:lstStyle/>
+          <a:p>
+            <a:pPr algn="ctr"/>
+            <a:r>
+              <a:rPr lang="en-US" dirty="0">
+                <a:solidFill>
+                  <a:schemeClr val="tx1"/>
+                </a:solidFill>
+              </a:rPr>
+              <a:t>Yelp Data</a:t>
+            </a:r>
+          </a:p>
+        </p:txBody>
+      </p:sp>
+      <p:sp>
+        <p:nvSpPr>
+          <p:cNvPr id="8" name="Rectangle 7"/>
+          <p:cNvSpPr/>
+          <p:nvPr/>
+        </p:nvSpPr>
+        <p:spPr>
+          <a:xfrm>
+            <a:off x="5569401" y="5990405"/>
+            <a:ext cx="1053193" cy="391886"/>
+          </a:xfrm>
+          <a:prstGeom prst="rect">
+            <a:avLst/>
+          </a:prstGeom>
+        </p:spPr>
+        <p:style>
+          <a:lnRef idx="2">
+            <a:schemeClr val="dk1"/>
+          </a:lnRef>
+          <a:fillRef idx="1">
+            <a:schemeClr val="lt1"/>
+          </a:fillRef>
+          <a:effectRef idx="0">
+            <a:schemeClr val="dk1"/>
+          </a:effectRef>
+          <a:fontRef idx="minor">
+            <a:schemeClr val="dk1"/>
+          </a:fontRef>
+        </p:style>
+        <p:txBody>
+          <a:bodyPr rtlCol="0" anchor="ctr"/>
+          <a:lstStyle/>
+          <a:p>
+            <a:pPr algn="ctr"/>
+            <a:r>
+              <a:rPr lang="en-US" dirty="0">
+                <a:solidFill>
+                  <a:schemeClr val="tx1"/>
+                </a:solidFill>
+              </a:rPr>
+              <a:t>System</a:t>
+            </a:r>
+          </a:p>
+        </p:txBody>
+      </p:sp>
+      <p:sp>
+        <p:nvSpPr>
+          <p:cNvPr id="9" name="Snip Same Side Corner Rectangle 8"/>
+          <p:cNvSpPr/>
+          <p:nvPr/>
+        </p:nvSpPr>
+        <p:spPr>
+          <a:xfrm rot="10800000">
+            <a:off x="5501638" y="1924594"/>
+            <a:ext cx="1188721" cy="561703"/>
+          </a:xfrm>
+          <a:prstGeom prst="snip2SameRect">
+            <a:avLst/>
+          </a:prstGeom>
+        </p:spPr>
+        <p:style>
+          <a:lnRef idx="2">
+            <a:schemeClr val="dk1"/>
+          </a:lnRef>
+          <a:fillRef idx="1">
+            <a:schemeClr val="lt1"/>
+          </a:fillRef>
+          <a:effectRef idx="0">
+            <a:schemeClr val="dk1"/>
+          </a:effectRef>
+          <a:fontRef idx="minor">
+            <a:schemeClr val="dk1"/>
+          </a:fontRef>
+        </p:style>
+        <p:txBody>
+          <a:bodyPr vert="horz" rtlCol="0" anchor="ctr">
+            <a:scene3d>
+              <a:camera prst="orthographicFront">
+                <a:rot lat="0" lon="0" rev="10799999"/>
+              </a:camera>
+              <a:lightRig rig="threePt" dir="t"/>
+            </a:scene3d>
+          </a:bodyPr>
+          <a:lstStyle/>
+          <a:p>
+            <a:pPr algn="ctr"/>
+            <a:r>
+              <a:rPr lang="en-US" dirty="0"/>
+              <a:t>Trimming</a:t>
+            </a:r>
+          </a:p>
+        </p:txBody>
+      </p:sp>
+      <p:cxnSp>
+        <p:nvCxnSpPr>
+          <p:cNvPr id="11" name="Straight Arrow Connector 10"/>
+          <p:cNvCxnSpPr>
+            <a:stCxn id="7" idx="2"/>
+            <a:endCxn id="9" idx="1"/>
+          </p:cNvCxnSpPr>
+          <p:nvPr/>
+        </p:nvCxnSpPr>
+        <p:spPr>
+          <a:xfrm flipH="1">
+            <a:off x="6095998" y="1672046"/>
+            <a:ext cx="2" cy="252548"/>
+          </a:xfrm>
+          <a:prstGeom prst="straightConnector1">
+            <a:avLst/>
+          </a:prstGeom>
+          <a:ln w="25400">
+            <a:solidFill>
+              <a:schemeClr val="bg1"/>
+            </a:solidFill>
+            <a:tailEnd type="triangle"/>
+          </a:ln>
+        </p:spPr>
+        <p:style>
+          <a:lnRef idx="1">
+            <a:schemeClr val="accent1"/>
+          </a:lnRef>
+          <a:fillRef idx="0">
+            <a:schemeClr val="accent1"/>
+          </a:fillRef>
+          <a:effectRef idx="0">
+            <a:schemeClr val="accent1"/>
+          </a:effectRef>
+          <a:fontRef idx="minor">
+            <a:schemeClr val="tx1"/>
+          </a:fontRef>
+        </p:style>
+      </p:cxnSp>
+      <p:sp>
+        <p:nvSpPr>
+          <p:cNvPr id="12" name="Snip Same Side Corner Rectangle 11"/>
+          <p:cNvSpPr/>
+          <p:nvPr/>
+        </p:nvSpPr>
+        <p:spPr>
+          <a:xfrm rot="10800000">
+            <a:off x="4102138" y="3787138"/>
+            <a:ext cx="1373780" cy="561703"/>
+          </a:xfrm>
+          <a:prstGeom prst="snip2SameRect">
+            <a:avLst/>
+          </a:prstGeom>
+        </p:spPr>
+        <p:style>
+          <a:lnRef idx="2">
+            <a:schemeClr val="dk1"/>
+          </a:lnRef>
+          <a:fillRef idx="1">
+            <a:schemeClr val="lt1"/>
+          </a:fillRef>
+          <a:effectRef idx="0">
+            <a:schemeClr val="dk1"/>
+          </a:effectRef>
+          <a:fontRef idx="minor">
+            <a:schemeClr val="dk1"/>
+          </a:fontRef>
+        </p:style>
+        <p:txBody>
+          <a:bodyPr vert="horz" rtlCol="0" anchor="ctr">
+            <a:scene3d>
+              <a:camera prst="orthographicFront">
+                <a:rot lat="0" lon="0" rev="10799999"/>
+              </a:camera>
+              <a:lightRig rig="threePt" dir="t"/>
+            </a:scene3d>
+          </a:bodyPr>
+          <a:lstStyle/>
+          <a:p>
+            <a:pPr algn="ctr"/>
+            <a:r>
+              <a:rPr lang="en-US" dirty="0"/>
+              <a:t>Feature Extraction</a:t>
+            </a:r>
+          </a:p>
+        </p:txBody>
+      </p:sp>
+      <p:sp>
+        <p:nvSpPr>
+          <p:cNvPr id="13" name="Snip Same Side Corner Rectangle 12"/>
+          <p:cNvSpPr/>
+          <p:nvPr/>
+        </p:nvSpPr>
+        <p:spPr>
+          <a:xfrm rot="10800000">
+            <a:off x="5475918" y="2738844"/>
+            <a:ext cx="1240160" cy="561703"/>
+          </a:xfrm>
+          <a:prstGeom prst="snip2SameRect">
+            <a:avLst/>
+          </a:prstGeom>
+        </p:spPr>
+        <p:style>
+          <a:lnRef idx="2">
+            <a:schemeClr val="dk1"/>
+          </a:lnRef>
+          <a:fillRef idx="1">
+            <a:schemeClr val="lt1"/>
+          </a:fillRef>
+          <a:effectRef idx="0">
+            <a:schemeClr val="dk1"/>
+          </a:effectRef>
+          <a:fontRef idx="minor">
+            <a:schemeClr val="dk1"/>
+          </a:fontRef>
+        </p:style>
+        <p:txBody>
+          <a:bodyPr vert="horz" rtlCol="0" anchor="ctr">
+            <a:scene3d>
+              <a:camera prst="orthographicFront">
+                <a:rot lat="0" lon="0" rev="10799999"/>
+              </a:camera>
+              <a:lightRig rig="threePt" dir="t"/>
+            </a:scene3d>
+          </a:bodyPr>
+          <a:lstStyle/>
+          <a:p>
+            <a:pPr algn="ctr"/>
+            <a:r>
+              <a:rPr lang="en-US" dirty="0"/>
+              <a:t>Basic Parsing</a:t>
+            </a:r>
+          </a:p>
+        </p:txBody>
+      </p:sp>
+      <p:cxnSp>
+        <p:nvCxnSpPr>
+          <p:cNvPr id="14" name="Straight Arrow Connector 13"/>
+          <p:cNvCxnSpPr>
+            <a:stCxn id="9" idx="3"/>
+            <a:endCxn id="13" idx="1"/>
+          </p:cNvCxnSpPr>
+          <p:nvPr/>
+        </p:nvCxnSpPr>
+        <p:spPr>
+          <a:xfrm>
+            <a:off x="6095998" y="2486297"/>
+            <a:ext cx="0" cy="252547"/>
+          </a:xfrm>
+          <a:prstGeom prst="straightConnector1">
+            <a:avLst/>
+          </a:prstGeom>
+          <a:ln w="25400">
+            <a:solidFill>
+              <a:schemeClr val="bg1"/>
+            </a:solidFill>
+            <a:tailEnd type="triangle"/>
+          </a:ln>
+        </p:spPr>
+        <p:style>
+          <a:lnRef idx="1">
+            <a:schemeClr val="accent1"/>
+          </a:lnRef>
+          <a:fillRef idx="0">
+            <a:schemeClr val="accent1"/>
+          </a:fillRef>
+          <a:effectRef idx="0">
+            <a:schemeClr val="accent1"/>
+          </a:effectRef>
+          <a:fontRef idx="minor">
+            <a:schemeClr val="tx1"/>
+          </a:fontRef>
+        </p:style>
+      </p:cxnSp>
+      <p:sp>
+        <p:nvSpPr>
+          <p:cNvPr id="18" name="Snip Same Side Corner Rectangle 17"/>
+          <p:cNvSpPr/>
+          <p:nvPr/>
+        </p:nvSpPr>
+        <p:spPr>
+          <a:xfrm rot="10800000">
+            <a:off x="6716078" y="3787138"/>
+            <a:ext cx="1373780" cy="561703"/>
+          </a:xfrm>
+          <a:prstGeom prst="snip2SameRect">
+            <a:avLst/>
+          </a:prstGeom>
+        </p:spPr>
+        <p:style>
+          <a:lnRef idx="2">
+            <a:schemeClr val="dk1"/>
+          </a:lnRef>
+          <a:fillRef idx="1">
+            <a:schemeClr val="lt1"/>
+          </a:fillRef>
+          <a:effectRef idx="0">
+            <a:schemeClr val="dk1"/>
+          </a:effectRef>
+          <a:fontRef idx="minor">
+            <a:schemeClr val="dk1"/>
+          </a:fontRef>
+        </p:style>
+        <p:txBody>
+          <a:bodyPr vert="horz" rtlCol="0" anchor="ctr">
+            <a:scene3d>
+              <a:camera prst="orthographicFront">
+                <a:rot lat="0" lon="0" rev="10799999"/>
+              </a:camera>
+              <a:lightRig rig="threePt" dir="t"/>
+            </a:scene3d>
+          </a:bodyPr>
+          <a:lstStyle/>
+          <a:p>
+            <a:pPr algn="ctr"/>
+            <a:r>
+              <a:rPr lang="en-US" dirty="0"/>
+              <a:t>Sentiment</a:t>
+            </a:r>
+          </a:p>
+        </p:txBody>
+      </p:sp>
+      <p:sp>
+        <p:nvSpPr>
+          <p:cNvPr id="19" name="Snip Same Side Corner Rectangle 18"/>
+          <p:cNvSpPr/>
+          <p:nvPr/>
+        </p:nvSpPr>
+        <p:spPr>
+          <a:xfrm rot="10800000">
+            <a:off x="6716077" y="4554576"/>
+            <a:ext cx="1373780" cy="561703"/>
+          </a:xfrm>
+          <a:prstGeom prst="snip2SameRect">
+            <a:avLst/>
+          </a:prstGeom>
+        </p:spPr>
+        <p:style>
+          <a:lnRef idx="2">
+            <a:schemeClr val="dk1"/>
+          </a:lnRef>
+          <a:fillRef idx="1">
+            <a:schemeClr val="lt1"/>
+          </a:fillRef>
+          <a:effectRef idx="0">
+            <a:schemeClr val="dk1"/>
+          </a:effectRef>
+          <a:fontRef idx="minor">
+            <a:schemeClr val="dk1"/>
+          </a:fontRef>
+        </p:style>
+        <p:txBody>
+          <a:bodyPr vert="horz" rtlCol="0" anchor="ctr">
+            <a:scene3d>
+              <a:camera prst="orthographicFront">
+                <a:rot lat="0" lon="0" rev="10799999"/>
+              </a:camera>
+              <a:lightRig rig="threePt" dir="t"/>
+            </a:scene3d>
+          </a:bodyPr>
+          <a:lstStyle/>
+          <a:p>
+            <a:pPr algn="ctr"/>
+            <a:r>
+              <a:rPr lang="en-US" dirty="0"/>
+              <a:t>Normalize</a:t>
+            </a:r>
+          </a:p>
+        </p:txBody>
+      </p:sp>
+      <p:cxnSp>
+        <p:nvCxnSpPr>
+          <p:cNvPr id="20" name="Straight Arrow Connector 19"/>
+          <p:cNvCxnSpPr>
+            <a:stCxn id="13" idx="3"/>
+            <a:endCxn id="12" idx="1"/>
+          </p:cNvCxnSpPr>
+          <p:nvPr/>
+        </p:nvCxnSpPr>
+        <p:spPr>
+          <a:xfrm flipH="1">
+            <a:off x="4789028" y="3300547"/>
+            <a:ext cx="1306970" cy="486591"/>
+          </a:xfrm>
+          <a:prstGeom prst="straightConnector1">
+            <a:avLst/>
+          </a:prstGeom>
+          <a:ln w="25400">
+            <a:solidFill>
+              <a:schemeClr val="bg1"/>
+            </a:solidFill>
+            <a:tailEnd type="triangle"/>
+          </a:ln>
+        </p:spPr>
+        <p:style>
+          <a:lnRef idx="1">
+            <a:schemeClr val="accent1"/>
+          </a:lnRef>
+          <a:fillRef idx="0">
+            <a:schemeClr val="accent1"/>
+          </a:fillRef>
+          <a:effectRef idx="0">
+            <a:schemeClr val="accent1"/>
+          </a:effectRef>
+          <a:fontRef idx="minor">
+            <a:schemeClr val="tx1"/>
+          </a:fontRef>
+        </p:style>
+      </p:cxnSp>
+      <p:cxnSp>
+        <p:nvCxnSpPr>
+          <p:cNvPr id="23" name="Straight Arrow Connector 22"/>
+          <p:cNvCxnSpPr>
+            <a:stCxn id="13" idx="3"/>
+            <a:endCxn id="18" idx="1"/>
+          </p:cNvCxnSpPr>
+          <p:nvPr/>
+        </p:nvCxnSpPr>
+        <p:spPr>
+          <a:xfrm>
+            <a:off x="6095998" y="3300547"/>
+            <a:ext cx="1306970" cy="486591"/>
+          </a:xfrm>
+          <a:prstGeom prst="straightConnector1">
+            <a:avLst/>
+          </a:prstGeom>
+          <a:ln w="25400">
+            <a:solidFill>
+              <a:schemeClr val="bg1"/>
+            </a:solidFill>
+            <a:tailEnd type="triangle"/>
+          </a:ln>
+        </p:spPr>
+        <p:style>
+          <a:lnRef idx="1">
+            <a:schemeClr val="accent1"/>
+          </a:lnRef>
+          <a:fillRef idx="0">
+            <a:schemeClr val="accent1"/>
+          </a:fillRef>
+          <a:effectRef idx="0">
+            <a:schemeClr val="accent1"/>
+          </a:effectRef>
+          <a:fontRef idx="minor">
+            <a:schemeClr val="tx1"/>
+          </a:fontRef>
+        </p:style>
+      </p:cxnSp>
+      <p:cxnSp>
+        <p:nvCxnSpPr>
+          <p:cNvPr id="26" name="Straight Arrow Connector 25"/>
+          <p:cNvCxnSpPr>
+            <a:stCxn id="18" idx="3"/>
+            <a:endCxn id="19" idx="1"/>
+          </p:cNvCxnSpPr>
+          <p:nvPr/>
+        </p:nvCxnSpPr>
+        <p:spPr>
+          <a:xfrm flipH="1">
+            <a:off x="7402967" y="4348841"/>
+            <a:ext cx="1" cy="205735"/>
+          </a:xfrm>
+          <a:prstGeom prst="straightConnector1">
+            <a:avLst/>
+          </a:prstGeom>
+          <a:ln w="25400">
+            <a:solidFill>
+              <a:schemeClr val="bg1"/>
+            </a:solidFill>
+            <a:tailEnd type="triangle"/>
+          </a:ln>
+        </p:spPr>
+        <p:style>
+          <a:lnRef idx="1">
+            <a:schemeClr val="accent1"/>
+          </a:lnRef>
+          <a:fillRef idx="0">
+            <a:schemeClr val="accent1"/>
+          </a:fillRef>
+          <a:effectRef idx="0">
+            <a:schemeClr val="accent1"/>
+          </a:effectRef>
+          <a:fontRef idx="minor">
+            <a:schemeClr val="tx1"/>
+          </a:fontRef>
+        </p:style>
+      </p:cxnSp>
+      <p:sp>
+        <p:nvSpPr>
+          <p:cNvPr id="31" name="Snip Same Side Corner Rectangle 30"/>
+          <p:cNvSpPr/>
+          <p:nvPr/>
+        </p:nvSpPr>
+        <p:spPr>
+          <a:xfrm rot="5400000">
+            <a:off x="3677596" y="5675465"/>
+            <a:ext cx="849081" cy="1021766"/>
+          </a:xfrm>
+          <a:prstGeom prst="snip2SameRect">
+            <a:avLst/>
+          </a:prstGeom>
+        </p:spPr>
+        <p:style>
+          <a:lnRef idx="2">
+            <a:schemeClr val="dk1"/>
+          </a:lnRef>
+          <a:fillRef idx="1">
+            <a:schemeClr val="lt1"/>
+          </a:fillRef>
+          <a:effectRef idx="0">
+            <a:schemeClr val="dk1"/>
+          </a:effectRef>
+          <a:fontRef idx="minor">
+            <a:schemeClr val="dk1"/>
+          </a:fontRef>
+        </p:style>
+        <p:txBody>
+          <a:bodyPr vert="horz" rtlCol="0" anchor="ctr">
+            <a:scene3d>
+              <a:camera prst="orthographicFront">
+                <a:rot lat="0" lon="0" rev="5400000"/>
+              </a:camera>
+              <a:lightRig rig="threePt" dir="t"/>
+            </a:scene3d>
+          </a:bodyPr>
+          <a:lstStyle/>
+          <a:p>
+            <a:pPr algn="ctr"/>
+            <a:r>
+              <a:rPr lang="en-US" dirty="0"/>
+              <a:t>Input</a:t>
+            </a:r>
+          </a:p>
+        </p:txBody>
+      </p:sp>
+      <p:cxnSp>
+        <p:nvCxnSpPr>
+          <p:cNvPr id="32" name="Straight Arrow Connector 31"/>
+          <p:cNvCxnSpPr>
+            <a:stCxn id="12" idx="3"/>
+            <a:endCxn id="8" idx="0"/>
+          </p:cNvCxnSpPr>
+          <p:nvPr/>
+        </p:nvCxnSpPr>
+        <p:spPr>
+          <a:xfrm>
+            <a:off x="4789028" y="4348841"/>
+            <a:ext cx="1306970" cy="1641564"/>
+          </a:xfrm>
+          <a:prstGeom prst="straightConnector1">
+            <a:avLst/>
+          </a:prstGeom>
+          <a:ln w="25400">
+            <a:solidFill>
+              <a:schemeClr val="bg1"/>
+            </a:solidFill>
+            <a:tailEnd type="triangle"/>
+          </a:ln>
+        </p:spPr>
+        <p:style>
+          <a:lnRef idx="1">
+            <a:schemeClr val="accent1"/>
+          </a:lnRef>
+          <a:fillRef idx="0">
+            <a:schemeClr val="accent1"/>
+          </a:fillRef>
+          <a:effectRef idx="0">
+            <a:schemeClr val="accent1"/>
+          </a:effectRef>
+          <a:fontRef idx="minor">
+            <a:schemeClr val="tx1"/>
+          </a:fontRef>
+        </p:style>
+      </p:cxnSp>
+      <p:cxnSp>
+        <p:nvCxnSpPr>
+          <p:cNvPr id="35" name="Straight Arrow Connector 34"/>
+          <p:cNvCxnSpPr>
+            <a:stCxn id="19" idx="3"/>
+            <a:endCxn id="8" idx="0"/>
+          </p:cNvCxnSpPr>
+          <p:nvPr/>
+        </p:nvCxnSpPr>
+        <p:spPr>
+          <a:xfrm flipH="1">
+            <a:off x="6095998" y="5116279"/>
+            <a:ext cx="1306969" cy="874126"/>
+          </a:xfrm>
+          <a:prstGeom prst="straightConnector1">
+            <a:avLst/>
+          </a:prstGeom>
+          <a:ln w="25400">
+            <a:solidFill>
+              <a:schemeClr val="bg1"/>
+            </a:solidFill>
+            <a:tailEnd type="triangle"/>
+          </a:ln>
+        </p:spPr>
+        <p:style>
+          <a:lnRef idx="1">
+            <a:schemeClr val="accent1"/>
+          </a:lnRef>
+          <a:fillRef idx="0">
+            <a:schemeClr val="accent1"/>
+          </a:fillRef>
+          <a:effectRef idx="0">
+            <a:schemeClr val="accent1"/>
+          </a:effectRef>
+          <a:fontRef idx="minor">
+            <a:schemeClr val="tx1"/>
+          </a:fontRef>
+        </p:style>
+      </p:cxnSp>
+      <p:cxnSp>
+        <p:nvCxnSpPr>
+          <p:cNvPr id="38" name="Straight Arrow Connector 37"/>
+          <p:cNvCxnSpPr>
+            <a:stCxn id="31" idx="3"/>
+            <a:endCxn id="8" idx="1"/>
+          </p:cNvCxnSpPr>
+          <p:nvPr/>
+        </p:nvCxnSpPr>
+        <p:spPr>
+          <a:xfrm flipV="1">
+            <a:off x="4613020" y="6186348"/>
+            <a:ext cx="956381" cy="1"/>
+          </a:xfrm>
+          <a:prstGeom prst="straightConnector1">
+            <a:avLst/>
+          </a:prstGeom>
+          <a:ln w="25400">
+            <a:solidFill>
+              <a:schemeClr val="bg1"/>
+            </a:solidFill>
+            <a:tailEnd type="triangle"/>
+          </a:ln>
+        </p:spPr>
+        <p:style>
+          <a:lnRef idx="1">
+            <a:schemeClr val="accent1"/>
+          </a:lnRef>
+          <a:fillRef idx="0">
+            <a:schemeClr val="accent1"/>
+          </a:fillRef>
+          <a:effectRef idx="0">
+            <a:schemeClr val="accent1"/>
+          </a:effectRef>
+          <a:fontRef idx="minor">
+            <a:schemeClr val="tx1"/>
+          </a:fontRef>
+        </p:style>
+      </p:cxnSp>
+      <p:cxnSp>
+        <p:nvCxnSpPr>
+          <p:cNvPr id="41" name="Straight Arrow Connector 40"/>
+          <p:cNvCxnSpPr>
+            <a:stCxn id="8" idx="3"/>
+            <a:endCxn id="53" idx="1"/>
+          </p:cNvCxnSpPr>
+          <p:nvPr/>
+        </p:nvCxnSpPr>
+        <p:spPr>
+          <a:xfrm>
+            <a:off x="6622594" y="6186348"/>
+            <a:ext cx="1467263" cy="0"/>
+          </a:xfrm>
+          <a:prstGeom prst="straightConnector1">
+            <a:avLst/>
+          </a:prstGeom>
+          <a:ln w="25400">
+            <a:solidFill>
+              <a:schemeClr val="bg1"/>
+            </a:solidFill>
+            <a:tailEnd type="triangle"/>
+          </a:ln>
+        </p:spPr>
+        <p:style>
+          <a:lnRef idx="1">
+            <a:schemeClr val="accent1"/>
+          </a:lnRef>
+          <a:fillRef idx="0">
+            <a:schemeClr val="accent1"/>
+          </a:fillRef>
+          <a:effectRef idx="0">
+            <a:schemeClr val="accent1"/>
+          </a:effectRef>
+          <a:fontRef idx="minor">
+            <a:schemeClr val="tx1"/>
+          </a:fontRef>
+        </p:style>
+      </p:cxnSp>
+      <p:cxnSp>
+        <p:nvCxnSpPr>
+          <p:cNvPr id="48" name="Elbow Connector 47"/>
+          <p:cNvCxnSpPr>
+            <a:stCxn id="12" idx="3"/>
+          </p:cNvCxnSpPr>
+          <p:nvPr/>
+        </p:nvCxnSpPr>
+        <p:spPr>
+          <a:xfrm rot="5400000">
+            <a:off x="3721212" y="3762715"/>
+            <a:ext cx="481690" cy="1653942"/>
+          </a:xfrm>
+          <a:prstGeom prst="bentConnector2">
+            <a:avLst/>
+          </a:prstGeom>
+          <a:ln w="25400">
+            <a:solidFill>
+              <a:schemeClr val="bg1"/>
+            </a:solidFill>
+          </a:ln>
+        </p:spPr>
+        <p:style>
+          <a:lnRef idx="1">
+            <a:schemeClr val="accent1"/>
+          </a:lnRef>
+          <a:fillRef idx="0">
+            <a:schemeClr val="accent1"/>
+          </a:fillRef>
+          <a:effectRef idx="0">
+            <a:schemeClr val="accent1"/>
+          </a:effectRef>
+          <a:fontRef idx="minor">
+            <a:schemeClr val="tx1"/>
+          </a:fontRef>
+        </p:style>
+      </p:cxnSp>
+      <p:cxnSp>
+        <p:nvCxnSpPr>
+          <p:cNvPr id="51" name="Elbow Connector 50"/>
+          <p:cNvCxnSpPr>
+            <a:endCxn id="31" idx="1"/>
+          </p:cNvCxnSpPr>
+          <p:nvPr/>
+        </p:nvCxnSpPr>
+        <p:spPr>
+          <a:xfrm rot="16200000" flipH="1">
+            <a:off x="2681178" y="5276272"/>
+            <a:ext cx="1350921" cy="469231"/>
+          </a:xfrm>
+          <a:prstGeom prst="bentConnector2">
+            <a:avLst/>
+          </a:prstGeom>
+          <a:ln w="25400">
+            <a:solidFill>
+              <a:schemeClr val="bg1"/>
+            </a:solidFill>
+            <a:tailEnd type="triangle"/>
+          </a:ln>
+        </p:spPr>
+        <p:style>
+          <a:lnRef idx="1">
+            <a:schemeClr val="accent1"/>
+          </a:lnRef>
+          <a:fillRef idx="0">
+            <a:schemeClr val="accent1"/>
+          </a:fillRef>
+          <a:effectRef idx="0">
+            <a:schemeClr val="accent1"/>
+          </a:effectRef>
+          <a:fontRef idx="minor">
+            <a:schemeClr val="tx1"/>
+          </a:fontRef>
+        </p:style>
+      </p:cxnSp>
+      <p:sp>
+        <p:nvSpPr>
+          <p:cNvPr id="53" name="Rectangle 52"/>
+          <p:cNvSpPr/>
+          <p:nvPr/>
+        </p:nvSpPr>
+        <p:spPr>
+          <a:xfrm>
+            <a:off x="8089857" y="5906040"/>
+            <a:ext cx="1053193" cy="560616"/>
+          </a:xfrm>
+          <a:prstGeom prst="rect">
+            <a:avLst/>
+          </a:prstGeom>
+        </p:spPr>
+        <p:style>
+          <a:lnRef idx="2">
+            <a:schemeClr val="dk1"/>
+          </a:lnRef>
+          <a:fillRef idx="1">
+            <a:schemeClr val="lt1"/>
+          </a:fillRef>
+          <a:effectRef idx="0">
+            <a:schemeClr val="dk1"/>
+          </a:effectRef>
+          <a:fontRef idx="minor">
+            <a:schemeClr val="dk1"/>
+          </a:fontRef>
+        </p:style>
+        <p:txBody>
+          <a:bodyPr rtlCol="0" anchor="ctr"/>
+          <a:lstStyle/>
+          <a:p>
+            <a:pPr algn="ctr"/>
+            <a:r>
+              <a:rPr lang="en-US" dirty="0">
+                <a:solidFill>
+                  <a:schemeClr val="tx1"/>
+                </a:solidFill>
+              </a:rPr>
+              <a:t>Expected Rating</a:t>
             </a:r>
           </a:p>
         </p:txBody>
@@ -3570,7 +4290,7 @@
     </p:spTree>
     <p:extLst>
       <p:ext uri="{BB962C8B-B14F-4D97-AF65-F5344CB8AC3E}">
-        <p14:creationId xmlns:p14="http://schemas.microsoft.com/office/powerpoint/2010/main" val="3383226353"/>
+        <p14:creationId xmlns:p14="http://schemas.microsoft.com/office/powerpoint/2010/main" val="282099222"/>
       </p:ext>
     </p:extLst>
   </p:cSld>
@@ -3657,7 +4377,7 @@
                   <a:schemeClr val="bg1"/>
                 </a:solidFill>
               </a:rPr>
-              <a:t>Approach-Preprocessing</a:t>
+              <a:t>Approach-Choosing the Data</a:t>
             </a:r>
           </a:p>
         </p:txBody>
@@ -3679,9 +4399,7 @@
           </a:xfrm>
         </p:spPr>
         <p:txBody>
-          <a:bodyPr>
-            <a:normAutofit fontScale="92500" lnSpcReduction="10000"/>
-          </a:bodyPr>
+          <a:bodyPr/>
           <a:lstStyle/>
           <a:p>
             <a:pPr marL="342900" indent="-342900" algn="l">
@@ -3694,7 +4412,21 @@
                   <a:schemeClr val="bg1"/>
                 </a:solidFill>
               </a:rPr>
-              <a:t>Setting the system up for success</a:t>
+              <a:t>Millions of reviews, only so much processing power</a:t>
+            </a:r>
+          </a:p>
+          <a:p>
+            <a:pPr marL="342900" indent="-342900" algn="l">
+              <a:buFont typeface="Arial" panose="020B0604020202020204" pitchFamily="34" charset="0"/>
+              <a:buChar char="•"/>
+            </a:pPr>
+            <a:r>
+              <a:rPr lang="en-US" dirty="0">
+                <a:solidFill>
+                  <a:schemeClr val="bg1"/>
+                </a:solidFill>
+              </a:rPr>
+              <a:t>Limiting problem space let’s us get more focused data</a:t>
             </a:r>
           </a:p>
           <a:p>
@@ -3719,7 +4451,7 @@
                   <a:schemeClr val="bg1"/>
                 </a:solidFill>
               </a:rPr>
-              <a:t>Basic</a:t>
+              <a:t>Reduction</a:t>
             </a:r>
           </a:p>
           <a:p>
@@ -3733,7 +4465,7 @@
                   <a:schemeClr val="bg1"/>
                 </a:solidFill>
               </a:rPr>
-              <a:t>Converted to CSV files for easy use by all group members and languages</a:t>
+              <a:t>Only businesses in Pittsburgh</a:t>
             </a:r>
           </a:p>
           <a:p>
@@ -3747,7 +4479,7 @@
                   <a:schemeClr val="bg1"/>
                 </a:solidFill>
               </a:rPr>
-              <a:t>End-of-Sentence parser for reviews</a:t>
+              <a:t>Removed several fields (check-ins, for instance)</a:t>
             </a:r>
           </a:p>
           <a:p>
@@ -3761,7 +4493,7 @@
                   <a:schemeClr val="bg1"/>
                 </a:solidFill>
               </a:rPr>
-              <a:t>Sentence tokenization</a:t>
+              <a:t>Ignored tips</a:t>
             </a:r>
           </a:p>
           <a:p>
@@ -3775,96 +4507,15 @@
                   <a:schemeClr val="bg1"/>
                 </a:solidFill>
               </a:rPr>
-              <a:t>Manually redoing neighborhoods with Geocoder and Zillow</a:t>
-            </a:r>
-          </a:p>
-          <a:p>
-            <a:pPr marL="342900" indent="-342900" algn="l">
-              <a:buFont typeface="Arial" panose="020B0604020202020204" pitchFamily="34" charset="0"/>
-              <a:buChar char="•"/>
-            </a:pPr>
-            <a:r>
-              <a:rPr lang="en-US" dirty="0">
-                <a:solidFill>
-                  <a:schemeClr val="bg1"/>
-                </a:solidFill>
-              </a:rPr>
-              <a:t>Task-specific</a:t>
-            </a:r>
-          </a:p>
-          <a:p>
-            <a:pPr marL="800100" lvl="1" indent="-342900" algn="l">
-              <a:buFont typeface="Arial" panose="020B0604020202020204" pitchFamily="34" charset="0"/>
-              <a:buChar char="•"/>
-            </a:pPr>
-            <a:r>
-              <a:rPr lang="en-US" dirty="0">
-                <a:solidFill>
-                  <a:schemeClr val="bg1"/>
-                </a:solidFill>
-              </a:rPr>
-              <a:t>Feature extraction</a:t>
-            </a:r>
-          </a:p>
-          <a:p>
-            <a:pPr marL="1257300" lvl="2" indent="-342900" algn="l">
-              <a:buFont typeface="Arial" panose="020B0604020202020204" pitchFamily="34" charset="0"/>
-              <a:buChar char="•"/>
-            </a:pPr>
-            <a:r>
-              <a:rPr lang="en-US" dirty="0">
-                <a:solidFill>
-                  <a:schemeClr val="bg1"/>
-                </a:solidFill>
-              </a:rPr>
-              <a:t>Part-of-speech tagging</a:t>
-            </a:r>
-          </a:p>
-          <a:p>
-            <a:pPr marL="1714500" lvl="3" indent="-342900" algn="l">
-              <a:buFont typeface="Arial" panose="020B0604020202020204" pitchFamily="34" charset="0"/>
-              <a:buChar char="•"/>
-            </a:pPr>
-            <a:r>
-              <a:rPr lang="en-US" dirty="0">
-                <a:solidFill>
-                  <a:schemeClr val="bg1"/>
-                </a:solidFill>
-              </a:rPr>
-              <a:t>Simplify</a:t>
-            </a:r>
-          </a:p>
-          <a:p>
-            <a:pPr marL="1257300" lvl="2" indent="-342900" algn="l">
-              <a:buFont typeface="Arial" panose="020B0604020202020204" pitchFamily="34" charset="0"/>
-              <a:buChar char="•"/>
-            </a:pPr>
-            <a:r>
-              <a:rPr lang="en-US" dirty="0">
-                <a:solidFill>
-                  <a:schemeClr val="bg1"/>
-                </a:solidFill>
-              </a:rPr>
-              <a:t>Match features by part-of-speech and position in grammar</a:t>
-            </a:r>
-          </a:p>
-          <a:p>
-            <a:pPr marL="1257300" lvl="2" indent="-342900" algn="l">
-              <a:buFont typeface="Arial" panose="020B0604020202020204" pitchFamily="34" charset="0"/>
-              <a:buChar char="•"/>
-            </a:pPr>
-            <a:endParaRPr lang="en-US" dirty="0">
-              <a:solidFill>
-                <a:schemeClr val="bg1"/>
-              </a:solidFill>
-            </a:endParaRPr>
+              <a:t>From &gt;79,000 businesses with disparate amounts of data to ~3000 complete</a:t>
+            </a:r>
           </a:p>
         </p:txBody>
       </p:sp>
     </p:spTree>
     <p:extLst>
       <p:ext uri="{BB962C8B-B14F-4D97-AF65-F5344CB8AC3E}">
-        <p14:creationId xmlns:p14="http://schemas.microsoft.com/office/powerpoint/2010/main" val="2134169407"/>
+        <p14:creationId xmlns:p14="http://schemas.microsoft.com/office/powerpoint/2010/main" val="3383226353"/>
       </p:ext>
     </p:extLst>
   </p:cSld>
@@ -3951,7 +4602,7 @@
                   <a:schemeClr val="bg1"/>
                 </a:solidFill>
               </a:rPr>
-              <a:t>Approach-Sentiment</a:t>
+              <a:t>Approach-Preprocessing</a:t>
             </a:r>
           </a:p>
         </p:txBody>
@@ -3973,7 +4624,9 @@
           </a:xfrm>
         </p:spPr>
         <p:txBody>
-          <a:bodyPr/>
+          <a:bodyPr>
+            <a:normAutofit fontScale="92500" lnSpcReduction="10000"/>
+          </a:bodyPr>
           <a:lstStyle/>
           <a:p>
             <a:pPr marL="342900" indent="-342900" algn="l">
@@ -3986,7 +4639,7 @@
                   <a:schemeClr val="bg1"/>
                 </a:solidFill>
               </a:rPr>
-              <a:t>Similar to feature extraction, what words would people use to describe businesses?</a:t>
+              <a:t>Setting the system up for success</a:t>
             </a:r>
           </a:p>
           <a:p>
@@ -4011,7 +4664,7 @@
                   <a:schemeClr val="bg1"/>
                 </a:solidFill>
               </a:rPr>
-              <a:t>Model?</a:t>
+              <a:t>Basic</a:t>
             </a:r>
           </a:p>
           <a:p>
@@ -4025,70 +4678,138 @@
                   <a:schemeClr val="bg1"/>
                 </a:solidFill>
               </a:rPr>
-              <a:t>Attempted Stanford </a:t>
-            </a:r>
-            <a:r>
-              <a:rPr lang="en-US" dirty="0" err="1">
-                <a:solidFill>
-                  <a:schemeClr val="bg1"/>
-                </a:solidFill>
-              </a:rPr>
-              <a:t>coreNLP</a:t>
-            </a:r>
+              <a:t>Converted to CSV files for easy use by all group members and languages</a:t>
+            </a:r>
+          </a:p>
+          <a:p>
+            <a:pPr marL="800100" lvl="1" indent="-342900" algn="l">
+              <a:buFont typeface="Arial" panose="020B0604020202020204" pitchFamily="34" charset="0"/>
+              <a:buChar char="•"/>
+            </a:pPr>
+            <a:r>
+              <a:rPr lang="en-US" dirty="0">
+                <a:solidFill>
+                  <a:schemeClr val="bg1"/>
+                </a:solidFill>
+              </a:rPr>
+              <a:t>End-of-Sentence parser for reviews</a:t>
+            </a:r>
+          </a:p>
+          <a:p>
+            <a:pPr marL="800100" lvl="1" indent="-342900" algn="l">
+              <a:buFont typeface="Arial" panose="020B0604020202020204" pitchFamily="34" charset="0"/>
+              <a:buChar char="•"/>
+            </a:pPr>
+            <a:r>
+              <a:rPr lang="en-US" dirty="0">
+                <a:solidFill>
+                  <a:schemeClr val="bg1"/>
+                </a:solidFill>
+              </a:rPr>
+              <a:t>Sentence tokenization</a:t>
+            </a:r>
+          </a:p>
+          <a:p>
+            <a:pPr marL="800100" lvl="1" indent="-342900" algn="l">
+              <a:buFont typeface="Arial" panose="020B0604020202020204" pitchFamily="34" charset="0"/>
+              <a:buChar char="•"/>
+            </a:pPr>
+            <a:r>
+              <a:rPr lang="en-US" dirty="0">
+                <a:solidFill>
+                  <a:schemeClr val="bg1"/>
+                </a:solidFill>
+              </a:rPr>
+              <a:t>Manually redoing neighborhoods with Geocoder and Zillow</a:t>
+            </a:r>
+          </a:p>
+          <a:p>
+            <a:pPr marL="342900" indent="-342900" algn="l">
+              <a:buFont typeface="Arial" panose="020B0604020202020204" pitchFamily="34" charset="0"/>
+              <a:buChar char="•"/>
+            </a:pPr>
+            <a:r>
+              <a:rPr lang="en-US" dirty="0">
+                <a:solidFill>
+                  <a:schemeClr val="bg1"/>
+                </a:solidFill>
+              </a:rPr>
+              <a:t>Task-specific</a:t>
+            </a:r>
+          </a:p>
+          <a:p>
+            <a:pPr marL="800100" lvl="1" indent="-342900" algn="l">
+              <a:buFont typeface="Arial" panose="020B0604020202020204" pitchFamily="34" charset="0"/>
+              <a:buChar char="•"/>
+            </a:pPr>
+            <a:r>
+              <a:rPr lang="en-US" dirty="0">
+                <a:solidFill>
+                  <a:schemeClr val="bg1"/>
+                </a:solidFill>
+              </a:rPr>
+              <a:t>Feature extraction</a:t>
+            </a:r>
+          </a:p>
+          <a:p>
+            <a:pPr marL="1257300" lvl="2" indent="-342900" algn="l">
+              <a:buFont typeface="Arial" panose="020B0604020202020204" pitchFamily="34" charset="0"/>
+              <a:buChar char="•"/>
+            </a:pPr>
+            <a:r>
+              <a:rPr lang="en-US" dirty="0">
+                <a:solidFill>
+                  <a:schemeClr val="bg1"/>
+                </a:solidFill>
+              </a:rPr>
+              <a:t>Part-of-speech tagging</a:t>
+            </a:r>
+          </a:p>
+          <a:p>
+            <a:pPr marL="1714500" lvl="3" indent="-342900" algn="l">
+              <a:buFont typeface="Arial" panose="020B0604020202020204" pitchFamily="34" charset="0"/>
+              <a:buChar char="•"/>
+            </a:pPr>
+            <a:r>
+              <a:rPr lang="en-US" dirty="0">
+                <a:solidFill>
+                  <a:schemeClr val="bg1"/>
+                </a:solidFill>
+              </a:rPr>
+              <a:t>Simplify</a:t>
+            </a:r>
+          </a:p>
+          <a:p>
+            <a:pPr marL="1257300" lvl="2" indent="-342900" algn="l">
+              <a:buFont typeface="Arial" panose="020B0604020202020204" pitchFamily="34" charset="0"/>
+              <a:buChar char="•"/>
+            </a:pPr>
+            <a:r>
+              <a:rPr lang="en-US" dirty="0">
+                <a:solidFill>
+                  <a:schemeClr val="bg1"/>
+                </a:solidFill>
+              </a:rPr>
+              <a:t>Match features by part-of-speech and position in grammar</a:t>
+            </a:r>
+          </a:p>
+          <a:p>
+            <a:pPr marL="1257300" lvl="2" indent="-342900" algn="l">
+              <a:buFont typeface="Arial" panose="020B0604020202020204" pitchFamily="34" charset="0"/>
+              <a:buChar char="•"/>
+            </a:pPr>
             <a:endParaRPr lang="en-US" dirty="0">
               <a:solidFill>
                 <a:schemeClr val="bg1"/>
               </a:solidFill>
             </a:endParaRPr>
           </a:p>
-          <a:p>
-            <a:pPr marL="800100" lvl="1" indent="-342900" algn="l">
-              <a:buFont typeface="Arial" panose="020B0604020202020204" pitchFamily="34" charset="0"/>
-              <a:buChar char="•"/>
-            </a:pPr>
-            <a:r>
-              <a:rPr lang="en-US" dirty="0">
-                <a:solidFill>
-                  <a:schemeClr val="bg1"/>
-                </a:solidFill>
-              </a:rPr>
-              <a:t>Settled on Naïve Bayes bag-of-bigrams</a:t>
-            </a:r>
-          </a:p>
-          <a:p>
-            <a:pPr marL="342900" indent="-342900" algn="l">
-              <a:buFont typeface="Arial" panose="020B0604020202020204" pitchFamily="34" charset="0"/>
-              <a:buChar char="•"/>
-            </a:pPr>
-            <a:r>
-              <a:rPr lang="en-US" dirty="0">
-                <a:solidFill>
-                  <a:schemeClr val="bg1"/>
-                </a:solidFill>
-              </a:rPr>
-              <a:t>Different users give different ratings for what might appear to be the same sentiment</a:t>
-            </a:r>
-          </a:p>
-          <a:p>
-            <a:pPr marL="800100" lvl="1" indent="-342900" algn="l">
-              <a:buFont typeface="Arial" panose="020B0604020202020204" pitchFamily="34" charset="0"/>
-              <a:buChar char="•"/>
-            </a:pPr>
-            <a:r>
-              <a:rPr lang="en-US" dirty="0">
-                <a:solidFill>
-                  <a:schemeClr val="bg1"/>
-                </a:solidFill>
-              </a:rPr>
-              <a:t>Normalize by user average rating</a:t>
-            </a:r>
-          </a:p>
         </p:txBody>
       </p:sp>
     </p:spTree>
     <p:extLst>
       <p:ext uri="{BB962C8B-B14F-4D97-AF65-F5344CB8AC3E}">
-        <p14:creationId xmlns:p14="http://schemas.microsoft.com/office/powerpoint/2010/main" val="4128094917"/>
+        <p14:creationId xmlns:p14="http://schemas.microsoft.com/office/powerpoint/2010/main" val="2134169407"/>
       </p:ext>
     </p:extLst>
   </p:cSld>
@@ -4175,6 +4896,230 @@
                   <a:schemeClr val="bg1"/>
                 </a:solidFill>
               </a:rPr>
+              <a:t>Approach-Sentiment</a:t>
+            </a:r>
+          </a:p>
+        </p:txBody>
+      </p:sp>
+      <p:sp>
+        <p:nvSpPr>
+          <p:cNvPr id="3" name="Subtitle 2"/>
+          <p:cNvSpPr>
+            <a:spLocks noGrp="1"/>
+          </p:cNvSpPr>
+          <p:nvPr>
+            <p:ph type="subTitle" idx="1"/>
+          </p:nvPr>
+        </p:nvSpPr>
+        <p:spPr>
+          <a:xfrm>
+            <a:off x="1524000" y="1227907"/>
+            <a:ext cx="9144000" cy="4029893"/>
+          </a:xfrm>
+        </p:spPr>
+        <p:txBody>
+          <a:bodyPr/>
+          <a:lstStyle/>
+          <a:p>
+            <a:pPr marL="342900" indent="-342900" algn="l">
+              <a:buFont typeface="Arial" panose="020B0604020202020204" pitchFamily="34" charset="0"/>
+              <a:buChar char="•"/>
+            </a:pPr>
+            <a:r>
+              <a:rPr lang="en-US" dirty="0">
+                <a:solidFill>
+                  <a:schemeClr val="bg1"/>
+                </a:solidFill>
+              </a:rPr>
+              <a:t>Similar to feature extraction, what words would people use to describe businesses?</a:t>
+            </a:r>
+          </a:p>
+          <a:p>
+            <a:pPr marL="342900" indent="-342900" algn="l">
+              <a:buFont typeface="Arial" panose="020B0604020202020204" pitchFamily="34" charset="0"/>
+              <a:buChar char="•"/>
+            </a:pPr>
+            <a:endParaRPr lang="en-US" dirty="0">
+              <a:solidFill>
+                <a:schemeClr val="bg1"/>
+              </a:solidFill>
+            </a:endParaRPr>
+          </a:p>
+          <a:p>
+            <a:pPr marL="342900" indent="-342900" algn="l">
+              <a:buFont typeface="Arial" panose="020B0604020202020204" pitchFamily="34" charset="0"/>
+              <a:buChar char="•"/>
+            </a:pPr>
+            <a:r>
+              <a:rPr lang="en-US" dirty="0">
+                <a:solidFill>
+                  <a:schemeClr val="bg1"/>
+                </a:solidFill>
+              </a:rPr>
+              <a:t>Model?</a:t>
+            </a:r>
+          </a:p>
+          <a:p>
+            <a:pPr marL="800100" lvl="1" indent="-342900" algn="l">
+              <a:buFont typeface="Arial" panose="020B0604020202020204" pitchFamily="34" charset="0"/>
+              <a:buChar char="•"/>
+            </a:pPr>
+            <a:r>
+              <a:rPr lang="en-US" dirty="0">
+                <a:solidFill>
+                  <a:schemeClr val="bg1"/>
+                </a:solidFill>
+              </a:rPr>
+              <a:t>Attempted Stanford </a:t>
+            </a:r>
+            <a:r>
+              <a:rPr lang="en-US" dirty="0" err="1">
+                <a:solidFill>
+                  <a:schemeClr val="bg1"/>
+                </a:solidFill>
+              </a:rPr>
+              <a:t>coreNLP</a:t>
+            </a:r>
+            <a:endParaRPr lang="en-US" dirty="0">
+              <a:solidFill>
+                <a:schemeClr val="bg1"/>
+              </a:solidFill>
+            </a:endParaRPr>
+          </a:p>
+          <a:p>
+            <a:pPr marL="800100" lvl="1" indent="-342900" algn="l">
+              <a:buFont typeface="Arial" panose="020B0604020202020204" pitchFamily="34" charset="0"/>
+              <a:buChar char="•"/>
+            </a:pPr>
+            <a:r>
+              <a:rPr lang="en-US" dirty="0">
+                <a:solidFill>
+                  <a:schemeClr val="bg1"/>
+                </a:solidFill>
+              </a:rPr>
+              <a:t>Settled on Naïve Bayes bag-of-bigrams</a:t>
+            </a:r>
+          </a:p>
+          <a:p>
+            <a:pPr marL="342900" indent="-342900" algn="l">
+              <a:buFont typeface="Arial" panose="020B0604020202020204" pitchFamily="34" charset="0"/>
+              <a:buChar char="•"/>
+            </a:pPr>
+            <a:r>
+              <a:rPr lang="en-US" dirty="0">
+                <a:solidFill>
+                  <a:schemeClr val="bg1"/>
+                </a:solidFill>
+              </a:rPr>
+              <a:t>Different users give different ratings for what might appear to be the same sentiment</a:t>
+            </a:r>
+          </a:p>
+          <a:p>
+            <a:pPr marL="800100" lvl="1" indent="-342900" algn="l">
+              <a:buFont typeface="Arial" panose="020B0604020202020204" pitchFamily="34" charset="0"/>
+              <a:buChar char="•"/>
+            </a:pPr>
+            <a:r>
+              <a:rPr lang="en-US" dirty="0">
+                <a:solidFill>
+                  <a:schemeClr val="bg1"/>
+                </a:solidFill>
+              </a:rPr>
+              <a:t>Normalize by user average rating</a:t>
+            </a:r>
+          </a:p>
+        </p:txBody>
+      </p:sp>
+    </p:spTree>
+    <p:extLst>
+      <p:ext uri="{BB962C8B-B14F-4D97-AF65-F5344CB8AC3E}">
+        <p14:creationId xmlns:p14="http://schemas.microsoft.com/office/powerpoint/2010/main" val="4128094917"/>
+      </p:ext>
+    </p:extLst>
+  </p:cSld>
+  <p:clrMapOvr>
+    <a:masterClrMapping/>
+  </p:clrMapOvr>
+</p:sld>
+</file>
+
+<file path=ppt/slides/slide7.xml><?xml version="1.0" encoding="utf-8"?>
+<p:sld xmlns:a="http://schemas.openxmlformats.org/drawingml/2006/main" xmlns:r="http://schemas.openxmlformats.org/officeDocument/2006/relationships" xmlns:p="http://schemas.openxmlformats.org/presentationml/2006/main">
+  <p:cSld>
+    <p:bg>
+      <p:bgPr>
+        <a:gradFill flip="none" rotWithShape="1">
+          <a:gsLst>
+            <a:gs pos="0">
+              <a:schemeClr val="bg1">
+                <a:lumMod val="75000"/>
+              </a:schemeClr>
+            </a:gs>
+            <a:gs pos="23000">
+              <a:schemeClr val="accent3">
+                <a:lumMod val="89000"/>
+              </a:schemeClr>
+            </a:gs>
+            <a:gs pos="69000">
+              <a:schemeClr val="accent3">
+                <a:lumMod val="75000"/>
+              </a:schemeClr>
+            </a:gs>
+            <a:gs pos="97000">
+              <a:schemeClr val="tx1">
+                <a:lumMod val="75000"/>
+                <a:lumOff val="25000"/>
+              </a:schemeClr>
+            </a:gs>
+          </a:gsLst>
+          <a:lin ang="16200000" scaled="1"/>
+          <a:tileRect/>
+        </a:gradFill>
+        <a:effectLst/>
+      </p:bgPr>
+    </p:bg>
+    <p:spTree>
+      <p:nvGrpSpPr>
+        <p:cNvPr id="1" name=""/>
+        <p:cNvGrpSpPr/>
+        <p:nvPr/>
+      </p:nvGrpSpPr>
+      <p:grpSpPr>
+        <a:xfrm>
+          <a:off x="0" y="0"/>
+          <a:ext cx="0" cy="0"/>
+          <a:chOff x="0" y="0"/>
+          <a:chExt cx="0" cy="0"/>
+        </a:xfrm>
+      </p:grpSpPr>
+      <p:sp>
+        <p:nvSpPr>
+          <p:cNvPr id="2" name="Title 1"/>
+          <p:cNvSpPr>
+            <a:spLocks noGrp="1"/>
+          </p:cNvSpPr>
+          <p:nvPr>
+            <p:ph type="ctrTitle"/>
+          </p:nvPr>
+        </p:nvSpPr>
+        <p:spPr>
+          <a:xfrm>
+            <a:off x="1524000" y="351652"/>
+            <a:ext cx="9144000" cy="876255"/>
+          </a:xfrm>
+        </p:spPr>
+        <p:txBody>
+          <a:bodyPr anchor="t">
+            <a:normAutofit fontScale="90000"/>
+          </a:bodyPr>
+          <a:lstStyle/>
+          <a:p>
+            <a:r>
+              <a:rPr lang="en-US" dirty="0">
+                <a:solidFill>
+                  <a:schemeClr val="bg1"/>
+                </a:solidFill>
+              </a:rPr>
               <a:t>Experimental Evaluation</a:t>
             </a:r>
           </a:p>
@@ -4372,7 +5317,7 @@
 </p:sld>
 </file>
 
-<file path=ppt/slides/slide7.xml><?xml version="1.0" encoding="utf-8"?>
+<file path=ppt/slides/slide8.xml><?xml version="1.0" encoding="utf-8"?>
 <p:sld xmlns:a="http://schemas.openxmlformats.org/drawingml/2006/main" xmlns:r="http://schemas.openxmlformats.org/officeDocument/2006/relationships" xmlns:p="http://schemas.openxmlformats.org/presentationml/2006/main">
   <p:cSld>
     <p:bg>

--- a/Report and Presentation/Final Presentation.pptx
+++ b/Report and Presentation/Final Presentation.pptx
@@ -113,7 +113,7 @@
   </p:defaultTextStyle>
   <p:extLst>
     <p:ext uri="{EFAFB233-063F-42B5-8137-9DF3F51BA10A}">
-      <p15:sldGuideLst xmlns:p15="http://schemas.microsoft.com/office/powerpoint/2012/main"/>
+      <p15:sldGuideLst xmlns:p15="http://schemas.microsoft.com/office/powerpoint/2012/main" xmlns=""/>
     </p:ext>
   </p:extLst>
 </p:presentation>
@@ -306,6 +306,13 @@
   <p:clrMapOvr>
     <a:masterClrMapping/>
   </p:clrMapOvr>
+  <p:timing>
+    <p:tnLst>
+      <p:par>
+        <p:cTn id="1" dur="indefinite" restart="never" nodeType="tmRoot"/>
+      </p:par>
+    </p:tnLst>
+  </p:timing>
 </p:sldLayout>
 </file>
 
@@ -3115,6 +3122,318 @@
   <p:clrMapOvr>
     <a:masterClrMapping/>
   </p:clrMapOvr>
+  <p:transition spd="slow">
+    <p:push dir="u"/>
+  </p:transition>
+  <p:timing>
+    <p:tnLst>
+      <p:par>
+        <p:cTn id="1" dur="indefinite" restart="never" nodeType="tmRoot">
+          <p:childTnLst>
+            <p:seq concurrent="1" nextAc="seek">
+              <p:cTn id="2" dur="indefinite" nodeType="mainSeq">
+                <p:childTnLst>
+                  <p:par>
+                    <p:cTn id="3" fill="hold">
+                      <p:stCondLst>
+                        <p:cond delay="indefinite"/>
+                        <p:cond evt="onBegin" delay="0">
+                          <p:tn val="2"/>
+                        </p:cond>
+                      </p:stCondLst>
+                      <p:childTnLst>
+                        <p:par>
+                          <p:cTn id="4" fill="hold">
+                            <p:stCondLst>
+                              <p:cond delay="0"/>
+                            </p:stCondLst>
+                            <p:childTnLst>
+                              <p:par>
+                                <p:cTn id="5" presetID="2" presetClass="entr" presetSubtype="4" fill="hold" grpId="0" nodeType="withEffect">
+                                  <p:stCondLst>
+                                    <p:cond delay="0"/>
+                                  </p:stCondLst>
+                                  <p:childTnLst>
+                                    <p:set>
+                                      <p:cBhvr>
+                                        <p:cTn id="6" dur="1" fill="hold">
+                                          <p:stCondLst>
+                                            <p:cond delay="0"/>
+                                          </p:stCondLst>
+                                        </p:cTn>
+                                        <p:tgtEl>
+                                          <p:spTgt spid="3">
+                                            <p:txEl>
+                                              <p:pRg st="0" end="0"/>
+                                            </p:txEl>
+                                          </p:spTgt>
+                                        </p:tgtEl>
+                                        <p:attrNameLst>
+                                          <p:attrName>style.visibility</p:attrName>
+                                        </p:attrNameLst>
+                                      </p:cBhvr>
+                                      <p:to>
+                                        <p:strVal val="visible"/>
+                                      </p:to>
+                                    </p:set>
+                                    <p:anim calcmode="lin" valueType="num">
+                                      <p:cBhvr additive="base">
+                                        <p:cTn id="7" dur="500" fill="hold"/>
+                                        <p:tgtEl>
+                                          <p:spTgt spid="3">
+                                            <p:txEl>
+                                              <p:pRg st="0" end="0"/>
+                                            </p:txEl>
+                                          </p:spTgt>
+                                        </p:tgtEl>
+                                        <p:attrNameLst>
+                                          <p:attrName>ppt_x</p:attrName>
+                                        </p:attrNameLst>
+                                      </p:cBhvr>
+                                      <p:tavLst>
+                                        <p:tav tm="0">
+                                          <p:val>
+                                            <p:strVal val="#ppt_x"/>
+                                          </p:val>
+                                        </p:tav>
+                                        <p:tav tm="100000">
+                                          <p:val>
+                                            <p:strVal val="#ppt_x"/>
+                                          </p:val>
+                                        </p:tav>
+                                      </p:tavLst>
+                                    </p:anim>
+                                    <p:anim calcmode="lin" valueType="num">
+                                      <p:cBhvr additive="base">
+                                        <p:cTn id="8" dur="500" fill="hold"/>
+                                        <p:tgtEl>
+                                          <p:spTgt spid="3">
+                                            <p:txEl>
+                                              <p:pRg st="0" end="0"/>
+                                            </p:txEl>
+                                          </p:spTgt>
+                                        </p:tgtEl>
+                                        <p:attrNameLst>
+                                          <p:attrName>ppt_y</p:attrName>
+                                        </p:attrNameLst>
+                                      </p:cBhvr>
+                                      <p:tavLst>
+                                        <p:tav tm="0">
+                                          <p:val>
+                                            <p:strVal val="1+#ppt_h/2"/>
+                                          </p:val>
+                                        </p:tav>
+                                        <p:tav tm="100000">
+                                          <p:val>
+                                            <p:strVal val="#ppt_y"/>
+                                          </p:val>
+                                        </p:tav>
+                                      </p:tavLst>
+                                    </p:anim>
+                                  </p:childTnLst>
+                                </p:cTn>
+                              </p:par>
+                              <p:par>
+                                <p:cTn id="9" presetID="2" presetClass="entr" presetSubtype="4" fill="hold" grpId="0" nodeType="withEffect">
+                                  <p:stCondLst>
+                                    <p:cond delay="0"/>
+                                  </p:stCondLst>
+                                  <p:childTnLst>
+                                    <p:set>
+                                      <p:cBhvr>
+                                        <p:cTn id="10" dur="1" fill="hold">
+                                          <p:stCondLst>
+                                            <p:cond delay="0"/>
+                                          </p:stCondLst>
+                                        </p:cTn>
+                                        <p:tgtEl>
+                                          <p:spTgt spid="3">
+                                            <p:txEl>
+                                              <p:pRg st="1" end="1"/>
+                                            </p:txEl>
+                                          </p:spTgt>
+                                        </p:tgtEl>
+                                        <p:attrNameLst>
+                                          <p:attrName>style.visibility</p:attrName>
+                                        </p:attrNameLst>
+                                      </p:cBhvr>
+                                      <p:to>
+                                        <p:strVal val="visible"/>
+                                      </p:to>
+                                    </p:set>
+                                    <p:anim calcmode="lin" valueType="num">
+                                      <p:cBhvr additive="base">
+                                        <p:cTn id="11" dur="500" fill="hold"/>
+                                        <p:tgtEl>
+                                          <p:spTgt spid="3">
+                                            <p:txEl>
+                                              <p:pRg st="1" end="1"/>
+                                            </p:txEl>
+                                          </p:spTgt>
+                                        </p:tgtEl>
+                                        <p:attrNameLst>
+                                          <p:attrName>ppt_x</p:attrName>
+                                        </p:attrNameLst>
+                                      </p:cBhvr>
+                                      <p:tavLst>
+                                        <p:tav tm="0">
+                                          <p:val>
+                                            <p:strVal val="#ppt_x"/>
+                                          </p:val>
+                                        </p:tav>
+                                        <p:tav tm="100000">
+                                          <p:val>
+                                            <p:strVal val="#ppt_x"/>
+                                          </p:val>
+                                        </p:tav>
+                                      </p:tavLst>
+                                    </p:anim>
+                                    <p:anim calcmode="lin" valueType="num">
+                                      <p:cBhvr additive="base">
+                                        <p:cTn id="12" dur="500" fill="hold"/>
+                                        <p:tgtEl>
+                                          <p:spTgt spid="3">
+                                            <p:txEl>
+                                              <p:pRg st="1" end="1"/>
+                                            </p:txEl>
+                                          </p:spTgt>
+                                        </p:tgtEl>
+                                        <p:attrNameLst>
+                                          <p:attrName>ppt_y</p:attrName>
+                                        </p:attrNameLst>
+                                      </p:cBhvr>
+                                      <p:tavLst>
+                                        <p:tav tm="0">
+                                          <p:val>
+                                            <p:strVal val="1+#ppt_h/2"/>
+                                          </p:val>
+                                        </p:tav>
+                                        <p:tav tm="100000">
+                                          <p:val>
+                                            <p:strVal val="#ppt_y"/>
+                                          </p:val>
+                                        </p:tav>
+                                      </p:tavLst>
+                                    </p:anim>
+                                  </p:childTnLst>
+                                </p:cTn>
+                              </p:par>
+                              <p:par>
+                                <p:cTn id="13" presetID="2" presetClass="entr" presetSubtype="4" fill="hold" grpId="0" nodeType="withEffect">
+                                  <p:stCondLst>
+                                    <p:cond delay="0"/>
+                                  </p:stCondLst>
+                                  <p:childTnLst>
+                                    <p:set>
+                                      <p:cBhvr>
+                                        <p:cTn id="14" dur="1" fill="hold">
+                                          <p:stCondLst>
+                                            <p:cond delay="0"/>
+                                          </p:stCondLst>
+                                        </p:cTn>
+                                        <p:tgtEl>
+                                          <p:spTgt spid="3">
+                                            <p:txEl>
+                                              <p:pRg st="2" end="2"/>
+                                            </p:txEl>
+                                          </p:spTgt>
+                                        </p:tgtEl>
+                                        <p:attrNameLst>
+                                          <p:attrName>style.visibility</p:attrName>
+                                        </p:attrNameLst>
+                                      </p:cBhvr>
+                                      <p:to>
+                                        <p:strVal val="visible"/>
+                                      </p:to>
+                                    </p:set>
+                                    <p:anim calcmode="lin" valueType="num">
+                                      <p:cBhvr additive="base">
+                                        <p:cTn id="15" dur="500" fill="hold"/>
+                                        <p:tgtEl>
+                                          <p:spTgt spid="3">
+                                            <p:txEl>
+                                              <p:pRg st="2" end="2"/>
+                                            </p:txEl>
+                                          </p:spTgt>
+                                        </p:tgtEl>
+                                        <p:attrNameLst>
+                                          <p:attrName>ppt_x</p:attrName>
+                                        </p:attrNameLst>
+                                      </p:cBhvr>
+                                      <p:tavLst>
+                                        <p:tav tm="0">
+                                          <p:val>
+                                            <p:strVal val="#ppt_x"/>
+                                          </p:val>
+                                        </p:tav>
+                                        <p:tav tm="100000">
+                                          <p:val>
+                                            <p:strVal val="#ppt_x"/>
+                                          </p:val>
+                                        </p:tav>
+                                      </p:tavLst>
+                                    </p:anim>
+                                    <p:anim calcmode="lin" valueType="num">
+                                      <p:cBhvr additive="base">
+                                        <p:cTn id="16" dur="500" fill="hold"/>
+                                        <p:tgtEl>
+                                          <p:spTgt spid="3">
+                                            <p:txEl>
+                                              <p:pRg st="2" end="2"/>
+                                            </p:txEl>
+                                          </p:spTgt>
+                                        </p:tgtEl>
+                                        <p:attrNameLst>
+                                          <p:attrName>ppt_y</p:attrName>
+                                        </p:attrNameLst>
+                                      </p:cBhvr>
+                                      <p:tavLst>
+                                        <p:tav tm="0">
+                                          <p:val>
+                                            <p:strVal val="1+#ppt_h/2"/>
+                                          </p:val>
+                                        </p:tav>
+                                        <p:tav tm="100000">
+                                          <p:val>
+                                            <p:strVal val="#ppt_y"/>
+                                          </p:val>
+                                        </p:tav>
+                                      </p:tavLst>
+                                    </p:anim>
+                                  </p:childTnLst>
+                                </p:cTn>
+                              </p:par>
+                            </p:childTnLst>
+                          </p:cTn>
+                        </p:par>
+                      </p:childTnLst>
+                    </p:cTn>
+                  </p:par>
+                </p:childTnLst>
+              </p:cTn>
+              <p:prevCondLst>
+                <p:cond evt="onPrev" delay="0">
+                  <p:tgtEl>
+                    <p:sldTgt/>
+                  </p:tgtEl>
+                </p:cond>
+              </p:prevCondLst>
+              <p:nextCondLst>
+                <p:cond evt="onNext" delay="0">
+                  <p:tgtEl>
+                    <p:sldTgt/>
+                  </p:tgtEl>
+                </p:cond>
+              </p:nextCondLst>
+            </p:seq>
+          </p:childTnLst>
+        </p:cTn>
+      </p:par>
+    </p:tnLst>
+    <p:bldLst>
+      <p:bldP spid="3" grpId="0" uiExpand="1" build="p"/>
+    </p:bldLst>
+  </p:timing>
 </p:sld>
 </file>
 
@@ -3179,7 +3498,7 @@
         </p:nvSpPr>
         <p:spPr>
           <a:xfrm>
-            <a:off x="1524000" y="416969"/>
+            <a:off x="1524000" y="416973"/>
             <a:ext cx="9144000" cy="863191"/>
           </a:xfrm>
         </p:spPr>
@@ -3212,7 +3531,7 @@
         </p:nvSpPr>
         <p:spPr>
           <a:xfrm>
-            <a:off x="1524000" y="1449977"/>
+            <a:off x="1524000" y="1449981"/>
             <a:ext cx="9144000" cy="3807823"/>
           </a:xfrm>
         </p:spPr>
@@ -3353,6 +3672,16 @@
   <p:clrMapOvr>
     <a:masterClrMapping/>
   </p:clrMapOvr>
+  <p:transition spd="slow">
+    <p:push dir="u"/>
+  </p:transition>
+  <p:timing>
+    <p:tnLst>
+      <p:par>
+        <p:cTn id="1" dur="indefinite" restart="never" nodeType="tmRoot"/>
+      </p:par>
+    </p:tnLst>
+  </p:timing>
 </p:sld>
 </file>
 
@@ -3417,7 +3746,7 @@
         </p:nvSpPr>
         <p:spPr>
           <a:xfrm>
-            <a:off x="1524000" y="416969"/>
+            <a:off x="1524000" y="416973"/>
             <a:ext cx="9144000" cy="863191"/>
           </a:xfrm>
         </p:spPr>
@@ -3446,7 +3775,7 @@
         </p:nvSpPr>
         <p:spPr>
           <a:xfrm>
-            <a:off x="5569403" y="1280160"/>
+            <a:off x="5569406" y="1280160"/>
             <a:ext cx="1053193" cy="391886"/>
           </a:xfrm>
           <a:prstGeom prst="rect">
@@ -3491,7 +3820,7 @@
         </p:nvSpPr>
         <p:spPr>
           <a:xfrm>
-            <a:off x="5569401" y="5990405"/>
+            <a:off x="5569404" y="5990405"/>
             <a:ext cx="1053193" cy="391886"/>
           </a:xfrm>
           <a:prstGeom prst="rect">
@@ -3536,7 +3865,7 @@
         </p:nvSpPr>
         <p:spPr>
           <a:xfrm rot="10800000">
-            <a:off x="5501638" y="1924594"/>
+            <a:off x="5501641" y="1924598"/>
             <a:ext cx="1188721" cy="561703"/>
           </a:xfrm>
           <a:prstGeom prst="snip2SameRect">
@@ -3587,8 +3916,8 @@
         </p:nvCxnSpPr>
         <p:spPr>
           <a:xfrm flipH="1">
-            <a:off x="6095998" y="1672046"/>
-            <a:ext cx="2" cy="252548"/>
+            <a:off x="6095997" y="1672046"/>
+            <a:ext cx="3" cy="252548"/>
           </a:xfrm>
           <a:prstGeom prst="straightConnector1">
             <a:avLst/>
@@ -3623,7 +3952,7 @@
         </p:nvSpPr>
         <p:spPr>
           <a:xfrm rot="10800000">
-            <a:off x="4102138" y="3787138"/>
+            <a:off x="4102139" y="3787142"/>
             <a:ext cx="1373780" cy="561703"/>
           </a:xfrm>
           <a:prstGeom prst="snip2SameRect">
@@ -3671,7 +4000,7 @@
         </p:nvSpPr>
         <p:spPr>
           <a:xfrm rot="10800000">
-            <a:off x="5475918" y="2738844"/>
+            <a:off x="5475919" y="2738848"/>
             <a:ext cx="1240160" cy="561703"/>
           </a:xfrm>
           <a:prstGeom prst="snip2SameRect">
@@ -3722,7 +4051,7 @@
         </p:nvCxnSpPr>
         <p:spPr>
           <a:xfrm>
-            <a:off x="6095998" y="2486297"/>
+            <a:off x="6095999" y="2486301"/>
             <a:ext cx="0" cy="252547"/>
           </a:xfrm>
           <a:prstGeom prst="straightConnector1">
@@ -3758,7 +4087,7 @@
         </p:nvSpPr>
         <p:spPr>
           <a:xfrm rot="10800000">
-            <a:off x="6716078" y="3787138"/>
+            <a:off x="6716079" y="3787142"/>
             <a:ext cx="1373780" cy="561703"/>
           </a:xfrm>
           <a:prstGeom prst="snip2SameRect">
@@ -3806,7 +4135,7 @@
         </p:nvSpPr>
         <p:spPr>
           <a:xfrm rot="10800000">
-            <a:off x="6716077" y="4554576"/>
+            <a:off x="6716079" y="4554580"/>
             <a:ext cx="1373780" cy="561703"/>
           </a:xfrm>
           <a:prstGeom prst="snip2SameRect">
@@ -3857,8 +4186,8 @@
         </p:nvCxnSpPr>
         <p:spPr>
           <a:xfrm flipH="1">
-            <a:off x="4789028" y="3300547"/>
-            <a:ext cx="1306970" cy="486591"/>
+            <a:off x="4789029" y="3300551"/>
+            <a:ext cx="1306971" cy="486591"/>
           </a:xfrm>
           <a:prstGeom prst="straightConnector1">
             <a:avLst/>
@@ -3896,8 +4225,8 @@
         </p:nvCxnSpPr>
         <p:spPr>
           <a:xfrm>
-            <a:off x="6095998" y="3300547"/>
-            <a:ext cx="1306970" cy="486591"/>
+            <a:off x="6095997" y="3300551"/>
+            <a:ext cx="1306971" cy="486591"/>
           </a:xfrm>
           <a:prstGeom prst="straightConnector1">
             <a:avLst/>
@@ -3935,7 +4264,7 @@
         </p:nvCxnSpPr>
         <p:spPr>
           <a:xfrm flipH="1">
-            <a:off x="7402967" y="4348841"/>
+            <a:off x="7402970" y="4348845"/>
             <a:ext cx="1" cy="205735"/>
           </a:xfrm>
           <a:prstGeom prst="straightConnector1">
@@ -3971,8 +4300,8 @@
         </p:nvSpPr>
         <p:spPr>
           <a:xfrm rot="5400000">
-            <a:off x="3677596" y="5675465"/>
-            <a:ext cx="849081" cy="1021766"/>
+            <a:off x="3677598" y="5675468"/>
+            <a:ext cx="849081" cy="1021767"/>
           </a:xfrm>
           <a:prstGeom prst="snip2SameRect">
             <a:avLst/>
@@ -4022,8 +4351,8 @@
         </p:nvCxnSpPr>
         <p:spPr>
           <a:xfrm>
-            <a:off x="4789028" y="4348841"/>
-            <a:ext cx="1306970" cy="1641564"/>
+            <a:off x="4789029" y="4348841"/>
+            <a:ext cx="1306971" cy="1641564"/>
           </a:xfrm>
           <a:prstGeom prst="straightConnector1">
             <a:avLst/>
@@ -4061,7 +4390,7 @@
         </p:nvCxnSpPr>
         <p:spPr>
           <a:xfrm flipH="1">
-            <a:off x="6095998" y="5116279"/>
+            <a:off x="6096001" y="5116279"/>
             <a:ext cx="1306969" cy="874126"/>
           </a:xfrm>
           <a:prstGeom prst="straightConnector1">
@@ -4100,7 +4429,7 @@
         </p:nvCxnSpPr>
         <p:spPr>
           <a:xfrm flipV="1">
-            <a:off x="4613020" y="6186348"/>
+            <a:off x="4613020" y="6186352"/>
             <a:ext cx="956381" cy="1"/>
           </a:xfrm>
           <a:prstGeom prst="straightConnector1">
@@ -4139,7 +4468,7 @@
         </p:nvCxnSpPr>
         <p:spPr>
           <a:xfrm>
-            <a:off x="6622594" y="6186348"/>
+            <a:off x="6622597" y="6186348"/>
             <a:ext cx="1467263" cy="0"/>
           </a:xfrm>
           <a:prstGeom prst="straightConnector1">
@@ -4177,8 +4506,8 @@
         </p:nvCxnSpPr>
         <p:spPr>
           <a:xfrm rot="5400000">
-            <a:off x="3721212" y="3762715"/>
-            <a:ext cx="481690" cy="1653942"/>
+            <a:off x="3721212" y="3762718"/>
+            <a:ext cx="481690" cy="1653943"/>
           </a:xfrm>
           <a:prstGeom prst="bentConnector2">
             <a:avLst/>
@@ -4214,7 +4543,7 @@
         </p:nvCxnSpPr>
         <p:spPr>
           <a:xfrm rot="16200000" flipH="1">
-            <a:off x="2681178" y="5276272"/>
+            <a:off x="2681181" y="5276276"/>
             <a:ext cx="1350921" cy="469231"/>
           </a:xfrm>
           <a:prstGeom prst="bentConnector2">
@@ -4250,7 +4579,7 @@
         </p:nvSpPr>
         <p:spPr>
           <a:xfrm>
-            <a:off x="8089857" y="5906040"/>
+            <a:off x="8089860" y="5906040"/>
             <a:ext cx="1053193" cy="560616"/>
           </a:xfrm>
           <a:prstGeom prst="rect">
@@ -4297,6 +4626,5640 @@
   <p:clrMapOvr>
     <a:masterClrMapping/>
   </p:clrMapOvr>
+  <mc:AlternateContent xmlns:mc="http://schemas.openxmlformats.org/markup-compatibility/2006">
+    <mc:Choice xmlns:p14="http://schemas.microsoft.com/office/powerpoint/2010/main" Requires="p14">
+      <p:transition spd="slow" p14:dur="1400">
+        <p14:ripple/>
+      </p:transition>
+    </mc:Choice>
+    <mc:Fallback>
+      <p:transition spd="slow">
+        <p:fade/>
+      </p:transition>
+    </mc:Fallback>
+  </mc:AlternateContent>
+  <p:timing>
+    <p:tnLst>
+      <p:par>
+        <p:cTn id="1" dur="indefinite" restart="never" nodeType="tmRoot">
+          <p:childTnLst>
+            <p:seq concurrent="1" nextAc="seek">
+              <p:cTn id="2" dur="indefinite" nodeType="mainSeq">
+                <p:childTnLst>
+                  <p:par>
+                    <p:cTn id="3" fill="hold">
+                      <p:stCondLst>
+                        <p:cond delay="indefinite"/>
+                        <p:cond evt="onBegin" delay="0">
+                          <p:tn val="2"/>
+                        </p:cond>
+                      </p:stCondLst>
+                      <p:childTnLst>
+                        <p:par>
+                          <p:cTn id="4" fill="hold">
+                            <p:stCondLst>
+                              <p:cond delay="0"/>
+                            </p:stCondLst>
+                            <p:childTnLst>
+                              <p:par>
+                                <p:cTn id="5" presetID="26" presetClass="entr" presetSubtype="0" fill="hold" grpId="0" nodeType="withEffect">
+                                  <p:stCondLst>
+                                    <p:cond delay="0"/>
+                                  </p:stCondLst>
+                                  <p:childTnLst>
+                                    <p:set>
+                                      <p:cBhvr>
+                                        <p:cTn id="6" dur="1" fill="hold">
+                                          <p:stCondLst>
+                                            <p:cond delay="0"/>
+                                          </p:stCondLst>
+                                        </p:cTn>
+                                        <p:tgtEl>
+                                          <p:spTgt spid="7"/>
+                                        </p:tgtEl>
+                                        <p:attrNameLst>
+                                          <p:attrName>style.visibility</p:attrName>
+                                        </p:attrNameLst>
+                                      </p:cBhvr>
+                                      <p:to>
+                                        <p:strVal val="visible"/>
+                                      </p:to>
+                                    </p:set>
+                                    <p:animEffect transition="in" filter="wipe(down)">
+                                      <p:cBhvr>
+                                        <p:cTn id="7" dur="580">
+                                          <p:stCondLst>
+                                            <p:cond delay="0"/>
+                                          </p:stCondLst>
+                                        </p:cTn>
+                                        <p:tgtEl>
+                                          <p:spTgt spid="7"/>
+                                        </p:tgtEl>
+                                      </p:cBhvr>
+                                    </p:animEffect>
+                                    <p:anim calcmode="lin" valueType="num">
+                                      <p:cBhvr>
+                                        <p:cTn id="8" dur="1822" tmFilter="0,0; 0.14,0.36; 0.43,0.73; 0.71,0.91; 1.0,1.0">
+                                          <p:stCondLst>
+                                            <p:cond delay="0"/>
+                                          </p:stCondLst>
+                                        </p:cTn>
+                                        <p:tgtEl>
+                                          <p:spTgt spid="7"/>
+                                        </p:tgtEl>
+                                        <p:attrNameLst>
+                                          <p:attrName>ppt_x</p:attrName>
+                                        </p:attrNameLst>
+                                      </p:cBhvr>
+                                      <p:tavLst>
+                                        <p:tav tm="0">
+                                          <p:val>
+                                            <p:strVal val="#ppt_x-0.25"/>
+                                          </p:val>
+                                        </p:tav>
+                                        <p:tav tm="100000">
+                                          <p:val>
+                                            <p:strVal val="#ppt_x"/>
+                                          </p:val>
+                                        </p:tav>
+                                      </p:tavLst>
+                                    </p:anim>
+                                    <p:anim calcmode="lin" valueType="num">
+                                      <p:cBhvr>
+                                        <p:cTn id="9" dur="664" tmFilter="0.0,0.0; 0.25,0.07; 0.50,0.2; 0.75,0.467; 1.0,1.0">
+                                          <p:stCondLst>
+                                            <p:cond delay="0"/>
+                                          </p:stCondLst>
+                                        </p:cTn>
+                                        <p:tgtEl>
+                                          <p:spTgt spid="7"/>
+                                        </p:tgtEl>
+                                        <p:attrNameLst>
+                                          <p:attrName>ppt_y</p:attrName>
+                                        </p:attrNameLst>
+                                      </p:cBhvr>
+                                      <p:tavLst>
+                                        <p:tav tm="0" fmla="#ppt_y-sin(pi*$)/3">
+                                          <p:val>
+                                            <p:fltVal val="0.5"/>
+                                          </p:val>
+                                        </p:tav>
+                                        <p:tav tm="100000">
+                                          <p:val>
+                                            <p:fltVal val="1"/>
+                                          </p:val>
+                                        </p:tav>
+                                      </p:tavLst>
+                                    </p:anim>
+                                    <p:anim calcmode="lin" valueType="num">
+                                      <p:cBhvr>
+                                        <p:cTn id="10" dur="664" tmFilter="0, 0; 0.125,0.2665; 0.25,0.4; 0.375,0.465; 0.5,0.5;  0.625,0.535; 0.75,0.6; 0.875,0.7335; 1,1">
+                                          <p:stCondLst>
+                                            <p:cond delay="664"/>
+                                          </p:stCondLst>
+                                        </p:cTn>
+                                        <p:tgtEl>
+                                          <p:spTgt spid="7"/>
+                                        </p:tgtEl>
+                                        <p:attrNameLst>
+                                          <p:attrName>ppt_y</p:attrName>
+                                        </p:attrNameLst>
+                                      </p:cBhvr>
+                                      <p:tavLst>
+                                        <p:tav tm="0" fmla="#ppt_y-sin(pi*$)/9">
+                                          <p:val>
+                                            <p:fltVal val="0"/>
+                                          </p:val>
+                                        </p:tav>
+                                        <p:tav tm="100000">
+                                          <p:val>
+                                            <p:fltVal val="1"/>
+                                          </p:val>
+                                        </p:tav>
+                                      </p:tavLst>
+                                    </p:anim>
+                                    <p:anim calcmode="lin" valueType="num">
+                                      <p:cBhvr>
+                                        <p:cTn id="11" dur="332" tmFilter="0, 0; 0.125,0.2665; 0.25,0.4; 0.375,0.465; 0.5,0.5;  0.625,0.535; 0.75,0.6; 0.875,0.7335; 1,1">
+                                          <p:stCondLst>
+                                            <p:cond delay="1324"/>
+                                          </p:stCondLst>
+                                        </p:cTn>
+                                        <p:tgtEl>
+                                          <p:spTgt spid="7"/>
+                                        </p:tgtEl>
+                                        <p:attrNameLst>
+                                          <p:attrName>ppt_y</p:attrName>
+                                        </p:attrNameLst>
+                                      </p:cBhvr>
+                                      <p:tavLst>
+                                        <p:tav tm="0" fmla="#ppt_y-sin(pi*$)/27">
+                                          <p:val>
+                                            <p:fltVal val="0"/>
+                                          </p:val>
+                                        </p:tav>
+                                        <p:tav tm="100000">
+                                          <p:val>
+                                            <p:fltVal val="1"/>
+                                          </p:val>
+                                        </p:tav>
+                                      </p:tavLst>
+                                    </p:anim>
+                                    <p:anim calcmode="lin" valueType="num">
+                                      <p:cBhvr>
+                                        <p:cTn id="12" dur="164" tmFilter="0, 0; 0.125,0.2665; 0.25,0.4; 0.375,0.465; 0.5,0.5;  0.625,0.535; 0.75,0.6; 0.875,0.7335; 1,1">
+                                          <p:stCondLst>
+                                            <p:cond delay="1656"/>
+                                          </p:stCondLst>
+                                        </p:cTn>
+                                        <p:tgtEl>
+                                          <p:spTgt spid="7"/>
+                                        </p:tgtEl>
+                                        <p:attrNameLst>
+                                          <p:attrName>ppt_y</p:attrName>
+                                        </p:attrNameLst>
+                                      </p:cBhvr>
+                                      <p:tavLst>
+                                        <p:tav tm="0" fmla="#ppt_y-sin(pi*$)/81">
+                                          <p:val>
+                                            <p:fltVal val="0"/>
+                                          </p:val>
+                                        </p:tav>
+                                        <p:tav tm="100000">
+                                          <p:val>
+                                            <p:fltVal val="1"/>
+                                          </p:val>
+                                        </p:tav>
+                                      </p:tavLst>
+                                    </p:anim>
+                                    <p:animScale>
+                                      <p:cBhvr>
+                                        <p:cTn id="13" dur="26">
+                                          <p:stCondLst>
+                                            <p:cond delay="650"/>
+                                          </p:stCondLst>
+                                        </p:cTn>
+                                        <p:tgtEl>
+                                          <p:spTgt spid="7"/>
+                                        </p:tgtEl>
+                                      </p:cBhvr>
+                                      <p:to x="100000" y="60000"/>
+                                    </p:animScale>
+                                    <p:animScale>
+                                      <p:cBhvr>
+                                        <p:cTn id="14" dur="166" decel="50000">
+                                          <p:stCondLst>
+                                            <p:cond delay="676"/>
+                                          </p:stCondLst>
+                                        </p:cTn>
+                                        <p:tgtEl>
+                                          <p:spTgt spid="7"/>
+                                        </p:tgtEl>
+                                      </p:cBhvr>
+                                      <p:to x="100000" y="100000"/>
+                                    </p:animScale>
+                                    <p:animScale>
+                                      <p:cBhvr>
+                                        <p:cTn id="15" dur="26">
+                                          <p:stCondLst>
+                                            <p:cond delay="1312"/>
+                                          </p:stCondLst>
+                                        </p:cTn>
+                                        <p:tgtEl>
+                                          <p:spTgt spid="7"/>
+                                        </p:tgtEl>
+                                      </p:cBhvr>
+                                      <p:to x="100000" y="80000"/>
+                                    </p:animScale>
+                                    <p:animScale>
+                                      <p:cBhvr>
+                                        <p:cTn id="16" dur="166" decel="50000">
+                                          <p:stCondLst>
+                                            <p:cond delay="1338"/>
+                                          </p:stCondLst>
+                                        </p:cTn>
+                                        <p:tgtEl>
+                                          <p:spTgt spid="7"/>
+                                        </p:tgtEl>
+                                      </p:cBhvr>
+                                      <p:to x="100000" y="100000"/>
+                                    </p:animScale>
+                                    <p:animScale>
+                                      <p:cBhvr>
+                                        <p:cTn id="17" dur="26">
+                                          <p:stCondLst>
+                                            <p:cond delay="1642"/>
+                                          </p:stCondLst>
+                                        </p:cTn>
+                                        <p:tgtEl>
+                                          <p:spTgt spid="7"/>
+                                        </p:tgtEl>
+                                      </p:cBhvr>
+                                      <p:to x="100000" y="90000"/>
+                                    </p:animScale>
+                                    <p:animScale>
+                                      <p:cBhvr>
+                                        <p:cTn id="18" dur="166" decel="50000">
+                                          <p:stCondLst>
+                                            <p:cond delay="1668"/>
+                                          </p:stCondLst>
+                                        </p:cTn>
+                                        <p:tgtEl>
+                                          <p:spTgt spid="7"/>
+                                        </p:tgtEl>
+                                      </p:cBhvr>
+                                      <p:to x="100000" y="100000"/>
+                                    </p:animScale>
+                                    <p:animScale>
+                                      <p:cBhvr>
+                                        <p:cTn id="19" dur="26">
+                                          <p:stCondLst>
+                                            <p:cond delay="1808"/>
+                                          </p:stCondLst>
+                                        </p:cTn>
+                                        <p:tgtEl>
+                                          <p:spTgt spid="7"/>
+                                        </p:tgtEl>
+                                      </p:cBhvr>
+                                      <p:to x="100000" y="95000"/>
+                                    </p:animScale>
+                                    <p:animScale>
+                                      <p:cBhvr>
+                                        <p:cTn id="20" dur="166" decel="50000">
+                                          <p:stCondLst>
+                                            <p:cond delay="1834"/>
+                                          </p:stCondLst>
+                                        </p:cTn>
+                                        <p:tgtEl>
+                                          <p:spTgt spid="7"/>
+                                        </p:tgtEl>
+                                      </p:cBhvr>
+                                      <p:to x="100000" y="100000"/>
+                                    </p:animScale>
+                                  </p:childTnLst>
+                                </p:cTn>
+                              </p:par>
+                              <p:par>
+                                <p:cTn id="21" presetID="26" presetClass="entr" presetSubtype="0" fill="hold" grpId="0" nodeType="withEffect">
+                                  <p:stCondLst>
+                                    <p:cond delay="0"/>
+                                  </p:stCondLst>
+                                  <p:childTnLst>
+                                    <p:set>
+                                      <p:cBhvr>
+                                        <p:cTn id="22" dur="1" fill="hold">
+                                          <p:stCondLst>
+                                            <p:cond delay="0"/>
+                                          </p:stCondLst>
+                                        </p:cTn>
+                                        <p:tgtEl>
+                                          <p:spTgt spid="8"/>
+                                        </p:tgtEl>
+                                        <p:attrNameLst>
+                                          <p:attrName>style.visibility</p:attrName>
+                                        </p:attrNameLst>
+                                      </p:cBhvr>
+                                      <p:to>
+                                        <p:strVal val="visible"/>
+                                      </p:to>
+                                    </p:set>
+                                    <p:animEffect transition="in" filter="wipe(down)">
+                                      <p:cBhvr>
+                                        <p:cTn id="23" dur="580">
+                                          <p:stCondLst>
+                                            <p:cond delay="0"/>
+                                          </p:stCondLst>
+                                        </p:cTn>
+                                        <p:tgtEl>
+                                          <p:spTgt spid="8"/>
+                                        </p:tgtEl>
+                                      </p:cBhvr>
+                                    </p:animEffect>
+                                    <p:anim calcmode="lin" valueType="num">
+                                      <p:cBhvr>
+                                        <p:cTn id="24" dur="1822" tmFilter="0,0; 0.14,0.36; 0.43,0.73; 0.71,0.91; 1.0,1.0">
+                                          <p:stCondLst>
+                                            <p:cond delay="0"/>
+                                          </p:stCondLst>
+                                        </p:cTn>
+                                        <p:tgtEl>
+                                          <p:spTgt spid="8"/>
+                                        </p:tgtEl>
+                                        <p:attrNameLst>
+                                          <p:attrName>ppt_x</p:attrName>
+                                        </p:attrNameLst>
+                                      </p:cBhvr>
+                                      <p:tavLst>
+                                        <p:tav tm="0">
+                                          <p:val>
+                                            <p:strVal val="#ppt_x-0.25"/>
+                                          </p:val>
+                                        </p:tav>
+                                        <p:tav tm="100000">
+                                          <p:val>
+                                            <p:strVal val="#ppt_x"/>
+                                          </p:val>
+                                        </p:tav>
+                                      </p:tavLst>
+                                    </p:anim>
+                                    <p:anim calcmode="lin" valueType="num">
+                                      <p:cBhvr>
+                                        <p:cTn id="25" dur="664" tmFilter="0.0,0.0; 0.25,0.07; 0.50,0.2; 0.75,0.467; 1.0,1.0">
+                                          <p:stCondLst>
+                                            <p:cond delay="0"/>
+                                          </p:stCondLst>
+                                        </p:cTn>
+                                        <p:tgtEl>
+                                          <p:spTgt spid="8"/>
+                                        </p:tgtEl>
+                                        <p:attrNameLst>
+                                          <p:attrName>ppt_y</p:attrName>
+                                        </p:attrNameLst>
+                                      </p:cBhvr>
+                                      <p:tavLst>
+                                        <p:tav tm="0" fmla="#ppt_y-sin(pi*$)/3">
+                                          <p:val>
+                                            <p:fltVal val="0.5"/>
+                                          </p:val>
+                                        </p:tav>
+                                        <p:tav tm="100000">
+                                          <p:val>
+                                            <p:fltVal val="1"/>
+                                          </p:val>
+                                        </p:tav>
+                                      </p:tavLst>
+                                    </p:anim>
+                                    <p:anim calcmode="lin" valueType="num">
+                                      <p:cBhvr>
+                                        <p:cTn id="26" dur="664" tmFilter="0, 0; 0.125,0.2665; 0.25,0.4; 0.375,0.465; 0.5,0.5;  0.625,0.535; 0.75,0.6; 0.875,0.7335; 1,1">
+                                          <p:stCondLst>
+                                            <p:cond delay="664"/>
+                                          </p:stCondLst>
+                                        </p:cTn>
+                                        <p:tgtEl>
+                                          <p:spTgt spid="8"/>
+                                        </p:tgtEl>
+                                        <p:attrNameLst>
+                                          <p:attrName>ppt_y</p:attrName>
+                                        </p:attrNameLst>
+                                      </p:cBhvr>
+                                      <p:tavLst>
+                                        <p:tav tm="0" fmla="#ppt_y-sin(pi*$)/9">
+                                          <p:val>
+                                            <p:fltVal val="0"/>
+                                          </p:val>
+                                        </p:tav>
+                                        <p:tav tm="100000">
+                                          <p:val>
+                                            <p:fltVal val="1"/>
+                                          </p:val>
+                                        </p:tav>
+                                      </p:tavLst>
+                                    </p:anim>
+                                    <p:anim calcmode="lin" valueType="num">
+                                      <p:cBhvr>
+                                        <p:cTn id="27" dur="332" tmFilter="0, 0; 0.125,0.2665; 0.25,0.4; 0.375,0.465; 0.5,0.5;  0.625,0.535; 0.75,0.6; 0.875,0.7335; 1,1">
+                                          <p:stCondLst>
+                                            <p:cond delay="1324"/>
+                                          </p:stCondLst>
+                                        </p:cTn>
+                                        <p:tgtEl>
+                                          <p:spTgt spid="8"/>
+                                        </p:tgtEl>
+                                        <p:attrNameLst>
+                                          <p:attrName>ppt_y</p:attrName>
+                                        </p:attrNameLst>
+                                      </p:cBhvr>
+                                      <p:tavLst>
+                                        <p:tav tm="0" fmla="#ppt_y-sin(pi*$)/27">
+                                          <p:val>
+                                            <p:fltVal val="0"/>
+                                          </p:val>
+                                        </p:tav>
+                                        <p:tav tm="100000">
+                                          <p:val>
+                                            <p:fltVal val="1"/>
+                                          </p:val>
+                                        </p:tav>
+                                      </p:tavLst>
+                                    </p:anim>
+                                    <p:anim calcmode="lin" valueType="num">
+                                      <p:cBhvr>
+                                        <p:cTn id="28" dur="164" tmFilter="0, 0; 0.125,0.2665; 0.25,0.4; 0.375,0.465; 0.5,0.5;  0.625,0.535; 0.75,0.6; 0.875,0.7335; 1,1">
+                                          <p:stCondLst>
+                                            <p:cond delay="1656"/>
+                                          </p:stCondLst>
+                                        </p:cTn>
+                                        <p:tgtEl>
+                                          <p:spTgt spid="8"/>
+                                        </p:tgtEl>
+                                        <p:attrNameLst>
+                                          <p:attrName>ppt_y</p:attrName>
+                                        </p:attrNameLst>
+                                      </p:cBhvr>
+                                      <p:tavLst>
+                                        <p:tav tm="0" fmla="#ppt_y-sin(pi*$)/81">
+                                          <p:val>
+                                            <p:fltVal val="0"/>
+                                          </p:val>
+                                        </p:tav>
+                                        <p:tav tm="100000">
+                                          <p:val>
+                                            <p:fltVal val="1"/>
+                                          </p:val>
+                                        </p:tav>
+                                      </p:tavLst>
+                                    </p:anim>
+                                    <p:animScale>
+                                      <p:cBhvr>
+                                        <p:cTn id="29" dur="26">
+                                          <p:stCondLst>
+                                            <p:cond delay="650"/>
+                                          </p:stCondLst>
+                                        </p:cTn>
+                                        <p:tgtEl>
+                                          <p:spTgt spid="8"/>
+                                        </p:tgtEl>
+                                      </p:cBhvr>
+                                      <p:to x="100000" y="60000"/>
+                                    </p:animScale>
+                                    <p:animScale>
+                                      <p:cBhvr>
+                                        <p:cTn id="30" dur="166" decel="50000">
+                                          <p:stCondLst>
+                                            <p:cond delay="676"/>
+                                          </p:stCondLst>
+                                        </p:cTn>
+                                        <p:tgtEl>
+                                          <p:spTgt spid="8"/>
+                                        </p:tgtEl>
+                                      </p:cBhvr>
+                                      <p:to x="100000" y="100000"/>
+                                    </p:animScale>
+                                    <p:animScale>
+                                      <p:cBhvr>
+                                        <p:cTn id="31" dur="26">
+                                          <p:stCondLst>
+                                            <p:cond delay="1312"/>
+                                          </p:stCondLst>
+                                        </p:cTn>
+                                        <p:tgtEl>
+                                          <p:spTgt spid="8"/>
+                                        </p:tgtEl>
+                                      </p:cBhvr>
+                                      <p:to x="100000" y="80000"/>
+                                    </p:animScale>
+                                    <p:animScale>
+                                      <p:cBhvr>
+                                        <p:cTn id="32" dur="166" decel="50000">
+                                          <p:stCondLst>
+                                            <p:cond delay="1338"/>
+                                          </p:stCondLst>
+                                        </p:cTn>
+                                        <p:tgtEl>
+                                          <p:spTgt spid="8"/>
+                                        </p:tgtEl>
+                                      </p:cBhvr>
+                                      <p:to x="100000" y="100000"/>
+                                    </p:animScale>
+                                    <p:animScale>
+                                      <p:cBhvr>
+                                        <p:cTn id="33" dur="26">
+                                          <p:stCondLst>
+                                            <p:cond delay="1642"/>
+                                          </p:stCondLst>
+                                        </p:cTn>
+                                        <p:tgtEl>
+                                          <p:spTgt spid="8"/>
+                                        </p:tgtEl>
+                                      </p:cBhvr>
+                                      <p:to x="100000" y="90000"/>
+                                    </p:animScale>
+                                    <p:animScale>
+                                      <p:cBhvr>
+                                        <p:cTn id="34" dur="166" decel="50000">
+                                          <p:stCondLst>
+                                            <p:cond delay="1668"/>
+                                          </p:stCondLst>
+                                        </p:cTn>
+                                        <p:tgtEl>
+                                          <p:spTgt spid="8"/>
+                                        </p:tgtEl>
+                                      </p:cBhvr>
+                                      <p:to x="100000" y="100000"/>
+                                    </p:animScale>
+                                    <p:animScale>
+                                      <p:cBhvr>
+                                        <p:cTn id="35" dur="26">
+                                          <p:stCondLst>
+                                            <p:cond delay="1808"/>
+                                          </p:stCondLst>
+                                        </p:cTn>
+                                        <p:tgtEl>
+                                          <p:spTgt spid="8"/>
+                                        </p:tgtEl>
+                                      </p:cBhvr>
+                                      <p:to x="100000" y="95000"/>
+                                    </p:animScale>
+                                    <p:animScale>
+                                      <p:cBhvr>
+                                        <p:cTn id="36" dur="166" decel="50000">
+                                          <p:stCondLst>
+                                            <p:cond delay="1834"/>
+                                          </p:stCondLst>
+                                        </p:cTn>
+                                        <p:tgtEl>
+                                          <p:spTgt spid="8"/>
+                                        </p:tgtEl>
+                                      </p:cBhvr>
+                                      <p:to x="100000" y="100000"/>
+                                    </p:animScale>
+                                  </p:childTnLst>
+                                </p:cTn>
+                              </p:par>
+                              <p:par>
+                                <p:cTn id="37" presetID="26" presetClass="entr" presetSubtype="0" fill="hold" grpId="0" nodeType="withEffect">
+                                  <p:stCondLst>
+                                    <p:cond delay="0"/>
+                                  </p:stCondLst>
+                                  <p:childTnLst>
+                                    <p:set>
+                                      <p:cBhvr>
+                                        <p:cTn id="38" dur="1" fill="hold">
+                                          <p:stCondLst>
+                                            <p:cond delay="0"/>
+                                          </p:stCondLst>
+                                        </p:cTn>
+                                        <p:tgtEl>
+                                          <p:spTgt spid="9"/>
+                                        </p:tgtEl>
+                                        <p:attrNameLst>
+                                          <p:attrName>style.visibility</p:attrName>
+                                        </p:attrNameLst>
+                                      </p:cBhvr>
+                                      <p:to>
+                                        <p:strVal val="visible"/>
+                                      </p:to>
+                                    </p:set>
+                                    <p:animEffect transition="in" filter="wipe(down)">
+                                      <p:cBhvr>
+                                        <p:cTn id="39" dur="580">
+                                          <p:stCondLst>
+                                            <p:cond delay="0"/>
+                                          </p:stCondLst>
+                                        </p:cTn>
+                                        <p:tgtEl>
+                                          <p:spTgt spid="9"/>
+                                        </p:tgtEl>
+                                      </p:cBhvr>
+                                    </p:animEffect>
+                                    <p:anim calcmode="lin" valueType="num">
+                                      <p:cBhvr>
+                                        <p:cTn id="40" dur="1822" tmFilter="0,0; 0.14,0.36; 0.43,0.73; 0.71,0.91; 1.0,1.0">
+                                          <p:stCondLst>
+                                            <p:cond delay="0"/>
+                                          </p:stCondLst>
+                                        </p:cTn>
+                                        <p:tgtEl>
+                                          <p:spTgt spid="9"/>
+                                        </p:tgtEl>
+                                        <p:attrNameLst>
+                                          <p:attrName>ppt_x</p:attrName>
+                                        </p:attrNameLst>
+                                      </p:cBhvr>
+                                      <p:tavLst>
+                                        <p:tav tm="0">
+                                          <p:val>
+                                            <p:strVal val="#ppt_x-0.25"/>
+                                          </p:val>
+                                        </p:tav>
+                                        <p:tav tm="100000">
+                                          <p:val>
+                                            <p:strVal val="#ppt_x"/>
+                                          </p:val>
+                                        </p:tav>
+                                      </p:tavLst>
+                                    </p:anim>
+                                    <p:anim calcmode="lin" valueType="num">
+                                      <p:cBhvr>
+                                        <p:cTn id="41" dur="664" tmFilter="0.0,0.0; 0.25,0.07; 0.50,0.2; 0.75,0.467; 1.0,1.0">
+                                          <p:stCondLst>
+                                            <p:cond delay="0"/>
+                                          </p:stCondLst>
+                                        </p:cTn>
+                                        <p:tgtEl>
+                                          <p:spTgt spid="9"/>
+                                        </p:tgtEl>
+                                        <p:attrNameLst>
+                                          <p:attrName>ppt_y</p:attrName>
+                                        </p:attrNameLst>
+                                      </p:cBhvr>
+                                      <p:tavLst>
+                                        <p:tav tm="0" fmla="#ppt_y-sin(pi*$)/3">
+                                          <p:val>
+                                            <p:fltVal val="0.5"/>
+                                          </p:val>
+                                        </p:tav>
+                                        <p:tav tm="100000">
+                                          <p:val>
+                                            <p:fltVal val="1"/>
+                                          </p:val>
+                                        </p:tav>
+                                      </p:tavLst>
+                                    </p:anim>
+                                    <p:anim calcmode="lin" valueType="num">
+                                      <p:cBhvr>
+                                        <p:cTn id="42" dur="664" tmFilter="0, 0; 0.125,0.2665; 0.25,0.4; 0.375,0.465; 0.5,0.5;  0.625,0.535; 0.75,0.6; 0.875,0.7335; 1,1">
+                                          <p:stCondLst>
+                                            <p:cond delay="664"/>
+                                          </p:stCondLst>
+                                        </p:cTn>
+                                        <p:tgtEl>
+                                          <p:spTgt spid="9"/>
+                                        </p:tgtEl>
+                                        <p:attrNameLst>
+                                          <p:attrName>ppt_y</p:attrName>
+                                        </p:attrNameLst>
+                                      </p:cBhvr>
+                                      <p:tavLst>
+                                        <p:tav tm="0" fmla="#ppt_y-sin(pi*$)/9">
+                                          <p:val>
+                                            <p:fltVal val="0"/>
+                                          </p:val>
+                                        </p:tav>
+                                        <p:tav tm="100000">
+                                          <p:val>
+                                            <p:fltVal val="1"/>
+                                          </p:val>
+                                        </p:tav>
+                                      </p:tavLst>
+                                    </p:anim>
+                                    <p:anim calcmode="lin" valueType="num">
+                                      <p:cBhvr>
+                                        <p:cTn id="43" dur="332" tmFilter="0, 0; 0.125,0.2665; 0.25,0.4; 0.375,0.465; 0.5,0.5;  0.625,0.535; 0.75,0.6; 0.875,0.7335; 1,1">
+                                          <p:stCondLst>
+                                            <p:cond delay="1324"/>
+                                          </p:stCondLst>
+                                        </p:cTn>
+                                        <p:tgtEl>
+                                          <p:spTgt spid="9"/>
+                                        </p:tgtEl>
+                                        <p:attrNameLst>
+                                          <p:attrName>ppt_y</p:attrName>
+                                        </p:attrNameLst>
+                                      </p:cBhvr>
+                                      <p:tavLst>
+                                        <p:tav tm="0" fmla="#ppt_y-sin(pi*$)/27">
+                                          <p:val>
+                                            <p:fltVal val="0"/>
+                                          </p:val>
+                                        </p:tav>
+                                        <p:tav tm="100000">
+                                          <p:val>
+                                            <p:fltVal val="1"/>
+                                          </p:val>
+                                        </p:tav>
+                                      </p:tavLst>
+                                    </p:anim>
+                                    <p:anim calcmode="lin" valueType="num">
+                                      <p:cBhvr>
+                                        <p:cTn id="44" dur="164" tmFilter="0, 0; 0.125,0.2665; 0.25,0.4; 0.375,0.465; 0.5,0.5;  0.625,0.535; 0.75,0.6; 0.875,0.7335; 1,1">
+                                          <p:stCondLst>
+                                            <p:cond delay="1656"/>
+                                          </p:stCondLst>
+                                        </p:cTn>
+                                        <p:tgtEl>
+                                          <p:spTgt spid="9"/>
+                                        </p:tgtEl>
+                                        <p:attrNameLst>
+                                          <p:attrName>ppt_y</p:attrName>
+                                        </p:attrNameLst>
+                                      </p:cBhvr>
+                                      <p:tavLst>
+                                        <p:tav tm="0" fmla="#ppt_y-sin(pi*$)/81">
+                                          <p:val>
+                                            <p:fltVal val="0"/>
+                                          </p:val>
+                                        </p:tav>
+                                        <p:tav tm="100000">
+                                          <p:val>
+                                            <p:fltVal val="1"/>
+                                          </p:val>
+                                        </p:tav>
+                                      </p:tavLst>
+                                    </p:anim>
+                                    <p:animScale>
+                                      <p:cBhvr>
+                                        <p:cTn id="45" dur="26">
+                                          <p:stCondLst>
+                                            <p:cond delay="650"/>
+                                          </p:stCondLst>
+                                        </p:cTn>
+                                        <p:tgtEl>
+                                          <p:spTgt spid="9"/>
+                                        </p:tgtEl>
+                                      </p:cBhvr>
+                                      <p:to x="100000" y="60000"/>
+                                    </p:animScale>
+                                    <p:animScale>
+                                      <p:cBhvr>
+                                        <p:cTn id="46" dur="166" decel="50000">
+                                          <p:stCondLst>
+                                            <p:cond delay="676"/>
+                                          </p:stCondLst>
+                                        </p:cTn>
+                                        <p:tgtEl>
+                                          <p:spTgt spid="9"/>
+                                        </p:tgtEl>
+                                      </p:cBhvr>
+                                      <p:to x="100000" y="100000"/>
+                                    </p:animScale>
+                                    <p:animScale>
+                                      <p:cBhvr>
+                                        <p:cTn id="47" dur="26">
+                                          <p:stCondLst>
+                                            <p:cond delay="1312"/>
+                                          </p:stCondLst>
+                                        </p:cTn>
+                                        <p:tgtEl>
+                                          <p:spTgt spid="9"/>
+                                        </p:tgtEl>
+                                      </p:cBhvr>
+                                      <p:to x="100000" y="80000"/>
+                                    </p:animScale>
+                                    <p:animScale>
+                                      <p:cBhvr>
+                                        <p:cTn id="48" dur="166" decel="50000">
+                                          <p:stCondLst>
+                                            <p:cond delay="1338"/>
+                                          </p:stCondLst>
+                                        </p:cTn>
+                                        <p:tgtEl>
+                                          <p:spTgt spid="9"/>
+                                        </p:tgtEl>
+                                      </p:cBhvr>
+                                      <p:to x="100000" y="100000"/>
+                                    </p:animScale>
+                                    <p:animScale>
+                                      <p:cBhvr>
+                                        <p:cTn id="49" dur="26">
+                                          <p:stCondLst>
+                                            <p:cond delay="1642"/>
+                                          </p:stCondLst>
+                                        </p:cTn>
+                                        <p:tgtEl>
+                                          <p:spTgt spid="9"/>
+                                        </p:tgtEl>
+                                      </p:cBhvr>
+                                      <p:to x="100000" y="90000"/>
+                                    </p:animScale>
+                                    <p:animScale>
+                                      <p:cBhvr>
+                                        <p:cTn id="50" dur="166" decel="50000">
+                                          <p:stCondLst>
+                                            <p:cond delay="1668"/>
+                                          </p:stCondLst>
+                                        </p:cTn>
+                                        <p:tgtEl>
+                                          <p:spTgt spid="9"/>
+                                        </p:tgtEl>
+                                      </p:cBhvr>
+                                      <p:to x="100000" y="100000"/>
+                                    </p:animScale>
+                                    <p:animScale>
+                                      <p:cBhvr>
+                                        <p:cTn id="51" dur="26">
+                                          <p:stCondLst>
+                                            <p:cond delay="1808"/>
+                                          </p:stCondLst>
+                                        </p:cTn>
+                                        <p:tgtEl>
+                                          <p:spTgt spid="9"/>
+                                        </p:tgtEl>
+                                      </p:cBhvr>
+                                      <p:to x="100000" y="95000"/>
+                                    </p:animScale>
+                                    <p:animScale>
+                                      <p:cBhvr>
+                                        <p:cTn id="52" dur="166" decel="50000">
+                                          <p:stCondLst>
+                                            <p:cond delay="1834"/>
+                                          </p:stCondLst>
+                                        </p:cTn>
+                                        <p:tgtEl>
+                                          <p:spTgt spid="9"/>
+                                        </p:tgtEl>
+                                      </p:cBhvr>
+                                      <p:to x="100000" y="100000"/>
+                                    </p:animScale>
+                                  </p:childTnLst>
+                                </p:cTn>
+                              </p:par>
+                              <p:par>
+                                <p:cTn id="53" presetID="26" presetClass="entr" presetSubtype="0" fill="hold" nodeType="withEffect">
+                                  <p:stCondLst>
+                                    <p:cond delay="0"/>
+                                  </p:stCondLst>
+                                  <p:childTnLst>
+                                    <p:set>
+                                      <p:cBhvr>
+                                        <p:cTn id="54" dur="1" fill="hold">
+                                          <p:stCondLst>
+                                            <p:cond delay="0"/>
+                                          </p:stCondLst>
+                                        </p:cTn>
+                                        <p:tgtEl>
+                                          <p:spTgt spid="11"/>
+                                        </p:tgtEl>
+                                        <p:attrNameLst>
+                                          <p:attrName>style.visibility</p:attrName>
+                                        </p:attrNameLst>
+                                      </p:cBhvr>
+                                      <p:to>
+                                        <p:strVal val="visible"/>
+                                      </p:to>
+                                    </p:set>
+                                    <p:animEffect transition="in" filter="wipe(down)">
+                                      <p:cBhvr>
+                                        <p:cTn id="55" dur="580">
+                                          <p:stCondLst>
+                                            <p:cond delay="0"/>
+                                          </p:stCondLst>
+                                        </p:cTn>
+                                        <p:tgtEl>
+                                          <p:spTgt spid="11"/>
+                                        </p:tgtEl>
+                                      </p:cBhvr>
+                                    </p:animEffect>
+                                    <p:anim calcmode="lin" valueType="num">
+                                      <p:cBhvr>
+                                        <p:cTn id="56" dur="1822" tmFilter="0,0; 0.14,0.36; 0.43,0.73; 0.71,0.91; 1.0,1.0">
+                                          <p:stCondLst>
+                                            <p:cond delay="0"/>
+                                          </p:stCondLst>
+                                        </p:cTn>
+                                        <p:tgtEl>
+                                          <p:spTgt spid="11"/>
+                                        </p:tgtEl>
+                                        <p:attrNameLst>
+                                          <p:attrName>ppt_x</p:attrName>
+                                        </p:attrNameLst>
+                                      </p:cBhvr>
+                                      <p:tavLst>
+                                        <p:tav tm="0">
+                                          <p:val>
+                                            <p:strVal val="#ppt_x-0.25"/>
+                                          </p:val>
+                                        </p:tav>
+                                        <p:tav tm="100000">
+                                          <p:val>
+                                            <p:strVal val="#ppt_x"/>
+                                          </p:val>
+                                        </p:tav>
+                                      </p:tavLst>
+                                    </p:anim>
+                                    <p:anim calcmode="lin" valueType="num">
+                                      <p:cBhvr>
+                                        <p:cTn id="57" dur="664" tmFilter="0.0,0.0; 0.25,0.07; 0.50,0.2; 0.75,0.467; 1.0,1.0">
+                                          <p:stCondLst>
+                                            <p:cond delay="0"/>
+                                          </p:stCondLst>
+                                        </p:cTn>
+                                        <p:tgtEl>
+                                          <p:spTgt spid="11"/>
+                                        </p:tgtEl>
+                                        <p:attrNameLst>
+                                          <p:attrName>ppt_y</p:attrName>
+                                        </p:attrNameLst>
+                                      </p:cBhvr>
+                                      <p:tavLst>
+                                        <p:tav tm="0" fmla="#ppt_y-sin(pi*$)/3">
+                                          <p:val>
+                                            <p:fltVal val="0.5"/>
+                                          </p:val>
+                                        </p:tav>
+                                        <p:tav tm="100000">
+                                          <p:val>
+                                            <p:fltVal val="1"/>
+                                          </p:val>
+                                        </p:tav>
+                                      </p:tavLst>
+                                    </p:anim>
+                                    <p:anim calcmode="lin" valueType="num">
+                                      <p:cBhvr>
+                                        <p:cTn id="58" dur="664" tmFilter="0, 0; 0.125,0.2665; 0.25,0.4; 0.375,0.465; 0.5,0.5;  0.625,0.535; 0.75,0.6; 0.875,0.7335; 1,1">
+                                          <p:stCondLst>
+                                            <p:cond delay="664"/>
+                                          </p:stCondLst>
+                                        </p:cTn>
+                                        <p:tgtEl>
+                                          <p:spTgt spid="11"/>
+                                        </p:tgtEl>
+                                        <p:attrNameLst>
+                                          <p:attrName>ppt_y</p:attrName>
+                                        </p:attrNameLst>
+                                      </p:cBhvr>
+                                      <p:tavLst>
+                                        <p:tav tm="0" fmla="#ppt_y-sin(pi*$)/9">
+                                          <p:val>
+                                            <p:fltVal val="0"/>
+                                          </p:val>
+                                        </p:tav>
+                                        <p:tav tm="100000">
+                                          <p:val>
+                                            <p:fltVal val="1"/>
+                                          </p:val>
+                                        </p:tav>
+                                      </p:tavLst>
+                                    </p:anim>
+                                    <p:anim calcmode="lin" valueType="num">
+                                      <p:cBhvr>
+                                        <p:cTn id="59" dur="332" tmFilter="0, 0; 0.125,0.2665; 0.25,0.4; 0.375,0.465; 0.5,0.5;  0.625,0.535; 0.75,0.6; 0.875,0.7335; 1,1">
+                                          <p:stCondLst>
+                                            <p:cond delay="1324"/>
+                                          </p:stCondLst>
+                                        </p:cTn>
+                                        <p:tgtEl>
+                                          <p:spTgt spid="11"/>
+                                        </p:tgtEl>
+                                        <p:attrNameLst>
+                                          <p:attrName>ppt_y</p:attrName>
+                                        </p:attrNameLst>
+                                      </p:cBhvr>
+                                      <p:tavLst>
+                                        <p:tav tm="0" fmla="#ppt_y-sin(pi*$)/27">
+                                          <p:val>
+                                            <p:fltVal val="0"/>
+                                          </p:val>
+                                        </p:tav>
+                                        <p:tav tm="100000">
+                                          <p:val>
+                                            <p:fltVal val="1"/>
+                                          </p:val>
+                                        </p:tav>
+                                      </p:tavLst>
+                                    </p:anim>
+                                    <p:anim calcmode="lin" valueType="num">
+                                      <p:cBhvr>
+                                        <p:cTn id="60" dur="164" tmFilter="0, 0; 0.125,0.2665; 0.25,0.4; 0.375,0.465; 0.5,0.5;  0.625,0.535; 0.75,0.6; 0.875,0.7335; 1,1">
+                                          <p:stCondLst>
+                                            <p:cond delay="1656"/>
+                                          </p:stCondLst>
+                                        </p:cTn>
+                                        <p:tgtEl>
+                                          <p:spTgt spid="11"/>
+                                        </p:tgtEl>
+                                        <p:attrNameLst>
+                                          <p:attrName>ppt_y</p:attrName>
+                                        </p:attrNameLst>
+                                      </p:cBhvr>
+                                      <p:tavLst>
+                                        <p:tav tm="0" fmla="#ppt_y-sin(pi*$)/81">
+                                          <p:val>
+                                            <p:fltVal val="0"/>
+                                          </p:val>
+                                        </p:tav>
+                                        <p:tav tm="100000">
+                                          <p:val>
+                                            <p:fltVal val="1"/>
+                                          </p:val>
+                                        </p:tav>
+                                      </p:tavLst>
+                                    </p:anim>
+                                    <p:animScale>
+                                      <p:cBhvr>
+                                        <p:cTn id="61" dur="26">
+                                          <p:stCondLst>
+                                            <p:cond delay="650"/>
+                                          </p:stCondLst>
+                                        </p:cTn>
+                                        <p:tgtEl>
+                                          <p:spTgt spid="11"/>
+                                        </p:tgtEl>
+                                      </p:cBhvr>
+                                      <p:to x="100000" y="60000"/>
+                                    </p:animScale>
+                                    <p:animScale>
+                                      <p:cBhvr>
+                                        <p:cTn id="62" dur="166" decel="50000">
+                                          <p:stCondLst>
+                                            <p:cond delay="676"/>
+                                          </p:stCondLst>
+                                        </p:cTn>
+                                        <p:tgtEl>
+                                          <p:spTgt spid="11"/>
+                                        </p:tgtEl>
+                                      </p:cBhvr>
+                                      <p:to x="100000" y="100000"/>
+                                    </p:animScale>
+                                    <p:animScale>
+                                      <p:cBhvr>
+                                        <p:cTn id="63" dur="26">
+                                          <p:stCondLst>
+                                            <p:cond delay="1312"/>
+                                          </p:stCondLst>
+                                        </p:cTn>
+                                        <p:tgtEl>
+                                          <p:spTgt spid="11"/>
+                                        </p:tgtEl>
+                                      </p:cBhvr>
+                                      <p:to x="100000" y="80000"/>
+                                    </p:animScale>
+                                    <p:animScale>
+                                      <p:cBhvr>
+                                        <p:cTn id="64" dur="166" decel="50000">
+                                          <p:stCondLst>
+                                            <p:cond delay="1338"/>
+                                          </p:stCondLst>
+                                        </p:cTn>
+                                        <p:tgtEl>
+                                          <p:spTgt spid="11"/>
+                                        </p:tgtEl>
+                                      </p:cBhvr>
+                                      <p:to x="100000" y="100000"/>
+                                    </p:animScale>
+                                    <p:animScale>
+                                      <p:cBhvr>
+                                        <p:cTn id="65" dur="26">
+                                          <p:stCondLst>
+                                            <p:cond delay="1642"/>
+                                          </p:stCondLst>
+                                        </p:cTn>
+                                        <p:tgtEl>
+                                          <p:spTgt spid="11"/>
+                                        </p:tgtEl>
+                                      </p:cBhvr>
+                                      <p:to x="100000" y="90000"/>
+                                    </p:animScale>
+                                    <p:animScale>
+                                      <p:cBhvr>
+                                        <p:cTn id="66" dur="166" decel="50000">
+                                          <p:stCondLst>
+                                            <p:cond delay="1668"/>
+                                          </p:stCondLst>
+                                        </p:cTn>
+                                        <p:tgtEl>
+                                          <p:spTgt spid="11"/>
+                                        </p:tgtEl>
+                                      </p:cBhvr>
+                                      <p:to x="100000" y="100000"/>
+                                    </p:animScale>
+                                    <p:animScale>
+                                      <p:cBhvr>
+                                        <p:cTn id="67" dur="26">
+                                          <p:stCondLst>
+                                            <p:cond delay="1808"/>
+                                          </p:stCondLst>
+                                        </p:cTn>
+                                        <p:tgtEl>
+                                          <p:spTgt spid="11"/>
+                                        </p:tgtEl>
+                                      </p:cBhvr>
+                                      <p:to x="100000" y="95000"/>
+                                    </p:animScale>
+                                    <p:animScale>
+                                      <p:cBhvr>
+                                        <p:cTn id="68" dur="166" decel="50000">
+                                          <p:stCondLst>
+                                            <p:cond delay="1834"/>
+                                          </p:stCondLst>
+                                        </p:cTn>
+                                        <p:tgtEl>
+                                          <p:spTgt spid="11"/>
+                                        </p:tgtEl>
+                                      </p:cBhvr>
+                                      <p:to x="100000" y="100000"/>
+                                    </p:animScale>
+                                  </p:childTnLst>
+                                </p:cTn>
+                              </p:par>
+                              <p:par>
+                                <p:cTn id="69" presetID="26" presetClass="entr" presetSubtype="0" fill="hold" grpId="0" nodeType="withEffect">
+                                  <p:stCondLst>
+                                    <p:cond delay="0"/>
+                                  </p:stCondLst>
+                                  <p:childTnLst>
+                                    <p:set>
+                                      <p:cBhvr>
+                                        <p:cTn id="70" dur="1" fill="hold">
+                                          <p:stCondLst>
+                                            <p:cond delay="0"/>
+                                          </p:stCondLst>
+                                        </p:cTn>
+                                        <p:tgtEl>
+                                          <p:spTgt spid="12"/>
+                                        </p:tgtEl>
+                                        <p:attrNameLst>
+                                          <p:attrName>style.visibility</p:attrName>
+                                        </p:attrNameLst>
+                                      </p:cBhvr>
+                                      <p:to>
+                                        <p:strVal val="visible"/>
+                                      </p:to>
+                                    </p:set>
+                                    <p:animEffect transition="in" filter="wipe(down)">
+                                      <p:cBhvr>
+                                        <p:cTn id="71" dur="580">
+                                          <p:stCondLst>
+                                            <p:cond delay="0"/>
+                                          </p:stCondLst>
+                                        </p:cTn>
+                                        <p:tgtEl>
+                                          <p:spTgt spid="12"/>
+                                        </p:tgtEl>
+                                      </p:cBhvr>
+                                    </p:animEffect>
+                                    <p:anim calcmode="lin" valueType="num">
+                                      <p:cBhvr>
+                                        <p:cTn id="72" dur="1822" tmFilter="0,0; 0.14,0.36; 0.43,0.73; 0.71,0.91; 1.0,1.0">
+                                          <p:stCondLst>
+                                            <p:cond delay="0"/>
+                                          </p:stCondLst>
+                                        </p:cTn>
+                                        <p:tgtEl>
+                                          <p:spTgt spid="12"/>
+                                        </p:tgtEl>
+                                        <p:attrNameLst>
+                                          <p:attrName>ppt_x</p:attrName>
+                                        </p:attrNameLst>
+                                      </p:cBhvr>
+                                      <p:tavLst>
+                                        <p:tav tm="0">
+                                          <p:val>
+                                            <p:strVal val="#ppt_x-0.25"/>
+                                          </p:val>
+                                        </p:tav>
+                                        <p:tav tm="100000">
+                                          <p:val>
+                                            <p:strVal val="#ppt_x"/>
+                                          </p:val>
+                                        </p:tav>
+                                      </p:tavLst>
+                                    </p:anim>
+                                    <p:anim calcmode="lin" valueType="num">
+                                      <p:cBhvr>
+                                        <p:cTn id="73" dur="664" tmFilter="0.0,0.0; 0.25,0.07; 0.50,0.2; 0.75,0.467; 1.0,1.0">
+                                          <p:stCondLst>
+                                            <p:cond delay="0"/>
+                                          </p:stCondLst>
+                                        </p:cTn>
+                                        <p:tgtEl>
+                                          <p:spTgt spid="12"/>
+                                        </p:tgtEl>
+                                        <p:attrNameLst>
+                                          <p:attrName>ppt_y</p:attrName>
+                                        </p:attrNameLst>
+                                      </p:cBhvr>
+                                      <p:tavLst>
+                                        <p:tav tm="0" fmla="#ppt_y-sin(pi*$)/3">
+                                          <p:val>
+                                            <p:fltVal val="0.5"/>
+                                          </p:val>
+                                        </p:tav>
+                                        <p:tav tm="100000">
+                                          <p:val>
+                                            <p:fltVal val="1"/>
+                                          </p:val>
+                                        </p:tav>
+                                      </p:tavLst>
+                                    </p:anim>
+                                    <p:anim calcmode="lin" valueType="num">
+                                      <p:cBhvr>
+                                        <p:cTn id="74" dur="664" tmFilter="0, 0; 0.125,0.2665; 0.25,0.4; 0.375,0.465; 0.5,0.5;  0.625,0.535; 0.75,0.6; 0.875,0.7335; 1,1">
+                                          <p:stCondLst>
+                                            <p:cond delay="664"/>
+                                          </p:stCondLst>
+                                        </p:cTn>
+                                        <p:tgtEl>
+                                          <p:spTgt spid="12"/>
+                                        </p:tgtEl>
+                                        <p:attrNameLst>
+                                          <p:attrName>ppt_y</p:attrName>
+                                        </p:attrNameLst>
+                                      </p:cBhvr>
+                                      <p:tavLst>
+                                        <p:tav tm="0" fmla="#ppt_y-sin(pi*$)/9">
+                                          <p:val>
+                                            <p:fltVal val="0"/>
+                                          </p:val>
+                                        </p:tav>
+                                        <p:tav tm="100000">
+                                          <p:val>
+                                            <p:fltVal val="1"/>
+                                          </p:val>
+                                        </p:tav>
+                                      </p:tavLst>
+                                    </p:anim>
+                                    <p:anim calcmode="lin" valueType="num">
+                                      <p:cBhvr>
+                                        <p:cTn id="75" dur="332" tmFilter="0, 0; 0.125,0.2665; 0.25,0.4; 0.375,0.465; 0.5,0.5;  0.625,0.535; 0.75,0.6; 0.875,0.7335; 1,1">
+                                          <p:stCondLst>
+                                            <p:cond delay="1324"/>
+                                          </p:stCondLst>
+                                        </p:cTn>
+                                        <p:tgtEl>
+                                          <p:spTgt spid="12"/>
+                                        </p:tgtEl>
+                                        <p:attrNameLst>
+                                          <p:attrName>ppt_y</p:attrName>
+                                        </p:attrNameLst>
+                                      </p:cBhvr>
+                                      <p:tavLst>
+                                        <p:tav tm="0" fmla="#ppt_y-sin(pi*$)/27">
+                                          <p:val>
+                                            <p:fltVal val="0"/>
+                                          </p:val>
+                                        </p:tav>
+                                        <p:tav tm="100000">
+                                          <p:val>
+                                            <p:fltVal val="1"/>
+                                          </p:val>
+                                        </p:tav>
+                                      </p:tavLst>
+                                    </p:anim>
+                                    <p:anim calcmode="lin" valueType="num">
+                                      <p:cBhvr>
+                                        <p:cTn id="76" dur="164" tmFilter="0, 0; 0.125,0.2665; 0.25,0.4; 0.375,0.465; 0.5,0.5;  0.625,0.535; 0.75,0.6; 0.875,0.7335; 1,1">
+                                          <p:stCondLst>
+                                            <p:cond delay="1656"/>
+                                          </p:stCondLst>
+                                        </p:cTn>
+                                        <p:tgtEl>
+                                          <p:spTgt spid="12"/>
+                                        </p:tgtEl>
+                                        <p:attrNameLst>
+                                          <p:attrName>ppt_y</p:attrName>
+                                        </p:attrNameLst>
+                                      </p:cBhvr>
+                                      <p:tavLst>
+                                        <p:tav tm="0" fmla="#ppt_y-sin(pi*$)/81">
+                                          <p:val>
+                                            <p:fltVal val="0"/>
+                                          </p:val>
+                                        </p:tav>
+                                        <p:tav tm="100000">
+                                          <p:val>
+                                            <p:fltVal val="1"/>
+                                          </p:val>
+                                        </p:tav>
+                                      </p:tavLst>
+                                    </p:anim>
+                                    <p:animScale>
+                                      <p:cBhvr>
+                                        <p:cTn id="77" dur="26">
+                                          <p:stCondLst>
+                                            <p:cond delay="650"/>
+                                          </p:stCondLst>
+                                        </p:cTn>
+                                        <p:tgtEl>
+                                          <p:spTgt spid="12"/>
+                                        </p:tgtEl>
+                                      </p:cBhvr>
+                                      <p:to x="100000" y="60000"/>
+                                    </p:animScale>
+                                    <p:animScale>
+                                      <p:cBhvr>
+                                        <p:cTn id="78" dur="166" decel="50000">
+                                          <p:stCondLst>
+                                            <p:cond delay="676"/>
+                                          </p:stCondLst>
+                                        </p:cTn>
+                                        <p:tgtEl>
+                                          <p:spTgt spid="12"/>
+                                        </p:tgtEl>
+                                      </p:cBhvr>
+                                      <p:to x="100000" y="100000"/>
+                                    </p:animScale>
+                                    <p:animScale>
+                                      <p:cBhvr>
+                                        <p:cTn id="79" dur="26">
+                                          <p:stCondLst>
+                                            <p:cond delay="1312"/>
+                                          </p:stCondLst>
+                                        </p:cTn>
+                                        <p:tgtEl>
+                                          <p:spTgt spid="12"/>
+                                        </p:tgtEl>
+                                      </p:cBhvr>
+                                      <p:to x="100000" y="80000"/>
+                                    </p:animScale>
+                                    <p:animScale>
+                                      <p:cBhvr>
+                                        <p:cTn id="80" dur="166" decel="50000">
+                                          <p:stCondLst>
+                                            <p:cond delay="1338"/>
+                                          </p:stCondLst>
+                                        </p:cTn>
+                                        <p:tgtEl>
+                                          <p:spTgt spid="12"/>
+                                        </p:tgtEl>
+                                      </p:cBhvr>
+                                      <p:to x="100000" y="100000"/>
+                                    </p:animScale>
+                                    <p:animScale>
+                                      <p:cBhvr>
+                                        <p:cTn id="81" dur="26">
+                                          <p:stCondLst>
+                                            <p:cond delay="1642"/>
+                                          </p:stCondLst>
+                                        </p:cTn>
+                                        <p:tgtEl>
+                                          <p:spTgt spid="12"/>
+                                        </p:tgtEl>
+                                      </p:cBhvr>
+                                      <p:to x="100000" y="90000"/>
+                                    </p:animScale>
+                                    <p:animScale>
+                                      <p:cBhvr>
+                                        <p:cTn id="82" dur="166" decel="50000">
+                                          <p:stCondLst>
+                                            <p:cond delay="1668"/>
+                                          </p:stCondLst>
+                                        </p:cTn>
+                                        <p:tgtEl>
+                                          <p:spTgt spid="12"/>
+                                        </p:tgtEl>
+                                      </p:cBhvr>
+                                      <p:to x="100000" y="100000"/>
+                                    </p:animScale>
+                                    <p:animScale>
+                                      <p:cBhvr>
+                                        <p:cTn id="83" dur="26">
+                                          <p:stCondLst>
+                                            <p:cond delay="1808"/>
+                                          </p:stCondLst>
+                                        </p:cTn>
+                                        <p:tgtEl>
+                                          <p:spTgt spid="12"/>
+                                        </p:tgtEl>
+                                      </p:cBhvr>
+                                      <p:to x="100000" y="95000"/>
+                                    </p:animScale>
+                                    <p:animScale>
+                                      <p:cBhvr>
+                                        <p:cTn id="84" dur="166" decel="50000">
+                                          <p:stCondLst>
+                                            <p:cond delay="1834"/>
+                                          </p:stCondLst>
+                                        </p:cTn>
+                                        <p:tgtEl>
+                                          <p:spTgt spid="12"/>
+                                        </p:tgtEl>
+                                      </p:cBhvr>
+                                      <p:to x="100000" y="100000"/>
+                                    </p:animScale>
+                                  </p:childTnLst>
+                                </p:cTn>
+                              </p:par>
+                              <p:par>
+                                <p:cTn id="85" presetID="26" presetClass="entr" presetSubtype="0" fill="hold" grpId="0" nodeType="withEffect">
+                                  <p:stCondLst>
+                                    <p:cond delay="0"/>
+                                  </p:stCondLst>
+                                  <p:childTnLst>
+                                    <p:set>
+                                      <p:cBhvr>
+                                        <p:cTn id="86" dur="1" fill="hold">
+                                          <p:stCondLst>
+                                            <p:cond delay="0"/>
+                                          </p:stCondLst>
+                                        </p:cTn>
+                                        <p:tgtEl>
+                                          <p:spTgt spid="13"/>
+                                        </p:tgtEl>
+                                        <p:attrNameLst>
+                                          <p:attrName>style.visibility</p:attrName>
+                                        </p:attrNameLst>
+                                      </p:cBhvr>
+                                      <p:to>
+                                        <p:strVal val="visible"/>
+                                      </p:to>
+                                    </p:set>
+                                    <p:animEffect transition="in" filter="wipe(down)">
+                                      <p:cBhvr>
+                                        <p:cTn id="87" dur="580">
+                                          <p:stCondLst>
+                                            <p:cond delay="0"/>
+                                          </p:stCondLst>
+                                        </p:cTn>
+                                        <p:tgtEl>
+                                          <p:spTgt spid="13"/>
+                                        </p:tgtEl>
+                                      </p:cBhvr>
+                                    </p:animEffect>
+                                    <p:anim calcmode="lin" valueType="num">
+                                      <p:cBhvr>
+                                        <p:cTn id="88" dur="1822" tmFilter="0,0; 0.14,0.36; 0.43,0.73; 0.71,0.91; 1.0,1.0">
+                                          <p:stCondLst>
+                                            <p:cond delay="0"/>
+                                          </p:stCondLst>
+                                        </p:cTn>
+                                        <p:tgtEl>
+                                          <p:spTgt spid="13"/>
+                                        </p:tgtEl>
+                                        <p:attrNameLst>
+                                          <p:attrName>ppt_x</p:attrName>
+                                        </p:attrNameLst>
+                                      </p:cBhvr>
+                                      <p:tavLst>
+                                        <p:tav tm="0">
+                                          <p:val>
+                                            <p:strVal val="#ppt_x-0.25"/>
+                                          </p:val>
+                                        </p:tav>
+                                        <p:tav tm="100000">
+                                          <p:val>
+                                            <p:strVal val="#ppt_x"/>
+                                          </p:val>
+                                        </p:tav>
+                                      </p:tavLst>
+                                    </p:anim>
+                                    <p:anim calcmode="lin" valueType="num">
+                                      <p:cBhvr>
+                                        <p:cTn id="89" dur="664" tmFilter="0.0,0.0; 0.25,0.07; 0.50,0.2; 0.75,0.467; 1.0,1.0">
+                                          <p:stCondLst>
+                                            <p:cond delay="0"/>
+                                          </p:stCondLst>
+                                        </p:cTn>
+                                        <p:tgtEl>
+                                          <p:spTgt spid="13"/>
+                                        </p:tgtEl>
+                                        <p:attrNameLst>
+                                          <p:attrName>ppt_y</p:attrName>
+                                        </p:attrNameLst>
+                                      </p:cBhvr>
+                                      <p:tavLst>
+                                        <p:tav tm="0" fmla="#ppt_y-sin(pi*$)/3">
+                                          <p:val>
+                                            <p:fltVal val="0.5"/>
+                                          </p:val>
+                                        </p:tav>
+                                        <p:tav tm="100000">
+                                          <p:val>
+                                            <p:fltVal val="1"/>
+                                          </p:val>
+                                        </p:tav>
+                                      </p:tavLst>
+                                    </p:anim>
+                                    <p:anim calcmode="lin" valueType="num">
+                                      <p:cBhvr>
+                                        <p:cTn id="90" dur="664" tmFilter="0, 0; 0.125,0.2665; 0.25,0.4; 0.375,0.465; 0.5,0.5;  0.625,0.535; 0.75,0.6; 0.875,0.7335; 1,1">
+                                          <p:stCondLst>
+                                            <p:cond delay="664"/>
+                                          </p:stCondLst>
+                                        </p:cTn>
+                                        <p:tgtEl>
+                                          <p:spTgt spid="13"/>
+                                        </p:tgtEl>
+                                        <p:attrNameLst>
+                                          <p:attrName>ppt_y</p:attrName>
+                                        </p:attrNameLst>
+                                      </p:cBhvr>
+                                      <p:tavLst>
+                                        <p:tav tm="0" fmla="#ppt_y-sin(pi*$)/9">
+                                          <p:val>
+                                            <p:fltVal val="0"/>
+                                          </p:val>
+                                        </p:tav>
+                                        <p:tav tm="100000">
+                                          <p:val>
+                                            <p:fltVal val="1"/>
+                                          </p:val>
+                                        </p:tav>
+                                      </p:tavLst>
+                                    </p:anim>
+                                    <p:anim calcmode="lin" valueType="num">
+                                      <p:cBhvr>
+                                        <p:cTn id="91" dur="332" tmFilter="0, 0; 0.125,0.2665; 0.25,0.4; 0.375,0.465; 0.5,0.5;  0.625,0.535; 0.75,0.6; 0.875,0.7335; 1,1">
+                                          <p:stCondLst>
+                                            <p:cond delay="1324"/>
+                                          </p:stCondLst>
+                                        </p:cTn>
+                                        <p:tgtEl>
+                                          <p:spTgt spid="13"/>
+                                        </p:tgtEl>
+                                        <p:attrNameLst>
+                                          <p:attrName>ppt_y</p:attrName>
+                                        </p:attrNameLst>
+                                      </p:cBhvr>
+                                      <p:tavLst>
+                                        <p:tav tm="0" fmla="#ppt_y-sin(pi*$)/27">
+                                          <p:val>
+                                            <p:fltVal val="0"/>
+                                          </p:val>
+                                        </p:tav>
+                                        <p:tav tm="100000">
+                                          <p:val>
+                                            <p:fltVal val="1"/>
+                                          </p:val>
+                                        </p:tav>
+                                      </p:tavLst>
+                                    </p:anim>
+                                    <p:anim calcmode="lin" valueType="num">
+                                      <p:cBhvr>
+                                        <p:cTn id="92" dur="164" tmFilter="0, 0; 0.125,0.2665; 0.25,0.4; 0.375,0.465; 0.5,0.5;  0.625,0.535; 0.75,0.6; 0.875,0.7335; 1,1">
+                                          <p:stCondLst>
+                                            <p:cond delay="1656"/>
+                                          </p:stCondLst>
+                                        </p:cTn>
+                                        <p:tgtEl>
+                                          <p:spTgt spid="13"/>
+                                        </p:tgtEl>
+                                        <p:attrNameLst>
+                                          <p:attrName>ppt_y</p:attrName>
+                                        </p:attrNameLst>
+                                      </p:cBhvr>
+                                      <p:tavLst>
+                                        <p:tav tm="0" fmla="#ppt_y-sin(pi*$)/81">
+                                          <p:val>
+                                            <p:fltVal val="0"/>
+                                          </p:val>
+                                        </p:tav>
+                                        <p:tav tm="100000">
+                                          <p:val>
+                                            <p:fltVal val="1"/>
+                                          </p:val>
+                                        </p:tav>
+                                      </p:tavLst>
+                                    </p:anim>
+                                    <p:animScale>
+                                      <p:cBhvr>
+                                        <p:cTn id="93" dur="26">
+                                          <p:stCondLst>
+                                            <p:cond delay="650"/>
+                                          </p:stCondLst>
+                                        </p:cTn>
+                                        <p:tgtEl>
+                                          <p:spTgt spid="13"/>
+                                        </p:tgtEl>
+                                      </p:cBhvr>
+                                      <p:to x="100000" y="60000"/>
+                                    </p:animScale>
+                                    <p:animScale>
+                                      <p:cBhvr>
+                                        <p:cTn id="94" dur="166" decel="50000">
+                                          <p:stCondLst>
+                                            <p:cond delay="676"/>
+                                          </p:stCondLst>
+                                        </p:cTn>
+                                        <p:tgtEl>
+                                          <p:spTgt spid="13"/>
+                                        </p:tgtEl>
+                                      </p:cBhvr>
+                                      <p:to x="100000" y="100000"/>
+                                    </p:animScale>
+                                    <p:animScale>
+                                      <p:cBhvr>
+                                        <p:cTn id="95" dur="26">
+                                          <p:stCondLst>
+                                            <p:cond delay="1312"/>
+                                          </p:stCondLst>
+                                        </p:cTn>
+                                        <p:tgtEl>
+                                          <p:spTgt spid="13"/>
+                                        </p:tgtEl>
+                                      </p:cBhvr>
+                                      <p:to x="100000" y="80000"/>
+                                    </p:animScale>
+                                    <p:animScale>
+                                      <p:cBhvr>
+                                        <p:cTn id="96" dur="166" decel="50000">
+                                          <p:stCondLst>
+                                            <p:cond delay="1338"/>
+                                          </p:stCondLst>
+                                        </p:cTn>
+                                        <p:tgtEl>
+                                          <p:spTgt spid="13"/>
+                                        </p:tgtEl>
+                                      </p:cBhvr>
+                                      <p:to x="100000" y="100000"/>
+                                    </p:animScale>
+                                    <p:animScale>
+                                      <p:cBhvr>
+                                        <p:cTn id="97" dur="26">
+                                          <p:stCondLst>
+                                            <p:cond delay="1642"/>
+                                          </p:stCondLst>
+                                        </p:cTn>
+                                        <p:tgtEl>
+                                          <p:spTgt spid="13"/>
+                                        </p:tgtEl>
+                                      </p:cBhvr>
+                                      <p:to x="100000" y="90000"/>
+                                    </p:animScale>
+                                    <p:animScale>
+                                      <p:cBhvr>
+                                        <p:cTn id="98" dur="166" decel="50000">
+                                          <p:stCondLst>
+                                            <p:cond delay="1668"/>
+                                          </p:stCondLst>
+                                        </p:cTn>
+                                        <p:tgtEl>
+                                          <p:spTgt spid="13"/>
+                                        </p:tgtEl>
+                                      </p:cBhvr>
+                                      <p:to x="100000" y="100000"/>
+                                    </p:animScale>
+                                    <p:animScale>
+                                      <p:cBhvr>
+                                        <p:cTn id="99" dur="26">
+                                          <p:stCondLst>
+                                            <p:cond delay="1808"/>
+                                          </p:stCondLst>
+                                        </p:cTn>
+                                        <p:tgtEl>
+                                          <p:spTgt spid="13"/>
+                                        </p:tgtEl>
+                                      </p:cBhvr>
+                                      <p:to x="100000" y="95000"/>
+                                    </p:animScale>
+                                    <p:animScale>
+                                      <p:cBhvr>
+                                        <p:cTn id="100" dur="166" decel="50000">
+                                          <p:stCondLst>
+                                            <p:cond delay="1834"/>
+                                          </p:stCondLst>
+                                        </p:cTn>
+                                        <p:tgtEl>
+                                          <p:spTgt spid="13"/>
+                                        </p:tgtEl>
+                                      </p:cBhvr>
+                                      <p:to x="100000" y="100000"/>
+                                    </p:animScale>
+                                  </p:childTnLst>
+                                </p:cTn>
+                              </p:par>
+                              <p:par>
+                                <p:cTn id="101" presetID="26" presetClass="entr" presetSubtype="0" fill="hold" nodeType="withEffect">
+                                  <p:stCondLst>
+                                    <p:cond delay="0"/>
+                                  </p:stCondLst>
+                                  <p:childTnLst>
+                                    <p:set>
+                                      <p:cBhvr>
+                                        <p:cTn id="102" dur="1" fill="hold">
+                                          <p:stCondLst>
+                                            <p:cond delay="0"/>
+                                          </p:stCondLst>
+                                        </p:cTn>
+                                        <p:tgtEl>
+                                          <p:spTgt spid="14"/>
+                                        </p:tgtEl>
+                                        <p:attrNameLst>
+                                          <p:attrName>style.visibility</p:attrName>
+                                        </p:attrNameLst>
+                                      </p:cBhvr>
+                                      <p:to>
+                                        <p:strVal val="visible"/>
+                                      </p:to>
+                                    </p:set>
+                                    <p:animEffect transition="in" filter="wipe(down)">
+                                      <p:cBhvr>
+                                        <p:cTn id="103" dur="580">
+                                          <p:stCondLst>
+                                            <p:cond delay="0"/>
+                                          </p:stCondLst>
+                                        </p:cTn>
+                                        <p:tgtEl>
+                                          <p:spTgt spid="14"/>
+                                        </p:tgtEl>
+                                      </p:cBhvr>
+                                    </p:animEffect>
+                                    <p:anim calcmode="lin" valueType="num">
+                                      <p:cBhvr>
+                                        <p:cTn id="104" dur="1822" tmFilter="0,0; 0.14,0.36; 0.43,0.73; 0.71,0.91; 1.0,1.0">
+                                          <p:stCondLst>
+                                            <p:cond delay="0"/>
+                                          </p:stCondLst>
+                                        </p:cTn>
+                                        <p:tgtEl>
+                                          <p:spTgt spid="14"/>
+                                        </p:tgtEl>
+                                        <p:attrNameLst>
+                                          <p:attrName>ppt_x</p:attrName>
+                                        </p:attrNameLst>
+                                      </p:cBhvr>
+                                      <p:tavLst>
+                                        <p:tav tm="0">
+                                          <p:val>
+                                            <p:strVal val="#ppt_x-0.25"/>
+                                          </p:val>
+                                        </p:tav>
+                                        <p:tav tm="100000">
+                                          <p:val>
+                                            <p:strVal val="#ppt_x"/>
+                                          </p:val>
+                                        </p:tav>
+                                      </p:tavLst>
+                                    </p:anim>
+                                    <p:anim calcmode="lin" valueType="num">
+                                      <p:cBhvr>
+                                        <p:cTn id="105" dur="664" tmFilter="0.0,0.0; 0.25,0.07; 0.50,0.2; 0.75,0.467; 1.0,1.0">
+                                          <p:stCondLst>
+                                            <p:cond delay="0"/>
+                                          </p:stCondLst>
+                                        </p:cTn>
+                                        <p:tgtEl>
+                                          <p:spTgt spid="14"/>
+                                        </p:tgtEl>
+                                        <p:attrNameLst>
+                                          <p:attrName>ppt_y</p:attrName>
+                                        </p:attrNameLst>
+                                      </p:cBhvr>
+                                      <p:tavLst>
+                                        <p:tav tm="0" fmla="#ppt_y-sin(pi*$)/3">
+                                          <p:val>
+                                            <p:fltVal val="0.5"/>
+                                          </p:val>
+                                        </p:tav>
+                                        <p:tav tm="100000">
+                                          <p:val>
+                                            <p:fltVal val="1"/>
+                                          </p:val>
+                                        </p:tav>
+                                      </p:tavLst>
+                                    </p:anim>
+                                    <p:anim calcmode="lin" valueType="num">
+                                      <p:cBhvr>
+                                        <p:cTn id="106" dur="664" tmFilter="0, 0; 0.125,0.2665; 0.25,0.4; 0.375,0.465; 0.5,0.5;  0.625,0.535; 0.75,0.6; 0.875,0.7335; 1,1">
+                                          <p:stCondLst>
+                                            <p:cond delay="664"/>
+                                          </p:stCondLst>
+                                        </p:cTn>
+                                        <p:tgtEl>
+                                          <p:spTgt spid="14"/>
+                                        </p:tgtEl>
+                                        <p:attrNameLst>
+                                          <p:attrName>ppt_y</p:attrName>
+                                        </p:attrNameLst>
+                                      </p:cBhvr>
+                                      <p:tavLst>
+                                        <p:tav tm="0" fmla="#ppt_y-sin(pi*$)/9">
+                                          <p:val>
+                                            <p:fltVal val="0"/>
+                                          </p:val>
+                                        </p:tav>
+                                        <p:tav tm="100000">
+                                          <p:val>
+                                            <p:fltVal val="1"/>
+                                          </p:val>
+                                        </p:tav>
+                                      </p:tavLst>
+                                    </p:anim>
+                                    <p:anim calcmode="lin" valueType="num">
+                                      <p:cBhvr>
+                                        <p:cTn id="107" dur="332" tmFilter="0, 0; 0.125,0.2665; 0.25,0.4; 0.375,0.465; 0.5,0.5;  0.625,0.535; 0.75,0.6; 0.875,0.7335; 1,1">
+                                          <p:stCondLst>
+                                            <p:cond delay="1324"/>
+                                          </p:stCondLst>
+                                        </p:cTn>
+                                        <p:tgtEl>
+                                          <p:spTgt spid="14"/>
+                                        </p:tgtEl>
+                                        <p:attrNameLst>
+                                          <p:attrName>ppt_y</p:attrName>
+                                        </p:attrNameLst>
+                                      </p:cBhvr>
+                                      <p:tavLst>
+                                        <p:tav tm="0" fmla="#ppt_y-sin(pi*$)/27">
+                                          <p:val>
+                                            <p:fltVal val="0"/>
+                                          </p:val>
+                                        </p:tav>
+                                        <p:tav tm="100000">
+                                          <p:val>
+                                            <p:fltVal val="1"/>
+                                          </p:val>
+                                        </p:tav>
+                                      </p:tavLst>
+                                    </p:anim>
+                                    <p:anim calcmode="lin" valueType="num">
+                                      <p:cBhvr>
+                                        <p:cTn id="108" dur="164" tmFilter="0, 0; 0.125,0.2665; 0.25,0.4; 0.375,0.465; 0.5,0.5;  0.625,0.535; 0.75,0.6; 0.875,0.7335; 1,1">
+                                          <p:stCondLst>
+                                            <p:cond delay="1656"/>
+                                          </p:stCondLst>
+                                        </p:cTn>
+                                        <p:tgtEl>
+                                          <p:spTgt spid="14"/>
+                                        </p:tgtEl>
+                                        <p:attrNameLst>
+                                          <p:attrName>ppt_y</p:attrName>
+                                        </p:attrNameLst>
+                                      </p:cBhvr>
+                                      <p:tavLst>
+                                        <p:tav tm="0" fmla="#ppt_y-sin(pi*$)/81">
+                                          <p:val>
+                                            <p:fltVal val="0"/>
+                                          </p:val>
+                                        </p:tav>
+                                        <p:tav tm="100000">
+                                          <p:val>
+                                            <p:fltVal val="1"/>
+                                          </p:val>
+                                        </p:tav>
+                                      </p:tavLst>
+                                    </p:anim>
+                                    <p:animScale>
+                                      <p:cBhvr>
+                                        <p:cTn id="109" dur="26">
+                                          <p:stCondLst>
+                                            <p:cond delay="650"/>
+                                          </p:stCondLst>
+                                        </p:cTn>
+                                        <p:tgtEl>
+                                          <p:spTgt spid="14"/>
+                                        </p:tgtEl>
+                                      </p:cBhvr>
+                                      <p:to x="100000" y="60000"/>
+                                    </p:animScale>
+                                    <p:animScale>
+                                      <p:cBhvr>
+                                        <p:cTn id="110" dur="166" decel="50000">
+                                          <p:stCondLst>
+                                            <p:cond delay="676"/>
+                                          </p:stCondLst>
+                                        </p:cTn>
+                                        <p:tgtEl>
+                                          <p:spTgt spid="14"/>
+                                        </p:tgtEl>
+                                      </p:cBhvr>
+                                      <p:to x="100000" y="100000"/>
+                                    </p:animScale>
+                                    <p:animScale>
+                                      <p:cBhvr>
+                                        <p:cTn id="111" dur="26">
+                                          <p:stCondLst>
+                                            <p:cond delay="1312"/>
+                                          </p:stCondLst>
+                                        </p:cTn>
+                                        <p:tgtEl>
+                                          <p:spTgt spid="14"/>
+                                        </p:tgtEl>
+                                      </p:cBhvr>
+                                      <p:to x="100000" y="80000"/>
+                                    </p:animScale>
+                                    <p:animScale>
+                                      <p:cBhvr>
+                                        <p:cTn id="112" dur="166" decel="50000">
+                                          <p:stCondLst>
+                                            <p:cond delay="1338"/>
+                                          </p:stCondLst>
+                                        </p:cTn>
+                                        <p:tgtEl>
+                                          <p:spTgt spid="14"/>
+                                        </p:tgtEl>
+                                      </p:cBhvr>
+                                      <p:to x="100000" y="100000"/>
+                                    </p:animScale>
+                                    <p:animScale>
+                                      <p:cBhvr>
+                                        <p:cTn id="113" dur="26">
+                                          <p:stCondLst>
+                                            <p:cond delay="1642"/>
+                                          </p:stCondLst>
+                                        </p:cTn>
+                                        <p:tgtEl>
+                                          <p:spTgt spid="14"/>
+                                        </p:tgtEl>
+                                      </p:cBhvr>
+                                      <p:to x="100000" y="90000"/>
+                                    </p:animScale>
+                                    <p:animScale>
+                                      <p:cBhvr>
+                                        <p:cTn id="114" dur="166" decel="50000">
+                                          <p:stCondLst>
+                                            <p:cond delay="1668"/>
+                                          </p:stCondLst>
+                                        </p:cTn>
+                                        <p:tgtEl>
+                                          <p:spTgt spid="14"/>
+                                        </p:tgtEl>
+                                      </p:cBhvr>
+                                      <p:to x="100000" y="100000"/>
+                                    </p:animScale>
+                                    <p:animScale>
+                                      <p:cBhvr>
+                                        <p:cTn id="115" dur="26">
+                                          <p:stCondLst>
+                                            <p:cond delay="1808"/>
+                                          </p:stCondLst>
+                                        </p:cTn>
+                                        <p:tgtEl>
+                                          <p:spTgt spid="14"/>
+                                        </p:tgtEl>
+                                      </p:cBhvr>
+                                      <p:to x="100000" y="95000"/>
+                                    </p:animScale>
+                                    <p:animScale>
+                                      <p:cBhvr>
+                                        <p:cTn id="116" dur="166" decel="50000">
+                                          <p:stCondLst>
+                                            <p:cond delay="1834"/>
+                                          </p:stCondLst>
+                                        </p:cTn>
+                                        <p:tgtEl>
+                                          <p:spTgt spid="14"/>
+                                        </p:tgtEl>
+                                      </p:cBhvr>
+                                      <p:to x="100000" y="100000"/>
+                                    </p:animScale>
+                                  </p:childTnLst>
+                                </p:cTn>
+                              </p:par>
+                              <p:par>
+                                <p:cTn id="117" presetID="26" presetClass="entr" presetSubtype="0" fill="hold" grpId="0" nodeType="withEffect">
+                                  <p:stCondLst>
+                                    <p:cond delay="0"/>
+                                  </p:stCondLst>
+                                  <p:childTnLst>
+                                    <p:set>
+                                      <p:cBhvr>
+                                        <p:cTn id="118" dur="1" fill="hold">
+                                          <p:stCondLst>
+                                            <p:cond delay="0"/>
+                                          </p:stCondLst>
+                                        </p:cTn>
+                                        <p:tgtEl>
+                                          <p:spTgt spid="18"/>
+                                        </p:tgtEl>
+                                        <p:attrNameLst>
+                                          <p:attrName>style.visibility</p:attrName>
+                                        </p:attrNameLst>
+                                      </p:cBhvr>
+                                      <p:to>
+                                        <p:strVal val="visible"/>
+                                      </p:to>
+                                    </p:set>
+                                    <p:animEffect transition="in" filter="wipe(down)">
+                                      <p:cBhvr>
+                                        <p:cTn id="119" dur="580">
+                                          <p:stCondLst>
+                                            <p:cond delay="0"/>
+                                          </p:stCondLst>
+                                        </p:cTn>
+                                        <p:tgtEl>
+                                          <p:spTgt spid="18"/>
+                                        </p:tgtEl>
+                                      </p:cBhvr>
+                                    </p:animEffect>
+                                    <p:anim calcmode="lin" valueType="num">
+                                      <p:cBhvr>
+                                        <p:cTn id="120" dur="1822" tmFilter="0,0; 0.14,0.36; 0.43,0.73; 0.71,0.91; 1.0,1.0">
+                                          <p:stCondLst>
+                                            <p:cond delay="0"/>
+                                          </p:stCondLst>
+                                        </p:cTn>
+                                        <p:tgtEl>
+                                          <p:spTgt spid="18"/>
+                                        </p:tgtEl>
+                                        <p:attrNameLst>
+                                          <p:attrName>ppt_x</p:attrName>
+                                        </p:attrNameLst>
+                                      </p:cBhvr>
+                                      <p:tavLst>
+                                        <p:tav tm="0">
+                                          <p:val>
+                                            <p:strVal val="#ppt_x-0.25"/>
+                                          </p:val>
+                                        </p:tav>
+                                        <p:tav tm="100000">
+                                          <p:val>
+                                            <p:strVal val="#ppt_x"/>
+                                          </p:val>
+                                        </p:tav>
+                                      </p:tavLst>
+                                    </p:anim>
+                                    <p:anim calcmode="lin" valueType="num">
+                                      <p:cBhvr>
+                                        <p:cTn id="121" dur="664" tmFilter="0.0,0.0; 0.25,0.07; 0.50,0.2; 0.75,0.467; 1.0,1.0">
+                                          <p:stCondLst>
+                                            <p:cond delay="0"/>
+                                          </p:stCondLst>
+                                        </p:cTn>
+                                        <p:tgtEl>
+                                          <p:spTgt spid="18"/>
+                                        </p:tgtEl>
+                                        <p:attrNameLst>
+                                          <p:attrName>ppt_y</p:attrName>
+                                        </p:attrNameLst>
+                                      </p:cBhvr>
+                                      <p:tavLst>
+                                        <p:tav tm="0" fmla="#ppt_y-sin(pi*$)/3">
+                                          <p:val>
+                                            <p:fltVal val="0.5"/>
+                                          </p:val>
+                                        </p:tav>
+                                        <p:tav tm="100000">
+                                          <p:val>
+                                            <p:fltVal val="1"/>
+                                          </p:val>
+                                        </p:tav>
+                                      </p:tavLst>
+                                    </p:anim>
+                                    <p:anim calcmode="lin" valueType="num">
+                                      <p:cBhvr>
+                                        <p:cTn id="122" dur="664" tmFilter="0, 0; 0.125,0.2665; 0.25,0.4; 0.375,0.465; 0.5,0.5;  0.625,0.535; 0.75,0.6; 0.875,0.7335; 1,1">
+                                          <p:stCondLst>
+                                            <p:cond delay="664"/>
+                                          </p:stCondLst>
+                                        </p:cTn>
+                                        <p:tgtEl>
+                                          <p:spTgt spid="18"/>
+                                        </p:tgtEl>
+                                        <p:attrNameLst>
+                                          <p:attrName>ppt_y</p:attrName>
+                                        </p:attrNameLst>
+                                      </p:cBhvr>
+                                      <p:tavLst>
+                                        <p:tav tm="0" fmla="#ppt_y-sin(pi*$)/9">
+                                          <p:val>
+                                            <p:fltVal val="0"/>
+                                          </p:val>
+                                        </p:tav>
+                                        <p:tav tm="100000">
+                                          <p:val>
+                                            <p:fltVal val="1"/>
+                                          </p:val>
+                                        </p:tav>
+                                      </p:tavLst>
+                                    </p:anim>
+                                    <p:anim calcmode="lin" valueType="num">
+                                      <p:cBhvr>
+                                        <p:cTn id="123" dur="332" tmFilter="0, 0; 0.125,0.2665; 0.25,0.4; 0.375,0.465; 0.5,0.5;  0.625,0.535; 0.75,0.6; 0.875,0.7335; 1,1">
+                                          <p:stCondLst>
+                                            <p:cond delay="1324"/>
+                                          </p:stCondLst>
+                                        </p:cTn>
+                                        <p:tgtEl>
+                                          <p:spTgt spid="18"/>
+                                        </p:tgtEl>
+                                        <p:attrNameLst>
+                                          <p:attrName>ppt_y</p:attrName>
+                                        </p:attrNameLst>
+                                      </p:cBhvr>
+                                      <p:tavLst>
+                                        <p:tav tm="0" fmla="#ppt_y-sin(pi*$)/27">
+                                          <p:val>
+                                            <p:fltVal val="0"/>
+                                          </p:val>
+                                        </p:tav>
+                                        <p:tav tm="100000">
+                                          <p:val>
+                                            <p:fltVal val="1"/>
+                                          </p:val>
+                                        </p:tav>
+                                      </p:tavLst>
+                                    </p:anim>
+                                    <p:anim calcmode="lin" valueType="num">
+                                      <p:cBhvr>
+                                        <p:cTn id="124" dur="164" tmFilter="0, 0; 0.125,0.2665; 0.25,0.4; 0.375,0.465; 0.5,0.5;  0.625,0.535; 0.75,0.6; 0.875,0.7335; 1,1">
+                                          <p:stCondLst>
+                                            <p:cond delay="1656"/>
+                                          </p:stCondLst>
+                                        </p:cTn>
+                                        <p:tgtEl>
+                                          <p:spTgt spid="18"/>
+                                        </p:tgtEl>
+                                        <p:attrNameLst>
+                                          <p:attrName>ppt_y</p:attrName>
+                                        </p:attrNameLst>
+                                      </p:cBhvr>
+                                      <p:tavLst>
+                                        <p:tav tm="0" fmla="#ppt_y-sin(pi*$)/81">
+                                          <p:val>
+                                            <p:fltVal val="0"/>
+                                          </p:val>
+                                        </p:tav>
+                                        <p:tav tm="100000">
+                                          <p:val>
+                                            <p:fltVal val="1"/>
+                                          </p:val>
+                                        </p:tav>
+                                      </p:tavLst>
+                                    </p:anim>
+                                    <p:animScale>
+                                      <p:cBhvr>
+                                        <p:cTn id="125" dur="26">
+                                          <p:stCondLst>
+                                            <p:cond delay="650"/>
+                                          </p:stCondLst>
+                                        </p:cTn>
+                                        <p:tgtEl>
+                                          <p:spTgt spid="18"/>
+                                        </p:tgtEl>
+                                      </p:cBhvr>
+                                      <p:to x="100000" y="60000"/>
+                                    </p:animScale>
+                                    <p:animScale>
+                                      <p:cBhvr>
+                                        <p:cTn id="126" dur="166" decel="50000">
+                                          <p:stCondLst>
+                                            <p:cond delay="676"/>
+                                          </p:stCondLst>
+                                        </p:cTn>
+                                        <p:tgtEl>
+                                          <p:spTgt spid="18"/>
+                                        </p:tgtEl>
+                                      </p:cBhvr>
+                                      <p:to x="100000" y="100000"/>
+                                    </p:animScale>
+                                    <p:animScale>
+                                      <p:cBhvr>
+                                        <p:cTn id="127" dur="26">
+                                          <p:stCondLst>
+                                            <p:cond delay="1312"/>
+                                          </p:stCondLst>
+                                        </p:cTn>
+                                        <p:tgtEl>
+                                          <p:spTgt spid="18"/>
+                                        </p:tgtEl>
+                                      </p:cBhvr>
+                                      <p:to x="100000" y="80000"/>
+                                    </p:animScale>
+                                    <p:animScale>
+                                      <p:cBhvr>
+                                        <p:cTn id="128" dur="166" decel="50000">
+                                          <p:stCondLst>
+                                            <p:cond delay="1338"/>
+                                          </p:stCondLst>
+                                        </p:cTn>
+                                        <p:tgtEl>
+                                          <p:spTgt spid="18"/>
+                                        </p:tgtEl>
+                                      </p:cBhvr>
+                                      <p:to x="100000" y="100000"/>
+                                    </p:animScale>
+                                    <p:animScale>
+                                      <p:cBhvr>
+                                        <p:cTn id="129" dur="26">
+                                          <p:stCondLst>
+                                            <p:cond delay="1642"/>
+                                          </p:stCondLst>
+                                        </p:cTn>
+                                        <p:tgtEl>
+                                          <p:spTgt spid="18"/>
+                                        </p:tgtEl>
+                                      </p:cBhvr>
+                                      <p:to x="100000" y="90000"/>
+                                    </p:animScale>
+                                    <p:animScale>
+                                      <p:cBhvr>
+                                        <p:cTn id="130" dur="166" decel="50000">
+                                          <p:stCondLst>
+                                            <p:cond delay="1668"/>
+                                          </p:stCondLst>
+                                        </p:cTn>
+                                        <p:tgtEl>
+                                          <p:spTgt spid="18"/>
+                                        </p:tgtEl>
+                                      </p:cBhvr>
+                                      <p:to x="100000" y="100000"/>
+                                    </p:animScale>
+                                    <p:animScale>
+                                      <p:cBhvr>
+                                        <p:cTn id="131" dur="26">
+                                          <p:stCondLst>
+                                            <p:cond delay="1808"/>
+                                          </p:stCondLst>
+                                        </p:cTn>
+                                        <p:tgtEl>
+                                          <p:spTgt spid="18"/>
+                                        </p:tgtEl>
+                                      </p:cBhvr>
+                                      <p:to x="100000" y="95000"/>
+                                    </p:animScale>
+                                    <p:animScale>
+                                      <p:cBhvr>
+                                        <p:cTn id="132" dur="166" decel="50000">
+                                          <p:stCondLst>
+                                            <p:cond delay="1834"/>
+                                          </p:stCondLst>
+                                        </p:cTn>
+                                        <p:tgtEl>
+                                          <p:spTgt spid="18"/>
+                                        </p:tgtEl>
+                                      </p:cBhvr>
+                                      <p:to x="100000" y="100000"/>
+                                    </p:animScale>
+                                  </p:childTnLst>
+                                </p:cTn>
+                              </p:par>
+                              <p:par>
+                                <p:cTn id="133" presetID="26" presetClass="entr" presetSubtype="0" fill="hold" grpId="0" nodeType="withEffect">
+                                  <p:stCondLst>
+                                    <p:cond delay="0"/>
+                                  </p:stCondLst>
+                                  <p:childTnLst>
+                                    <p:set>
+                                      <p:cBhvr>
+                                        <p:cTn id="134" dur="1" fill="hold">
+                                          <p:stCondLst>
+                                            <p:cond delay="0"/>
+                                          </p:stCondLst>
+                                        </p:cTn>
+                                        <p:tgtEl>
+                                          <p:spTgt spid="19"/>
+                                        </p:tgtEl>
+                                        <p:attrNameLst>
+                                          <p:attrName>style.visibility</p:attrName>
+                                        </p:attrNameLst>
+                                      </p:cBhvr>
+                                      <p:to>
+                                        <p:strVal val="visible"/>
+                                      </p:to>
+                                    </p:set>
+                                    <p:animEffect transition="in" filter="wipe(down)">
+                                      <p:cBhvr>
+                                        <p:cTn id="135" dur="580">
+                                          <p:stCondLst>
+                                            <p:cond delay="0"/>
+                                          </p:stCondLst>
+                                        </p:cTn>
+                                        <p:tgtEl>
+                                          <p:spTgt spid="19"/>
+                                        </p:tgtEl>
+                                      </p:cBhvr>
+                                    </p:animEffect>
+                                    <p:anim calcmode="lin" valueType="num">
+                                      <p:cBhvr>
+                                        <p:cTn id="136" dur="1822" tmFilter="0,0; 0.14,0.36; 0.43,0.73; 0.71,0.91; 1.0,1.0">
+                                          <p:stCondLst>
+                                            <p:cond delay="0"/>
+                                          </p:stCondLst>
+                                        </p:cTn>
+                                        <p:tgtEl>
+                                          <p:spTgt spid="19"/>
+                                        </p:tgtEl>
+                                        <p:attrNameLst>
+                                          <p:attrName>ppt_x</p:attrName>
+                                        </p:attrNameLst>
+                                      </p:cBhvr>
+                                      <p:tavLst>
+                                        <p:tav tm="0">
+                                          <p:val>
+                                            <p:strVal val="#ppt_x-0.25"/>
+                                          </p:val>
+                                        </p:tav>
+                                        <p:tav tm="100000">
+                                          <p:val>
+                                            <p:strVal val="#ppt_x"/>
+                                          </p:val>
+                                        </p:tav>
+                                      </p:tavLst>
+                                    </p:anim>
+                                    <p:anim calcmode="lin" valueType="num">
+                                      <p:cBhvr>
+                                        <p:cTn id="137" dur="664" tmFilter="0.0,0.0; 0.25,0.07; 0.50,0.2; 0.75,0.467; 1.0,1.0">
+                                          <p:stCondLst>
+                                            <p:cond delay="0"/>
+                                          </p:stCondLst>
+                                        </p:cTn>
+                                        <p:tgtEl>
+                                          <p:spTgt spid="19"/>
+                                        </p:tgtEl>
+                                        <p:attrNameLst>
+                                          <p:attrName>ppt_y</p:attrName>
+                                        </p:attrNameLst>
+                                      </p:cBhvr>
+                                      <p:tavLst>
+                                        <p:tav tm="0" fmla="#ppt_y-sin(pi*$)/3">
+                                          <p:val>
+                                            <p:fltVal val="0.5"/>
+                                          </p:val>
+                                        </p:tav>
+                                        <p:tav tm="100000">
+                                          <p:val>
+                                            <p:fltVal val="1"/>
+                                          </p:val>
+                                        </p:tav>
+                                      </p:tavLst>
+                                    </p:anim>
+                                    <p:anim calcmode="lin" valueType="num">
+                                      <p:cBhvr>
+                                        <p:cTn id="138" dur="664" tmFilter="0, 0; 0.125,0.2665; 0.25,0.4; 0.375,0.465; 0.5,0.5;  0.625,0.535; 0.75,0.6; 0.875,0.7335; 1,1">
+                                          <p:stCondLst>
+                                            <p:cond delay="664"/>
+                                          </p:stCondLst>
+                                        </p:cTn>
+                                        <p:tgtEl>
+                                          <p:spTgt spid="19"/>
+                                        </p:tgtEl>
+                                        <p:attrNameLst>
+                                          <p:attrName>ppt_y</p:attrName>
+                                        </p:attrNameLst>
+                                      </p:cBhvr>
+                                      <p:tavLst>
+                                        <p:tav tm="0" fmla="#ppt_y-sin(pi*$)/9">
+                                          <p:val>
+                                            <p:fltVal val="0"/>
+                                          </p:val>
+                                        </p:tav>
+                                        <p:tav tm="100000">
+                                          <p:val>
+                                            <p:fltVal val="1"/>
+                                          </p:val>
+                                        </p:tav>
+                                      </p:tavLst>
+                                    </p:anim>
+                                    <p:anim calcmode="lin" valueType="num">
+                                      <p:cBhvr>
+                                        <p:cTn id="139" dur="332" tmFilter="0, 0; 0.125,0.2665; 0.25,0.4; 0.375,0.465; 0.5,0.5;  0.625,0.535; 0.75,0.6; 0.875,0.7335; 1,1">
+                                          <p:stCondLst>
+                                            <p:cond delay="1324"/>
+                                          </p:stCondLst>
+                                        </p:cTn>
+                                        <p:tgtEl>
+                                          <p:spTgt spid="19"/>
+                                        </p:tgtEl>
+                                        <p:attrNameLst>
+                                          <p:attrName>ppt_y</p:attrName>
+                                        </p:attrNameLst>
+                                      </p:cBhvr>
+                                      <p:tavLst>
+                                        <p:tav tm="0" fmla="#ppt_y-sin(pi*$)/27">
+                                          <p:val>
+                                            <p:fltVal val="0"/>
+                                          </p:val>
+                                        </p:tav>
+                                        <p:tav tm="100000">
+                                          <p:val>
+                                            <p:fltVal val="1"/>
+                                          </p:val>
+                                        </p:tav>
+                                      </p:tavLst>
+                                    </p:anim>
+                                    <p:anim calcmode="lin" valueType="num">
+                                      <p:cBhvr>
+                                        <p:cTn id="140" dur="164" tmFilter="0, 0; 0.125,0.2665; 0.25,0.4; 0.375,0.465; 0.5,0.5;  0.625,0.535; 0.75,0.6; 0.875,0.7335; 1,1">
+                                          <p:stCondLst>
+                                            <p:cond delay="1656"/>
+                                          </p:stCondLst>
+                                        </p:cTn>
+                                        <p:tgtEl>
+                                          <p:spTgt spid="19"/>
+                                        </p:tgtEl>
+                                        <p:attrNameLst>
+                                          <p:attrName>ppt_y</p:attrName>
+                                        </p:attrNameLst>
+                                      </p:cBhvr>
+                                      <p:tavLst>
+                                        <p:tav tm="0" fmla="#ppt_y-sin(pi*$)/81">
+                                          <p:val>
+                                            <p:fltVal val="0"/>
+                                          </p:val>
+                                        </p:tav>
+                                        <p:tav tm="100000">
+                                          <p:val>
+                                            <p:fltVal val="1"/>
+                                          </p:val>
+                                        </p:tav>
+                                      </p:tavLst>
+                                    </p:anim>
+                                    <p:animScale>
+                                      <p:cBhvr>
+                                        <p:cTn id="141" dur="26">
+                                          <p:stCondLst>
+                                            <p:cond delay="650"/>
+                                          </p:stCondLst>
+                                        </p:cTn>
+                                        <p:tgtEl>
+                                          <p:spTgt spid="19"/>
+                                        </p:tgtEl>
+                                      </p:cBhvr>
+                                      <p:to x="100000" y="60000"/>
+                                    </p:animScale>
+                                    <p:animScale>
+                                      <p:cBhvr>
+                                        <p:cTn id="142" dur="166" decel="50000">
+                                          <p:stCondLst>
+                                            <p:cond delay="676"/>
+                                          </p:stCondLst>
+                                        </p:cTn>
+                                        <p:tgtEl>
+                                          <p:spTgt spid="19"/>
+                                        </p:tgtEl>
+                                      </p:cBhvr>
+                                      <p:to x="100000" y="100000"/>
+                                    </p:animScale>
+                                    <p:animScale>
+                                      <p:cBhvr>
+                                        <p:cTn id="143" dur="26">
+                                          <p:stCondLst>
+                                            <p:cond delay="1312"/>
+                                          </p:stCondLst>
+                                        </p:cTn>
+                                        <p:tgtEl>
+                                          <p:spTgt spid="19"/>
+                                        </p:tgtEl>
+                                      </p:cBhvr>
+                                      <p:to x="100000" y="80000"/>
+                                    </p:animScale>
+                                    <p:animScale>
+                                      <p:cBhvr>
+                                        <p:cTn id="144" dur="166" decel="50000">
+                                          <p:stCondLst>
+                                            <p:cond delay="1338"/>
+                                          </p:stCondLst>
+                                        </p:cTn>
+                                        <p:tgtEl>
+                                          <p:spTgt spid="19"/>
+                                        </p:tgtEl>
+                                      </p:cBhvr>
+                                      <p:to x="100000" y="100000"/>
+                                    </p:animScale>
+                                    <p:animScale>
+                                      <p:cBhvr>
+                                        <p:cTn id="145" dur="26">
+                                          <p:stCondLst>
+                                            <p:cond delay="1642"/>
+                                          </p:stCondLst>
+                                        </p:cTn>
+                                        <p:tgtEl>
+                                          <p:spTgt spid="19"/>
+                                        </p:tgtEl>
+                                      </p:cBhvr>
+                                      <p:to x="100000" y="90000"/>
+                                    </p:animScale>
+                                    <p:animScale>
+                                      <p:cBhvr>
+                                        <p:cTn id="146" dur="166" decel="50000">
+                                          <p:stCondLst>
+                                            <p:cond delay="1668"/>
+                                          </p:stCondLst>
+                                        </p:cTn>
+                                        <p:tgtEl>
+                                          <p:spTgt spid="19"/>
+                                        </p:tgtEl>
+                                      </p:cBhvr>
+                                      <p:to x="100000" y="100000"/>
+                                    </p:animScale>
+                                    <p:animScale>
+                                      <p:cBhvr>
+                                        <p:cTn id="147" dur="26">
+                                          <p:stCondLst>
+                                            <p:cond delay="1808"/>
+                                          </p:stCondLst>
+                                        </p:cTn>
+                                        <p:tgtEl>
+                                          <p:spTgt spid="19"/>
+                                        </p:tgtEl>
+                                      </p:cBhvr>
+                                      <p:to x="100000" y="95000"/>
+                                    </p:animScale>
+                                    <p:animScale>
+                                      <p:cBhvr>
+                                        <p:cTn id="148" dur="166" decel="50000">
+                                          <p:stCondLst>
+                                            <p:cond delay="1834"/>
+                                          </p:stCondLst>
+                                        </p:cTn>
+                                        <p:tgtEl>
+                                          <p:spTgt spid="19"/>
+                                        </p:tgtEl>
+                                      </p:cBhvr>
+                                      <p:to x="100000" y="100000"/>
+                                    </p:animScale>
+                                  </p:childTnLst>
+                                </p:cTn>
+                              </p:par>
+                              <p:par>
+                                <p:cTn id="149" presetID="26" presetClass="entr" presetSubtype="0" fill="hold" nodeType="withEffect">
+                                  <p:stCondLst>
+                                    <p:cond delay="0"/>
+                                  </p:stCondLst>
+                                  <p:childTnLst>
+                                    <p:set>
+                                      <p:cBhvr>
+                                        <p:cTn id="150" dur="1" fill="hold">
+                                          <p:stCondLst>
+                                            <p:cond delay="0"/>
+                                          </p:stCondLst>
+                                        </p:cTn>
+                                        <p:tgtEl>
+                                          <p:spTgt spid="20"/>
+                                        </p:tgtEl>
+                                        <p:attrNameLst>
+                                          <p:attrName>style.visibility</p:attrName>
+                                        </p:attrNameLst>
+                                      </p:cBhvr>
+                                      <p:to>
+                                        <p:strVal val="visible"/>
+                                      </p:to>
+                                    </p:set>
+                                    <p:animEffect transition="in" filter="wipe(down)">
+                                      <p:cBhvr>
+                                        <p:cTn id="151" dur="580">
+                                          <p:stCondLst>
+                                            <p:cond delay="0"/>
+                                          </p:stCondLst>
+                                        </p:cTn>
+                                        <p:tgtEl>
+                                          <p:spTgt spid="20"/>
+                                        </p:tgtEl>
+                                      </p:cBhvr>
+                                    </p:animEffect>
+                                    <p:anim calcmode="lin" valueType="num">
+                                      <p:cBhvr>
+                                        <p:cTn id="152" dur="1822" tmFilter="0,0; 0.14,0.36; 0.43,0.73; 0.71,0.91; 1.0,1.0">
+                                          <p:stCondLst>
+                                            <p:cond delay="0"/>
+                                          </p:stCondLst>
+                                        </p:cTn>
+                                        <p:tgtEl>
+                                          <p:spTgt spid="20"/>
+                                        </p:tgtEl>
+                                        <p:attrNameLst>
+                                          <p:attrName>ppt_x</p:attrName>
+                                        </p:attrNameLst>
+                                      </p:cBhvr>
+                                      <p:tavLst>
+                                        <p:tav tm="0">
+                                          <p:val>
+                                            <p:strVal val="#ppt_x-0.25"/>
+                                          </p:val>
+                                        </p:tav>
+                                        <p:tav tm="100000">
+                                          <p:val>
+                                            <p:strVal val="#ppt_x"/>
+                                          </p:val>
+                                        </p:tav>
+                                      </p:tavLst>
+                                    </p:anim>
+                                    <p:anim calcmode="lin" valueType="num">
+                                      <p:cBhvr>
+                                        <p:cTn id="153" dur="664" tmFilter="0.0,0.0; 0.25,0.07; 0.50,0.2; 0.75,0.467; 1.0,1.0">
+                                          <p:stCondLst>
+                                            <p:cond delay="0"/>
+                                          </p:stCondLst>
+                                        </p:cTn>
+                                        <p:tgtEl>
+                                          <p:spTgt spid="20"/>
+                                        </p:tgtEl>
+                                        <p:attrNameLst>
+                                          <p:attrName>ppt_y</p:attrName>
+                                        </p:attrNameLst>
+                                      </p:cBhvr>
+                                      <p:tavLst>
+                                        <p:tav tm="0" fmla="#ppt_y-sin(pi*$)/3">
+                                          <p:val>
+                                            <p:fltVal val="0.5"/>
+                                          </p:val>
+                                        </p:tav>
+                                        <p:tav tm="100000">
+                                          <p:val>
+                                            <p:fltVal val="1"/>
+                                          </p:val>
+                                        </p:tav>
+                                      </p:tavLst>
+                                    </p:anim>
+                                    <p:anim calcmode="lin" valueType="num">
+                                      <p:cBhvr>
+                                        <p:cTn id="154" dur="664" tmFilter="0, 0; 0.125,0.2665; 0.25,0.4; 0.375,0.465; 0.5,0.5;  0.625,0.535; 0.75,0.6; 0.875,0.7335; 1,1">
+                                          <p:stCondLst>
+                                            <p:cond delay="664"/>
+                                          </p:stCondLst>
+                                        </p:cTn>
+                                        <p:tgtEl>
+                                          <p:spTgt spid="20"/>
+                                        </p:tgtEl>
+                                        <p:attrNameLst>
+                                          <p:attrName>ppt_y</p:attrName>
+                                        </p:attrNameLst>
+                                      </p:cBhvr>
+                                      <p:tavLst>
+                                        <p:tav tm="0" fmla="#ppt_y-sin(pi*$)/9">
+                                          <p:val>
+                                            <p:fltVal val="0"/>
+                                          </p:val>
+                                        </p:tav>
+                                        <p:tav tm="100000">
+                                          <p:val>
+                                            <p:fltVal val="1"/>
+                                          </p:val>
+                                        </p:tav>
+                                      </p:tavLst>
+                                    </p:anim>
+                                    <p:anim calcmode="lin" valueType="num">
+                                      <p:cBhvr>
+                                        <p:cTn id="155" dur="332" tmFilter="0, 0; 0.125,0.2665; 0.25,0.4; 0.375,0.465; 0.5,0.5;  0.625,0.535; 0.75,0.6; 0.875,0.7335; 1,1">
+                                          <p:stCondLst>
+                                            <p:cond delay="1324"/>
+                                          </p:stCondLst>
+                                        </p:cTn>
+                                        <p:tgtEl>
+                                          <p:spTgt spid="20"/>
+                                        </p:tgtEl>
+                                        <p:attrNameLst>
+                                          <p:attrName>ppt_y</p:attrName>
+                                        </p:attrNameLst>
+                                      </p:cBhvr>
+                                      <p:tavLst>
+                                        <p:tav tm="0" fmla="#ppt_y-sin(pi*$)/27">
+                                          <p:val>
+                                            <p:fltVal val="0"/>
+                                          </p:val>
+                                        </p:tav>
+                                        <p:tav tm="100000">
+                                          <p:val>
+                                            <p:fltVal val="1"/>
+                                          </p:val>
+                                        </p:tav>
+                                      </p:tavLst>
+                                    </p:anim>
+                                    <p:anim calcmode="lin" valueType="num">
+                                      <p:cBhvr>
+                                        <p:cTn id="156" dur="164" tmFilter="0, 0; 0.125,0.2665; 0.25,0.4; 0.375,0.465; 0.5,0.5;  0.625,0.535; 0.75,0.6; 0.875,0.7335; 1,1">
+                                          <p:stCondLst>
+                                            <p:cond delay="1656"/>
+                                          </p:stCondLst>
+                                        </p:cTn>
+                                        <p:tgtEl>
+                                          <p:spTgt spid="20"/>
+                                        </p:tgtEl>
+                                        <p:attrNameLst>
+                                          <p:attrName>ppt_y</p:attrName>
+                                        </p:attrNameLst>
+                                      </p:cBhvr>
+                                      <p:tavLst>
+                                        <p:tav tm="0" fmla="#ppt_y-sin(pi*$)/81">
+                                          <p:val>
+                                            <p:fltVal val="0"/>
+                                          </p:val>
+                                        </p:tav>
+                                        <p:tav tm="100000">
+                                          <p:val>
+                                            <p:fltVal val="1"/>
+                                          </p:val>
+                                        </p:tav>
+                                      </p:tavLst>
+                                    </p:anim>
+                                    <p:animScale>
+                                      <p:cBhvr>
+                                        <p:cTn id="157" dur="26">
+                                          <p:stCondLst>
+                                            <p:cond delay="650"/>
+                                          </p:stCondLst>
+                                        </p:cTn>
+                                        <p:tgtEl>
+                                          <p:spTgt spid="20"/>
+                                        </p:tgtEl>
+                                      </p:cBhvr>
+                                      <p:to x="100000" y="60000"/>
+                                    </p:animScale>
+                                    <p:animScale>
+                                      <p:cBhvr>
+                                        <p:cTn id="158" dur="166" decel="50000">
+                                          <p:stCondLst>
+                                            <p:cond delay="676"/>
+                                          </p:stCondLst>
+                                        </p:cTn>
+                                        <p:tgtEl>
+                                          <p:spTgt spid="20"/>
+                                        </p:tgtEl>
+                                      </p:cBhvr>
+                                      <p:to x="100000" y="100000"/>
+                                    </p:animScale>
+                                    <p:animScale>
+                                      <p:cBhvr>
+                                        <p:cTn id="159" dur="26">
+                                          <p:stCondLst>
+                                            <p:cond delay="1312"/>
+                                          </p:stCondLst>
+                                        </p:cTn>
+                                        <p:tgtEl>
+                                          <p:spTgt spid="20"/>
+                                        </p:tgtEl>
+                                      </p:cBhvr>
+                                      <p:to x="100000" y="80000"/>
+                                    </p:animScale>
+                                    <p:animScale>
+                                      <p:cBhvr>
+                                        <p:cTn id="160" dur="166" decel="50000">
+                                          <p:stCondLst>
+                                            <p:cond delay="1338"/>
+                                          </p:stCondLst>
+                                        </p:cTn>
+                                        <p:tgtEl>
+                                          <p:spTgt spid="20"/>
+                                        </p:tgtEl>
+                                      </p:cBhvr>
+                                      <p:to x="100000" y="100000"/>
+                                    </p:animScale>
+                                    <p:animScale>
+                                      <p:cBhvr>
+                                        <p:cTn id="161" dur="26">
+                                          <p:stCondLst>
+                                            <p:cond delay="1642"/>
+                                          </p:stCondLst>
+                                        </p:cTn>
+                                        <p:tgtEl>
+                                          <p:spTgt spid="20"/>
+                                        </p:tgtEl>
+                                      </p:cBhvr>
+                                      <p:to x="100000" y="90000"/>
+                                    </p:animScale>
+                                    <p:animScale>
+                                      <p:cBhvr>
+                                        <p:cTn id="162" dur="166" decel="50000">
+                                          <p:stCondLst>
+                                            <p:cond delay="1668"/>
+                                          </p:stCondLst>
+                                        </p:cTn>
+                                        <p:tgtEl>
+                                          <p:spTgt spid="20"/>
+                                        </p:tgtEl>
+                                      </p:cBhvr>
+                                      <p:to x="100000" y="100000"/>
+                                    </p:animScale>
+                                    <p:animScale>
+                                      <p:cBhvr>
+                                        <p:cTn id="163" dur="26">
+                                          <p:stCondLst>
+                                            <p:cond delay="1808"/>
+                                          </p:stCondLst>
+                                        </p:cTn>
+                                        <p:tgtEl>
+                                          <p:spTgt spid="20"/>
+                                        </p:tgtEl>
+                                      </p:cBhvr>
+                                      <p:to x="100000" y="95000"/>
+                                    </p:animScale>
+                                    <p:animScale>
+                                      <p:cBhvr>
+                                        <p:cTn id="164" dur="166" decel="50000">
+                                          <p:stCondLst>
+                                            <p:cond delay="1834"/>
+                                          </p:stCondLst>
+                                        </p:cTn>
+                                        <p:tgtEl>
+                                          <p:spTgt spid="20"/>
+                                        </p:tgtEl>
+                                      </p:cBhvr>
+                                      <p:to x="100000" y="100000"/>
+                                    </p:animScale>
+                                  </p:childTnLst>
+                                </p:cTn>
+                              </p:par>
+                              <p:par>
+                                <p:cTn id="165" presetID="26" presetClass="entr" presetSubtype="0" fill="hold" nodeType="withEffect">
+                                  <p:stCondLst>
+                                    <p:cond delay="0"/>
+                                  </p:stCondLst>
+                                  <p:childTnLst>
+                                    <p:set>
+                                      <p:cBhvr>
+                                        <p:cTn id="166" dur="1" fill="hold">
+                                          <p:stCondLst>
+                                            <p:cond delay="0"/>
+                                          </p:stCondLst>
+                                        </p:cTn>
+                                        <p:tgtEl>
+                                          <p:spTgt spid="23"/>
+                                        </p:tgtEl>
+                                        <p:attrNameLst>
+                                          <p:attrName>style.visibility</p:attrName>
+                                        </p:attrNameLst>
+                                      </p:cBhvr>
+                                      <p:to>
+                                        <p:strVal val="visible"/>
+                                      </p:to>
+                                    </p:set>
+                                    <p:animEffect transition="in" filter="wipe(down)">
+                                      <p:cBhvr>
+                                        <p:cTn id="167" dur="580">
+                                          <p:stCondLst>
+                                            <p:cond delay="0"/>
+                                          </p:stCondLst>
+                                        </p:cTn>
+                                        <p:tgtEl>
+                                          <p:spTgt spid="23"/>
+                                        </p:tgtEl>
+                                      </p:cBhvr>
+                                    </p:animEffect>
+                                    <p:anim calcmode="lin" valueType="num">
+                                      <p:cBhvr>
+                                        <p:cTn id="168" dur="1822" tmFilter="0,0; 0.14,0.36; 0.43,0.73; 0.71,0.91; 1.0,1.0">
+                                          <p:stCondLst>
+                                            <p:cond delay="0"/>
+                                          </p:stCondLst>
+                                        </p:cTn>
+                                        <p:tgtEl>
+                                          <p:spTgt spid="23"/>
+                                        </p:tgtEl>
+                                        <p:attrNameLst>
+                                          <p:attrName>ppt_x</p:attrName>
+                                        </p:attrNameLst>
+                                      </p:cBhvr>
+                                      <p:tavLst>
+                                        <p:tav tm="0">
+                                          <p:val>
+                                            <p:strVal val="#ppt_x-0.25"/>
+                                          </p:val>
+                                        </p:tav>
+                                        <p:tav tm="100000">
+                                          <p:val>
+                                            <p:strVal val="#ppt_x"/>
+                                          </p:val>
+                                        </p:tav>
+                                      </p:tavLst>
+                                    </p:anim>
+                                    <p:anim calcmode="lin" valueType="num">
+                                      <p:cBhvr>
+                                        <p:cTn id="169" dur="664" tmFilter="0.0,0.0; 0.25,0.07; 0.50,0.2; 0.75,0.467; 1.0,1.0">
+                                          <p:stCondLst>
+                                            <p:cond delay="0"/>
+                                          </p:stCondLst>
+                                        </p:cTn>
+                                        <p:tgtEl>
+                                          <p:spTgt spid="23"/>
+                                        </p:tgtEl>
+                                        <p:attrNameLst>
+                                          <p:attrName>ppt_y</p:attrName>
+                                        </p:attrNameLst>
+                                      </p:cBhvr>
+                                      <p:tavLst>
+                                        <p:tav tm="0" fmla="#ppt_y-sin(pi*$)/3">
+                                          <p:val>
+                                            <p:fltVal val="0.5"/>
+                                          </p:val>
+                                        </p:tav>
+                                        <p:tav tm="100000">
+                                          <p:val>
+                                            <p:fltVal val="1"/>
+                                          </p:val>
+                                        </p:tav>
+                                      </p:tavLst>
+                                    </p:anim>
+                                    <p:anim calcmode="lin" valueType="num">
+                                      <p:cBhvr>
+                                        <p:cTn id="170" dur="664" tmFilter="0, 0; 0.125,0.2665; 0.25,0.4; 0.375,0.465; 0.5,0.5;  0.625,0.535; 0.75,0.6; 0.875,0.7335; 1,1">
+                                          <p:stCondLst>
+                                            <p:cond delay="664"/>
+                                          </p:stCondLst>
+                                        </p:cTn>
+                                        <p:tgtEl>
+                                          <p:spTgt spid="23"/>
+                                        </p:tgtEl>
+                                        <p:attrNameLst>
+                                          <p:attrName>ppt_y</p:attrName>
+                                        </p:attrNameLst>
+                                      </p:cBhvr>
+                                      <p:tavLst>
+                                        <p:tav tm="0" fmla="#ppt_y-sin(pi*$)/9">
+                                          <p:val>
+                                            <p:fltVal val="0"/>
+                                          </p:val>
+                                        </p:tav>
+                                        <p:tav tm="100000">
+                                          <p:val>
+                                            <p:fltVal val="1"/>
+                                          </p:val>
+                                        </p:tav>
+                                      </p:tavLst>
+                                    </p:anim>
+                                    <p:anim calcmode="lin" valueType="num">
+                                      <p:cBhvr>
+                                        <p:cTn id="171" dur="332" tmFilter="0, 0; 0.125,0.2665; 0.25,0.4; 0.375,0.465; 0.5,0.5;  0.625,0.535; 0.75,0.6; 0.875,0.7335; 1,1">
+                                          <p:stCondLst>
+                                            <p:cond delay="1324"/>
+                                          </p:stCondLst>
+                                        </p:cTn>
+                                        <p:tgtEl>
+                                          <p:spTgt spid="23"/>
+                                        </p:tgtEl>
+                                        <p:attrNameLst>
+                                          <p:attrName>ppt_y</p:attrName>
+                                        </p:attrNameLst>
+                                      </p:cBhvr>
+                                      <p:tavLst>
+                                        <p:tav tm="0" fmla="#ppt_y-sin(pi*$)/27">
+                                          <p:val>
+                                            <p:fltVal val="0"/>
+                                          </p:val>
+                                        </p:tav>
+                                        <p:tav tm="100000">
+                                          <p:val>
+                                            <p:fltVal val="1"/>
+                                          </p:val>
+                                        </p:tav>
+                                      </p:tavLst>
+                                    </p:anim>
+                                    <p:anim calcmode="lin" valueType="num">
+                                      <p:cBhvr>
+                                        <p:cTn id="172" dur="164" tmFilter="0, 0; 0.125,0.2665; 0.25,0.4; 0.375,0.465; 0.5,0.5;  0.625,0.535; 0.75,0.6; 0.875,0.7335; 1,1">
+                                          <p:stCondLst>
+                                            <p:cond delay="1656"/>
+                                          </p:stCondLst>
+                                        </p:cTn>
+                                        <p:tgtEl>
+                                          <p:spTgt spid="23"/>
+                                        </p:tgtEl>
+                                        <p:attrNameLst>
+                                          <p:attrName>ppt_y</p:attrName>
+                                        </p:attrNameLst>
+                                      </p:cBhvr>
+                                      <p:tavLst>
+                                        <p:tav tm="0" fmla="#ppt_y-sin(pi*$)/81">
+                                          <p:val>
+                                            <p:fltVal val="0"/>
+                                          </p:val>
+                                        </p:tav>
+                                        <p:tav tm="100000">
+                                          <p:val>
+                                            <p:fltVal val="1"/>
+                                          </p:val>
+                                        </p:tav>
+                                      </p:tavLst>
+                                    </p:anim>
+                                    <p:animScale>
+                                      <p:cBhvr>
+                                        <p:cTn id="173" dur="26">
+                                          <p:stCondLst>
+                                            <p:cond delay="650"/>
+                                          </p:stCondLst>
+                                        </p:cTn>
+                                        <p:tgtEl>
+                                          <p:spTgt spid="23"/>
+                                        </p:tgtEl>
+                                      </p:cBhvr>
+                                      <p:to x="100000" y="60000"/>
+                                    </p:animScale>
+                                    <p:animScale>
+                                      <p:cBhvr>
+                                        <p:cTn id="174" dur="166" decel="50000">
+                                          <p:stCondLst>
+                                            <p:cond delay="676"/>
+                                          </p:stCondLst>
+                                        </p:cTn>
+                                        <p:tgtEl>
+                                          <p:spTgt spid="23"/>
+                                        </p:tgtEl>
+                                      </p:cBhvr>
+                                      <p:to x="100000" y="100000"/>
+                                    </p:animScale>
+                                    <p:animScale>
+                                      <p:cBhvr>
+                                        <p:cTn id="175" dur="26">
+                                          <p:stCondLst>
+                                            <p:cond delay="1312"/>
+                                          </p:stCondLst>
+                                        </p:cTn>
+                                        <p:tgtEl>
+                                          <p:spTgt spid="23"/>
+                                        </p:tgtEl>
+                                      </p:cBhvr>
+                                      <p:to x="100000" y="80000"/>
+                                    </p:animScale>
+                                    <p:animScale>
+                                      <p:cBhvr>
+                                        <p:cTn id="176" dur="166" decel="50000">
+                                          <p:stCondLst>
+                                            <p:cond delay="1338"/>
+                                          </p:stCondLst>
+                                        </p:cTn>
+                                        <p:tgtEl>
+                                          <p:spTgt spid="23"/>
+                                        </p:tgtEl>
+                                      </p:cBhvr>
+                                      <p:to x="100000" y="100000"/>
+                                    </p:animScale>
+                                    <p:animScale>
+                                      <p:cBhvr>
+                                        <p:cTn id="177" dur="26">
+                                          <p:stCondLst>
+                                            <p:cond delay="1642"/>
+                                          </p:stCondLst>
+                                        </p:cTn>
+                                        <p:tgtEl>
+                                          <p:spTgt spid="23"/>
+                                        </p:tgtEl>
+                                      </p:cBhvr>
+                                      <p:to x="100000" y="90000"/>
+                                    </p:animScale>
+                                    <p:animScale>
+                                      <p:cBhvr>
+                                        <p:cTn id="178" dur="166" decel="50000">
+                                          <p:stCondLst>
+                                            <p:cond delay="1668"/>
+                                          </p:stCondLst>
+                                        </p:cTn>
+                                        <p:tgtEl>
+                                          <p:spTgt spid="23"/>
+                                        </p:tgtEl>
+                                      </p:cBhvr>
+                                      <p:to x="100000" y="100000"/>
+                                    </p:animScale>
+                                    <p:animScale>
+                                      <p:cBhvr>
+                                        <p:cTn id="179" dur="26">
+                                          <p:stCondLst>
+                                            <p:cond delay="1808"/>
+                                          </p:stCondLst>
+                                        </p:cTn>
+                                        <p:tgtEl>
+                                          <p:spTgt spid="23"/>
+                                        </p:tgtEl>
+                                      </p:cBhvr>
+                                      <p:to x="100000" y="95000"/>
+                                    </p:animScale>
+                                    <p:animScale>
+                                      <p:cBhvr>
+                                        <p:cTn id="180" dur="166" decel="50000">
+                                          <p:stCondLst>
+                                            <p:cond delay="1834"/>
+                                          </p:stCondLst>
+                                        </p:cTn>
+                                        <p:tgtEl>
+                                          <p:spTgt spid="23"/>
+                                        </p:tgtEl>
+                                      </p:cBhvr>
+                                      <p:to x="100000" y="100000"/>
+                                    </p:animScale>
+                                  </p:childTnLst>
+                                </p:cTn>
+                              </p:par>
+                              <p:par>
+                                <p:cTn id="181" presetID="26" presetClass="entr" presetSubtype="0" fill="hold" nodeType="withEffect">
+                                  <p:stCondLst>
+                                    <p:cond delay="0"/>
+                                  </p:stCondLst>
+                                  <p:childTnLst>
+                                    <p:set>
+                                      <p:cBhvr>
+                                        <p:cTn id="182" dur="1" fill="hold">
+                                          <p:stCondLst>
+                                            <p:cond delay="0"/>
+                                          </p:stCondLst>
+                                        </p:cTn>
+                                        <p:tgtEl>
+                                          <p:spTgt spid="26"/>
+                                        </p:tgtEl>
+                                        <p:attrNameLst>
+                                          <p:attrName>style.visibility</p:attrName>
+                                        </p:attrNameLst>
+                                      </p:cBhvr>
+                                      <p:to>
+                                        <p:strVal val="visible"/>
+                                      </p:to>
+                                    </p:set>
+                                    <p:animEffect transition="in" filter="wipe(down)">
+                                      <p:cBhvr>
+                                        <p:cTn id="183" dur="580">
+                                          <p:stCondLst>
+                                            <p:cond delay="0"/>
+                                          </p:stCondLst>
+                                        </p:cTn>
+                                        <p:tgtEl>
+                                          <p:spTgt spid="26"/>
+                                        </p:tgtEl>
+                                      </p:cBhvr>
+                                    </p:animEffect>
+                                    <p:anim calcmode="lin" valueType="num">
+                                      <p:cBhvr>
+                                        <p:cTn id="184" dur="1822" tmFilter="0,0; 0.14,0.36; 0.43,0.73; 0.71,0.91; 1.0,1.0">
+                                          <p:stCondLst>
+                                            <p:cond delay="0"/>
+                                          </p:stCondLst>
+                                        </p:cTn>
+                                        <p:tgtEl>
+                                          <p:spTgt spid="26"/>
+                                        </p:tgtEl>
+                                        <p:attrNameLst>
+                                          <p:attrName>ppt_x</p:attrName>
+                                        </p:attrNameLst>
+                                      </p:cBhvr>
+                                      <p:tavLst>
+                                        <p:tav tm="0">
+                                          <p:val>
+                                            <p:strVal val="#ppt_x-0.25"/>
+                                          </p:val>
+                                        </p:tav>
+                                        <p:tav tm="100000">
+                                          <p:val>
+                                            <p:strVal val="#ppt_x"/>
+                                          </p:val>
+                                        </p:tav>
+                                      </p:tavLst>
+                                    </p:anim>
+                                    <p:anim calcmode="lin" valueType="num">
+                                      <p:cBhvr>
+                                        <p:cTn id="185" dur="664" tmFilter="0.0,0.0; 0.25,0.07; 0.50,0.2; 0.75,0.467; 1.0,1.0">
+                                          <p:stCondLst>
+                                            <p:cond delay="0"/>
+                                          </p:stCondLst>
+                                        </p:cTn>
+                                        <p:tgtEl>
+                                          <p:spTgt spid="26"/>
+                                        </p:tgtEl>
+                                        <p:attrNameLst>
+                                          <p:attrName>ppt_y</p:attrName>
+                                        </p:attrNameLst>
+                                      </p:cBhvr>
+                                      <p:tavLst>
+                                        <p:tav tm="0" fmla="#ppt_y-sin(pi*$)/3">
+                                          <p:val>
+                                            <p:fltVal val="0.5"/>
+                                          </p:val>
+                                        </p:tav>
+                                        <p:tav tm="100000">
+                                          <p:val>
+                                            <p:fltVal val="1"/>
+                                          </p:val>
+                                        </p:tav>
+                                      </p:tavLst>
+                                    </p:anim>
+                                    <p:anim calcmode="lin" valueType="num">
+                                      <p:cBhvr>
+                                        <p:cTn id="186" dur="664" tmFilter="0, 0; 0.125,0.2665; 0.25,0.4; 0.375,0.465; 0.5,0.5;  0.625,0.535; 0.75,0.6; 0.875,0.7335; 1,1">
+                                          <p:stCondLst>
+                                            <p:cond delay="664"/>
+                                          </p:stCondLst>
+                                        </p:cTn>
+                                        <p:tgtEl>
+                                          <p:spTgt spid="26"/>
+                                        </p:tgtEl>
+                                        <p:attrNameLst>
+                                          <p:attrName>ppt_y</p:attrName>
+                                        </p:attrNameLst>
+                                      </p:cBhvr>
+                                      <p:tavLst>
+                                        <p:tav tm="0" fmla="#ppt_y-sin(pi*$)/9">
+                                          <p:val>
+                                            <p:fltVal val="0"/>
+                                          </p:val>
+                                        </p:tav>
+                                        <p:tav tm="100000">
+                                          <p:val>
+                                            <p:fltVal val="1"/>
+                                          </p:val>
+                                        </p:tav>
+                                      </p:tavLst>
+                                    </p:anim>
+                                    <p:anim calcmode="lin" valueType="num">
+                                      <p:cBhvr>
+                                        <p:cTn id="187" dur="332" tmFilter="0, 0; 0.125,0.2665; 0.25,0.4; 0.375,0.465; 0.5,0.5;  0.625,0.535; 0.75,0.6; 0.875,0.7335; 1,1">
+                                          <p:stCondLst>
+                                            <p:cond delay="1324"/>
+                                          </p:stCondLst>
+                                        </p:cTn>
+                                        <p:tgtEl>
+                                          <p:spTgt spid="26"/>
+                                        </p:tgtEl>
+                                        <p:attrNameLst>
+                                          <p:attrName>ppt_y</p:attrName>
+                                        </p:attrNameLst>
+                                      </p:cBhvr>
+                                      <p:tavLst>
+                                        <p:tav tm="0" fmla="#ppt_y-sin(pi*$)/27">
+                                          <p:val>
+                                            <p:fltVal val="0"/>
+                                          </p:val>
+                                        </p:tav>
+                                        <p:tav tm="100000">
+                                          <p:val>
+                                            <p:fltVal val="1"/>
+                                          </p:val>
+                                        </p:tav>
+                                      </p:tavLst>
+                                    </p:anim>
+                                    <p:anim calcmode="lin" valueType="num">
+                                      <p:cBhvr>
+                                        <p:cTn id="188" dur="164" tmFilter="0, 0; 0.125,0.2665; 0.25,0.4; 0.375,0.465; 0.5,0.5;  0.625,0.535; 0.75,0.6; 0.875,0.7335; 1,1">
+                                          <p:stCondLst>
+                                            <p:cond delay="1656"/>
+                                          </p:stCondLst>
+                                        </p:cTn>
+                                        <p:tgtEl>
+                                          <p:spTgt spid="26"/>
+                                        </p:tgtEl>
+                                        <p:attrNameLst>
+                                          <p:attrName>ppt_y</p:attrName>
+                                        </p:attrNameLst>
+                                      </p:cBhvr>
+                                      <p:tavLst>
+                                        <p:tav tm="0" fmla="#ppt_y-sin(pi*$)/81">
+                                          <p:val>
+                                            <p:fltVal val="0"/>
+                                          </p:val>
+                                        </p:tav>
+                                        <p:tav tm="100000">
+                                          <p:val>
+                                            <p:fltVal val="1"/>
+                                          </p:val>
+                                        </p:tav>
+                                      </p:tavLst>
+                                    </p:anim>
+                                    <p:animScale>
+                                      <p:cBhvr>
+                                        <p:cTn id="189" dur="26">
+                                          <p:stCondLst>
+                                            <p:cond delay="650"/>
+                                          </p:stCondLst>
+                                        </p:cTn>
+                                        <p:tgtEl>
+                                          <p:spTgt spid="26"/>
+                                        </p:tgtEl>
+                                      </p:cBhvr>
+                                      <p:to x="100000" y="60000"/>
+                                    </p:animScale>
+                                    <p:animScale>
+                                      <p:cBhvr>
+                                        <p:cTn id="190" dur="166" decel="50000">
+                                          <p:stCondLst>
+                                            <p:cond delay="676"/>
+                                          </p:stCondLst>
+                                        </p:cTn>
+                                        <p:tgtEl>
+                                          <p:spTgt spid="26"/>
+                                        </p:tgtEl>
+                                      </p:cBhvr>
+                                      <p:to x="100000" y="100000"/>
+                                    </p:animScale>
+                                    <p:animScale>
+                                      <p:cBhvr>
+                                        <p:cTn id="191" dur="26">
+                                          <p:stCondLst>
+                                            <p:cond delay="1312"/>
+                                          </p:stCondLst>
+                                        </p:cTn>
+                                        <p:tgtEl>
+                                          <p:spTgt spid="26"/>
+                                        </p:tgtEl>
+                                      </p:cBhvr>
+                                      <p:to x="100000" y="80000"/>
+                                    </p:animScale>
+                                    <p:animScale>
+                                      <p:cBhvr>
+                                        <p:cTn id="192" dur="166" decel="50000">
+                                          <p:stCondLst>
+                                            <p:cond delay="1338"/>
+                                          </p:stCondLst>
+                                        </p:cTn>
+                                        <p:tgtEl>
+                                          <p:spTgt spid="26"/>
+                                        </p:tgtEl>
+                                      </p:cBhvr>
+                                      <p:to x="100000" y="100000"/>
+                                    </p:animScale>
+                                    <p:animScale>
+                                      <p:cBhvr>
+                                        <p:cTn id="193" dur="26">
+                                          <p:stCondLst>
+                                            <p:cond delay="1642"/>
+                                          </p:stCondLst>
+                                        </p:cTn>
+                                        <p:tgtEl>
+                                          <p:spTgt spid="26"/>
+                                        </p:tgtEl>
+                                      </p:cBhvr>
+                                      <p:to x="100000" y="90000"/>
+                                    </p:animScale>
+                                    <p:animScale>
+                                      <p:cBhvr>
+                                        <p:cTn id="194" dur="166" decel="50000">
+                                          <p:stCondLst>
+                                            <p:cond delay="1668"/>
+                                          </p:stCondLst>
+                                        </p:cTn>
+                                        <p:tgtEl>
+                                          <p:spTgt spid="26"/>
+                                        </p:tgtEl>
+                                      </p:cBhvr>
+                                      <p:to x="100000" y="100000"/>
+                                    </p:animScale>
+                                    <p:animScale>
+                                      <p:cBhvr>
+                                        <p:cTn id="195" dur="26">
+                                          <p:stCondLst>
+                                            <p:cond delay="1808"/>
+                                          </p:stCondLst>
+                                        </p:cTn>
+                                        <p:tgtEl>
+                                          <p:spTgt spid="26"/>
+                                        </p:tgtEl>
+                                      </p:cBhvr>
+                                      <p:to x="100000" y="95000"/>
+                                    </p:animScale>
+                                    <p:animScale>
+                                      <p:cBhvr>
+                                        <p:cTn id="196" dur="166" decel="50000">
+                                          <p:stCondLst>
+                                            <p:cond delay="1834"/>
+                                          </p:stCondLst>
+                                        </p:cTn>
+                                        <p:tgtEl>
+                                          <p:spTgt spid="26"/>
+                                        </p:tgtEl>
+                                      </p:cBhvr>
+                                      <p:to x="100000" y="100000"/>
+                                    </p:animScale>
+                                  </p:childTnLst>
+                                </p:cTn>
+                              </p:par>
+                              <p:par>
+                                <p:cTn id="197" presetID="26" presetClass="entr" presetSubtype="0" fill="hold" grpId="0" nodeType="withEffect">
+                                  <p:stCondLst>
+                                    <p:cond delay="0"/>
+                                  </p:stCondLst>
+                                  <p:childTnLst>
+                                    <p:set>
+                                      <p:cBhvr>
+                                        <p:cTn id="198" dur="1" fill="hold">
+                                          <p:stCondLst>
+                                            <p:cond delay="0"/>
+                                          </p:stCondLst>
+                                        </p:cTn>
+                                        <p:tgtEl>
+                                          <p:spTgt spid="31"/>
+                                        </p:tgtEl>
+                                        <p:attrNameLst>
+                                          <p:attrName>style.visibility</p:attrName>
+                                        </p:attrNameLst>
+                                      </p:cBhvr>
+                                      <p:to>
+                                        <p:strVal val="visible"/>
+                                      </p:to>
+                                    </p:set>
+                                    <p:animEffect transition="in" filter="wipe(down)">
+                                      <p:cBhvr>
+                                        <p:cTn id="199" dur="580">
+                                          <p:stCondLst>
+                                            <p:cond delay="0"/>
+                                          </p:stCondLst>
+                                        </p:cTn>
+                                        <p:tgtEl>
+                                          <p:spTgt spid="31"/>
+                                        </p:tgtEl>
+                                      </p:cBhvr>
+                                    </p:animEffect>
+                                    <p:anim calcmode="lin" valueType="num">
+                                      <p:cBhvr>
+                                        <p:cTn id="200" dur="1822" tmFilter="0,0; 0.14,0.36; 0.43,0.73; 0.71,0.91; 1.0,1.0">
+                                          <p:stCondLst>
+                                            <p:cond delay="0"/>
+                                          </p:stCondLst>
+                                        </p:cTn>
+                                        <p:tgtEl>
+                                          <p:spTgt spid="31"/>
+                                        </p:tgtEl>
+                                        <p:attrNameLst>
+                                          <p:attrName>ppt_x</p:attrName>
+                                        </p:attrNameLst>
+                                      </p:cBhvr>
+                                      <p:tavLst>
+                                        <p:tav tm="0">
+                                          <p:val>
+                                            <p:strVal val="#ppt_x-0.25"/>
+                                          </p:val>
+                                        </p:tav>
+                                        <p:tav tm="100000">
+                                          <p:val>
+                                            <p:strVal val="#ppt_x"/>
+                                          </p:val>
+                                        </p:tav>
+                                      </p:tavLst>
+                                    </p:anim>
+                                    <p:anim calcmode="lin" valueType="num">
+                                      <p:cBhvr>
+                                        <p:cTn id="201" dur="664" tmFilter="0.0,0.0; 0.25,0.07; 0.50,0.2; 0.75,0.467; 1.0,1.0">
+                                          <p:stCondLst>
+                                            <p:cond delay="0"/>
+                                          </p:stCondLst>
+                                        </p:cTn>
+                                        <p:tgtEl>
+                                          <p:spTgt spid="31"/>
+                                        </p:tgtEl>
+                                        <p:attrNameLst>
+                                          <p:attrName>ppt_y</p:attrName>
+                                        </p:attrNameLst>
+                                      </p:cBhvr>
+                                      <p:tavLst>
+                                        <p:tav tm="0" fmla="#ppt_y-sin(pi*$)/3">
+                                          <p:val>
+                                            <p:fltVal val="0.5"/>
+                                          </p:val>
+                                        </p:tav>
+                                        <p:tav tm="100000">
+                                          <p:val>
+                                            <p:fltVal val="1"/>
+                                          </p:val>
+                                        </p:tav>
+                                      </p:tavLst>
+                                    </p:anim>
+                                    <p:anim calcmode="lin" valueType="num">
+                                      <p:cBhvr>
+                                        <p:cTn id="202" dur="664" tmFilter="0, 0; 0.125,0.2665; 0.25,0.4; 0.375,0.465; 0.5,0.5;  0.625,0.535; 0.75,0.6; 0.875,0.7335; 1,1">
+                                          <p:stCondLst>
+                                            <p:cond delay="664"/>
+                                          </p:stCondLst>
+                                        </p:cTn>
+                                        <p:tgtEl>
+                                          <p:spTgt spid="31"/>
+                                        </p:tgtEl>
+                                        <p:attrNameLst>
+                                          <p:attrName>ppt_y</p:attrName>
+                                        </p:attrNameLst>
+                                      </p:cBhvr>
+                                      <p:tavLst>
+                                        <p:tav tm="0" fmla="#ppt_y-sin(pi*$)/9">
+                                          <p:val>
+                                            <p:fltVal val="0"/>
+                                          </p:val>
+                                        </p:tav>
+                                        <p:tav tm="100000">
+                                          <p:val>
+                                            <p:fltVal val="1"/>
+                                          </p:val>
+                                        </p:tav>
+                                      </p:tavLst>
+                                    </p:anim>
+                                    <p:anim calcmode="lin" valueType="num">
+                                      <p:cBhvr>
+                                        <p:cTn id="203" dur="332" tmFilter="0, 0; 0.125,0.2665; 0.25,0.4; 0.375,0.465; 0.5,0.5;  0.625,0.535; 0.75,0.6; 0.875,0.7335; 1,1">
+                                          <p:stCondLst>
+                                            <p:cond delay="1324"/>
+                                          </p:stCondLst>
+                                        </p:cTn>
+                                        <p:tgtEl>
+                                          <p:spTgt spid="31"/>
+                                        </p:tgtEl>
+                                        <p:attrNameLst>
+                                          <p:attrName>ppt_y</p:attrName>
+                                        </p:attrNameLst>
+                                      </p:cBhvr>
+                                      <p:tavLst>
+                                        <p:tav tm="0" fmla="#ppt_y-sin(pi*$)/27">
+                                          <p:val>
+                                            <p:fltVal val="0"/>
+                                          </p:val>
+                                        </p:tav>
+                                        <p:tav tm="100000">
+                                          <p:val>
+                                            <p:fltVal val="1"/>
+                                          </p:val>
+                                        </p:tav>
+                                      </p:tavLst>
+                                    </p:anim>
+                                    <p:anim calcmode="lin" valueType="num">
+                                      <p:cBhvr>
+                                        <p:cTn id="204" dur="164" tmFilter="0, 0; 0.125,0.2665; 0.25,0.4; 0.375,0.465; 0.5,0.5;  0.625,0.535; 0.75,0.6; 0.875,0.7335; 1,1">
+                                          <p:stCondLst>
+                                            <p:cond delay="1656"/>
+                                          </p:stCondLst>
+                                        </p:cTn>
+                                        <p:tgtEl>
+                                          <p:spTgt spid="31"/>
+                                        </p:tgtEl>
+                                        <p:attrNameLst>
+                                          <p:attrName>ppt_y</p:attrName>
+                                        </p:attrNameLst>
+                                      </p:cBhvr>
+                                      <p:tavLst>
+                                        <p:tav tm="0" fmla="#ppt_y-sin(pi*$)/81">
+                                          <p:val>
+                                            <p:fltVal val="0"/>
+                                          </p:val>
+                                        </p:tav>
+                                        <p:tav tm="100000">
+                                          <p:val>
+                                            <p:fltVal val="1"/>
+                                          </p:val>
+                                        </p:tav>
+                                      </p:tavLst>
+                                    </p:anim>
+                                    <p:animScale>
+                                      <p:cBhvr>
+                                        <p:cTn id="205" dur="26">
+                                          <p:stCondLst>
+                                            <p:cond delay="650"/>
+                                          </p:stCondLst>
+                                        </p:cTn>
+                                        <p:tgtEl>
+                                          <p:spTgt spid="31"/>
+                                        </p:tgtEl>
+                                      </p:cBhvr>
+                                      <p:to x="100000" y="60000"/>
+                                    </p:animScale>
+                                    <p:animScale>
+                                      <p:cBhvr>
+                                        <p:cTn id="206" dur="166" decel="50000">
+                                          <p:stCondLst>
+                                            <p:cond delay="676"/>
+                                          </p:stCondLst>
+                                        </p:cTn>
+                                        <p:tgtEl>
+                                          <p:spTgt spid="31"/>
+                                        </p:tgtEl>
+                                      </p:cBhvr>
+                                      <p:to x="100000" y="100000"/>
+                                    </p:animScale>
+                                    <p:animScale>
+                                      <p:cBhvr>
+                                        <p:cTn id="207" dur="26">
+                                          <p:stCondLst>
+                                            <p:cond delay="1312"/>
+                                          </p:stCondLst>
+                                        </p:cTn>
+                                        <p:tgtEl>
+                                          <p:spTgt spid="31"/>
+                                        </p:tgtEl>
+                                      </p:cBhvr>
+                                      <p:to x="100000" y="80000"/>
+                                    </p:animScale>
+                                    <p:animScale>
+                                      <p:cBhvr>
+                                        <p:cTn id="208" dur="166" decel="50000">
+                                          <p:stCondLst>
+                                            <p:cond delay="1338"/>
+                                          </p:stCondLst>
+                                        </p:cTn>
+                                        <p:tgtEl>
+                                          <p:spTgt spid="31"/>
+                                        </p:tgtEl>
+                                      </p:cBhvr>
+                                      <p:to x="100000" y="100000"/>
+                                    </p:animScale>
+                                    <p:animScale>
+                                      <p:cBhvr>
+                                        <p:cTn id="209" dur="26">
+                                          <p:stCondLst>
+                                            <p:cond delay="1642"/>
+                                          </p:stCondLst>
+                                        </p:cTn>
+                                        <p:tgtEl>
+                                          <p:spTgt spid="31"/>
+                                        </p:tgtEl>
+                                      </p:cBhvr>
+                                      <p:to x="100000" y="90000"/>
+                                    </p:animScale>
+                                    <p:animScale>
+                                      <p:cBhvr>
+                                        <p:cTn id="210" dur="166" decel="50000">
+                                          <p:stCondLst>
+                                            <p:cond delay="1668"/>
+                                          </p:stCondLst>
+                                        </p:cTn>
+                                        <p:tgtEl>
+                                          <p:spTgt spid="31"/>
+                                        </p:tgtEl>
+                                      </p:cBhvr>
+                                      <p:to x="100000" y="100000"/>
+                                    </p:animScale>
+                                    <p:animScale>
+                                      <p:cBhvr>
+                                        <p:cTn id="211" dur="26">
+                                          <p:stCondLst>
+                                            <p:cond delay="1808"/>
+                                          </p:stCondLst>
+                                        </p:cTn>
+                                        <p:tgtEl>
+                                          <p:spTgt spid="31"/>
+                                        </p:tgtEl>
+                                      </p:cBhvr>
+                                      <p:to x="100000" y="95000"/>
+                                    </p:animScale>
+                                    <p:animScale>
+                                      <p:cBhvr>
+                                        <p:cTn id="212" dur="166" decel="50000">
+                                          <p:stCondLst>
+                                            <p:cond delay="1834"/>
+                                          </p:stCondLst>
+                                        </p:cTn>
+                                        <p:tgtEl>
+                                          <p:spTgt spid="31"/>
+                                        </p:tgtEl>
+                                      </p:cBhvr>
+                                      <p:to x="100000" y="100000"/>
+                                    </p:animScale>
+                                  </p:childTnLst>
+                                </p:cTn>
+                              </p:par>
+                              <p:par>
+                                <p:cTn id="213" presetID="26" presetClass="entr" presetSubtype="0" fill="hold" nodeType="withEffect">
+                                  <p:stCondLst>
+                                    <p:cond delay="0"/>
+                                  </p:stCondLst>
+                                  <p:childTnLst>
+                                    <p:set>
+                                      <p:cBhvr>
+                                        <p:cTn id="214" dur="1" fill="hold">
+                                          <p:stCondLst>
+                                            <p:cond delay="0"/>
+                                          </p:stCondLst>
+                                        </p:cTn>
+                                        <p:tgtEl>
+                                          <p:spTgt spid="32"/>
+                                        </p:tgtEl>
+                                        <p:attrNameLst>
+                                          <p:attrName>style.visibility</p:attrName>
+                                        </p:attrNameLst>
+                                      </p:cBhvr>
+                                      <p:to>
+                                        <p:strVal val="visible"/>
+                                      </p:to>
+                                    </p:set>
+                                    <p:animEffect transition="in" filter="wipe(down)">
+                                      <p:cBhvr>
+                                        <p:cTn id="215" dur="580">
+                                          <p:stCondLst>
+                                            <p:cond delay="0"/>
+                                          </p:stCondLst>
+                                        </p:cTn>
+                                        <p:tgtEl>
+                                          <p:spTgt spid="32"/>
+                                        </p:tgtEl>
+                                      </p:cBhvr>
+                                    </p:animEffect>
+                                    <p:anim calcmode="lin" valueType="num">
+                                      <p:cBhvr>
+                                        <p:cTn id="216" dur="1822" tmFilter="0,0; 0.14,0.36; 0.43,0.73; 0.71,0.91; 1.0,1.0">
+                                          <p:stCondLst>
+                                            <p:cond delay="0"/>
+                                          </p:stCondLst>
+                                        </p:cTn>
+                                        <p:tgtEl>
+                                          <p:spTgt spid="32"/>
+                                        </p:tgtEl>
+                                        <p:attrNameLst>
+                                          <p:attrName>ppt_x</p:attrName>
+                                        </p:attrNameLst>
+                                      </p:cBhvr>
+                                      <p:tavLst>
+                                        <p:tav tm="0">
+                                          <p:val>
+                                            <p:strVal val="#ppt_x-0.25"/>
+                                          </p:val>
+                                        </p:tav>
+                                        <p:tav tm="100000">
+                                          <p:val>
+                                            <p:strVal val="#ppt_x"/>
+                                          </p:val>
+                                        </p:tav>
+                                      </p:tavLst>
+                                    </p:anim>
+                                    <p:anim calcmode="lin" valueType="num">
+                                      <p:cBhvr>
+                                        <p:cTn id="217" dur="664" tmFilter="0.0,0.0; 0.25,0.07; 0.50,0.2; 0.75,0.467; 1.0,1.0">
+                                          <p:stCondLst>
+                                            <p:cond delay="0"/>
+                                          </p:stCondLst>
+                                        </p:cTn>
+                                        <p:tgtEl>
+                                          <p:spTgt spid="32"/>
+                                        </p:tgtEl>
+                                        <p:attrNameLst>
+                                          <p:attrName>ppt_y</p:attrName>
+                                        </p:attrNameLst>
+                                      </p:cBhvr>
+                                      <p:tavLst>
+                                        <p:tav tm="0" fmla="#ppt_y-sin(pi*$)/3">
+                                          <p:val>
+                                            <p:fltVal val="0.5"/>
+                                          </p:val>
+                                        </p:tav>
+                                        <p:tav tm="100000">
+                                          <p:val>
+                                            <p:fltVal val="1"/>
+                                          </p:val>
+                                        </p:tav>
+                                      </p:tavLst>
+                                    </p:anim>
+                                    <p:anim calcmode="lin" valueType="num">
+                                      <p:cBhvr>
+                                        <p:cTn id="218" dur="664" tmFilter="0, 0; 0.125,0.2665; 0.25,0.4; 0.375,0.465; 0.5,0.5;  0.625,0.535; 0.75,0.6; 0.875,0.7335; 1,1">
+                                          <p:stCondLst>
+                                            <p:cond delay="664"/>
+                                          </p:stCondLst>
+                                        </p:cTn>
+                                        <p:tgtEl>
+                                          <p:spTgt spid="32"/>
+                                        </p:tgtEl>
+                                        <p:attrNameLst>
+                                          <p:attrName>ppt_y</p:attrName>
+                                        </p:attrNameLst>
+                                      </p:cBhvr>
+                                      <p:tavLst>
+                                        <p:tav tm="0" fmla="#ppt_y-sin(pi*$)/9">
+                                          <p:val>
+                                            <p:fltVal val="0"/>
+                                          </p:val>
+                                        </p:tav>
+                                        <p:tav tm="100000">
+                                          <p:val>
+                                            <p:fltVal val="1"/>
+                                          </p:val>
+                                        </p:tav>
+                                      </p:tavLst>
+                                    </p:anim>
+                                    <p:anim calcmode="lin" valueType="num">
+                                      <p:cBhvr>
+                                        <p:cTn id="219" dur="332" tmFilter="0, 0; 0.125,0.2665; 0.25,0.4; 0.375,0.465; 0.5,0.5;  0.625,0.535; 0.75,0.6; 0.875,0.7335; 1,1">
+                                          <p:stCondLst>
+                                            <p:cond delay="1324"/>
+                                          </p:stCondLst>
+                                        </p:cTn>
+                                        <p:tgtEl>
+                                          <p:spTgt spid="32"/>
+                                        </p:tgtEl>
+                                        <p:attrNameLst>
+                                          <p:attrName>ppt_y</p:attrName>
+                                        </p:attrNameLst>
+                                      </p:cBhvr>
+                                      <p:tavLst>
+                                        <p:tav tm="0" fmla="#ppt_y-sin(pi*$)/27">
+                                          <p:val>
+                                            <p:fltVal val="0"/>
+                                          </p:val>
+                                        </p:tav>
+                                        <p:tav tm="100000">
+                                          <p:val>
+                                            <p:fltVal val="1"/>
+                                          </p:val>
+                                        </p:tav>
+                                      </p:tavLst>
+                                    </p:anim>
+                                    <p:anim calcmode="lin" valueType="num">
+                                      <p:cBhvr>
+                                        <p:cTn id="220" dur="164" tmFilter="0, 0; 0.125,0.2665; 0.25,0.4; 0.375,0.465; 0.5,0.5;  0.625,0.535; 0.75,0.6; 0.875,0.7335; 1,1">
+                                          <p:stCondLst>
+                                            <p:cond delay="1656"/>
+                                          </p:stCondLst>
+                                        </p:cTn>
+                                        <p:tgtEl>
+                                          <p:spTgt spid="32"/>
+                                        </p:tgtEl>
+                                        <p:attrNameLst>
+                                          <p:attrName>ppt_y</p:attrName>
+                                        </p:attrNameLst>
+                                      </p:cBhvr>
+                                      <p:tavLst>
+                                        <p:tav tm="0" fmla="#ppt_y-sin(pi*$)/81">
+                                          <p:val>
+                                            <p:fltVal val="0"/>
+                                          </p:val>
+                                        </p:tav>
+                                        <p:tav tm="100000">
+                                          <p:val>
+                                            <p:fltVal val="1"/>
+                                          </p:val>
+                                        </p:tav>
+                                      </p:tavLst>
+                                    </p:anim>
+                                    <p:animScale>
+                                      <p:cBhvr>
+                                        <p:cTn id="221" dur="26">
+                                          <p:stCondLst>
+                                            <p:cond delay="650"/>
+                                          </p:stCondLst>
+                                        </p:cTn>
+                                        <p:tgtEl>
+                                          <p:spTgt spid="32"/>
+                                        </p:tgtEl>
+                                      </p:cBhvr>
+                                      <p:to x="100000" y="60000"/>
+                                    </p:animScale>
+                                    <p:animScale>
+                                      <p:cBhvr>
+                                        <p:cTn id="222" dur="166" decel="50000">
+                                          <p:stCondLst>
+                                            <p:cond delay="676"/>
+                                          </p:stCondLst>
+                                        </p:cTn>
+                                        <p:tgtEl>
+                                          <p:spTgt spid="32"/>
+                                        </p:tgtEl>
+                                      </p:cBhvr>
+                                      <p:to x="100000" y="100000"/>
+                                    </p:animScale>
+                                    <p:animScale>
+                                      <p:cBhvr>
+                                        <p:cTn id="223" dur="26">
+                                          <p:stCondLst>
+                                            <p:cond delay="1312"/>
+                                          </p:stCondLst>
+                                        </p:cTn>
+                                        <p:tgtEl>
+                                          <p:spTgt spid="32"/>
+                                        </p:tgtEl>
+                                      </p:cBhvr>
+                                      <p:to x="100000" y="80000"/>
+                                    </p:animScale>
+                                    <p:animScale>
+                                      <p:cBhvr>
+                                        <p:cTn id="224" dur="166" decel="50000">
+                                          <p:stCondLst>
+                                            <p:cond delay="1338"/>
+                                          </p:stCondLst>
+                                        </p:cTn>
+                                        <p:tgtEl>
+                                          <p:spTgt spid="32"/>
+                                        </p:tgtEl>
+                                      </p:cBhvr>
+                                      <p:to x="100000" y="100000"/>
+                                    </p:animScale>
+                                    <p:animScale>
+                                      <p:cBhvr>
+                                        <p:cTn id="225" dur="26">
+                                          <p:stCondLst>
+                                            <p:cond delay="1642"/>
+                                          </p:stCondLst>
+                                        </p:cTn>
+                                        <p:tgtEl>
+                                          <p:spTgt spid="32"/>
+                                        </p:tgtEl>
+                                      </p:cBhvr>
+                                      <p:to x="100000" y="90000"/>
+                                    </p:animScale>
+                                    <p:animScale>
+                                      <p:cBhvr>
+                                        <p:cTn id="226" dur="166" decel="50000">
+                                          <p:stCondLst>
+                                            <p:cond delay="1668"/>
+                                          </p:stCondLst>
+                                        </p:cTn>
+                                        <p:tgtEl>
+                                          <p:spTgt spid="32"/>
+                                        </p:tgtEl>
+                                      </p:cBhvr>
+                                      <p:to x="100000" y="100000"/>
+                                    </p:animScale>
+                                    <p:animScale>
+                                      <p:cBhvr>
+                                        <p:cTn id="227" dur="26">
+                                          <p:stCondLst>
+                                            <p:cond delay="1808"/>
+                                          </p:stCondLst>
+                                        </p:cTn>
+                                        <p:tgtEl>
+                                          <p:spTgt spid="32"/>
+                                        </p:tgtEl>
+                                      </p:cBhvr>
+                                      <p:to x="100000" y="95000"/>
+                                    </p:animScale>
+                                    <p:animScale>
+                                      <p:cBhvr>
+                                        <p:cTn id="228" dur="166" decel="50000">
+                                          <p:stCondLst>
+                                            <p:cond delay="1834"/>
+                                          </p:stCondLst>
+                                        </p:cTn>
+                                        <p:tgtEl>
+                                          <p:spTgt spid="32"/>
+                                        </p:tgtEl>
+                                      </p:cBhvr>
+                                      <p:to x="100000" y="100000"/>
+                                    </p:animScale>
+                                  </p:childTnLst>
+                                </p:cTn>
+                              </p:par>
+                              <p:par>
+                                <p:cTn id="229" presetID="26" presetClass="entr" presetSubtype="0" fill="hold" nodeType="withEffect">
+                                  <p:stCondLst>
+                                    <p:cond delay="0"/>
+                                  </p:stCondLst>
+                                  <p:childTnLst>
+                                    <p:set>
+                                      <p:cBhvr>
+                                        <p:cTn id="230" dur="1" fill="hold">
+                                          <p:stCondLst>
+                                            <p:cond delay="0"/>
+                                          </p:stCondLst>
+                                        </p:cTn>
+                                        <p:tgtEl>
+                                          <p:spTgt spid="35"/>
+                                        </p:tgtEl>
+                                        <p:attrNameLst>
+                                          <p:attrName>style.visibility</p:attrName>
+                                        </p:attrNameLst>
+                                      </p:cBhvr>
+                                      <p:to>
+                                        <p:strVal val="visible"/>
+                                      </p:to>
+                                    </p:set>
+                                    <p:animEffect transition="in" filter="wipe(down)">
+                                      <p:cBhvr>
+                                        <p:cTn id="231" dur="580">
+                                          <p:stCondLst>
+                                            <p:cond delay="0"/>
+                                          </p:stCondLst>
+                                        </p:cTn>
+                                        <p:tgtEl>
+                                          <p:spTgt spid="35"/>
+                                        </p:tgtEl>
+                                      </p:cBhvr>
+                                    </p:animEffect>
+                                    <p:anim calcmode="lin" valueType="num">
+                                      <p:cBhvr>
+                                        <p:cTn id="232" dur="1822" tmFilter="0,0; 0.14,0.36; 0.43,0.73; 0.71,0.91; 1.0,1.0">
+                                          <p:stCondLst>
+                                            <p:cond delay="0"/>
+                                          </p:stCondLst>
+                                        </p:cTn>
+                                        <p:tgtEl>
+                                          <p:spTgt spid="35"/>
+                                        </p:tgtEl>
+                                        <p:attrNameLst>
+                                          <p:attrName>ppt_x</p:attrName>
+                                        </p:attrNameLst>
+                                      </p:cBhvr>
+                                      <p:tavLst>
+                                        <p:tav tm="0">
+                                          <p:val>
+                                            <p:strVal val="#ppt_x-0.25"/>
+                                          </p:val>
+                                        </p:tav>
+                                        <p:tav tm="100000">
+                                          <p:val>
+                                            <p:strVal val="#ppt_x"/>
+                                          </p:val>
+                                        </p:tav>
+                                      </p:tavLst>
+                                    </p:anim>
+                                    <p:anim calcmode="lin" valueType="num">
+                                      <p:cBhvr>
+                                        <p:cTn id="233" dur="664" tmFilter="0.0,0.0; 0.25,0.07; 0.50,0.2; 0.75,0.467; 1.0,1.0">
+                                          <p:stCondLst>
+                                            <p:cond delay="0"/>
+                                          </p:stCondLst>
+                                        </p:cTn>
+                                        <p:tgtEl>
+                                          <p:spTgt spid="35"/>
+                                        </p:tgtEl>
+                                        <p:attrNameLst>
+                                          <p:attrName>ppt_y</p:attrName>
+                                        </p:attrNameLst>
+                                      </p:cBhvr>
+                                      <p:tavLst>
+                                        <p:tav tm="0" fmla="#ppt_y-sin(pi*$)/3">
+                                          <p:val>
+                                            <p:fltVal val="0.5"/>
+                                          </p:val>
+                                        </p:tav>
+                                        <p:tav tm="100000">
+                                          <p:val>
+                                            <p:fltVal val="1"/>
+                                          </p:val>
+                                        </p:tav>
+                                      </p:tavLst>
+                                    </p:anim>
+                                    <p:anim calcmode="lin" valueType="num">
+                                      <p:cBhvr>
+                                        <p:cTn id="234" dur="664" tmFilter="0, 0; 0.125,0.2665; 0.25,0.4; 0.375,0.465; 0.5,0.5;  0.625,0.535; 0.75,0.6; 0.875,0.7335; 1,1">
+                                          <p:stCondLst>
+                                            <p:cond delay="664"/>
+                                          </p:stCondLst>
+                                        </p:cTn>
+                                        <p:tgtEl>
+                                          <p:spTgt spid="35"/>
+                                        </p:tgtEl>
+                                        <p:attrNameLst>
+                                          <p:attrName>ppt_y</p:attrName>
+                                        </p:attrNameLst>
+                                      </p:cBhvr>
+                                      <p:tavLst>
+                                        <p:tav tm="0" fmla="#ppt_y-sin(pi*$)/9">
+                                          <p:val>
+                                            <p:fltVal val="0"/>
+                                          </p:val>
+                                        </p:tav>
+                                        <p:tav tm="100000">
+                                          <p:val>
+                                            <p:fltVal val="1"/>
+                                          </p:val>
+                                        </p:tav>
+                                      </p:tavLst>
+                                    </p:anim>
+                                    <p:anim calcmode="lin" valueType="num">
+                                      <p:cBhvr>
+                                        <p:cTn id="235" dur="332" tmFilter="0, 0; 0.125,0.2665; 0.25,0.4; 0.375,0.465; 0.5,0.5;  0.625,0.535; 0.75,0.6; 0.875,0.7335; 1,1">
+                                          <p:stCondLst>
+                                            <p:cond delay="1324"/>
+                                          </p:stCondLst>
+                                        </p:cTn>
+                                        <p:tgtEl>
+                                          <p:spTgt spid="35"/>
+                                        </p:tgtEl>
+                                        <p:attrNameLst>
+                                          <p:attrName>ppt_y</p:attrName>
+                                        </p:attrNameLst>
+                                      </p:cBhvr>
+                                      <p:tavLst>
+                                        <p:tav tm="0" fmla="#ppt_y-sin(pi*$)/27">
+                                          <p:val>
+                                            <p:fltVal val="0"/>
+                                          </p:val>
+                                        </p:tav>
+                                        <p:tav tm="100000">
+                                          <p:val>
+                                            <p:fltVal val="1"/>
+                                          </p:val>
+                                        </p:tav>
+                                      </p:tavLst>
+                                    </p:anim>
+                                    <p:anim calcmode="lin" valueType="num">
+                                      <p:cBhvr>
+                                        <p:cTn id="236" dur="164" tmFilter="0, 0; 0.125,0.2665; 0.25,0.4; 0.375,0.465; 0.5,0.5;  0.625,0.535; 0.75,0.6; 0.875,0.7335; 1,1">
+                                          <p:stCondLst>
+                                            <p:cond delay="1656"/>
+                                          </p:stCondLst>
+                                        </p:cTn>
+                                        <p:tgtEl>
+                                          <p:spTgt spid="35"/>
+                                        </p:tgtEl>
+                                        <p:attrNameLst>
+                                          <p:attrName>ppt_y</p:attrName>
+                                        </p:attrNameLst>
+                                      </p:cBhvr>
+                                      <p:tavLst>
+                                        <p:tav tm="0" fmla="#ppt_y-sin(pi*$)/81">
+                                          <p:val>
+                                            <p:fltVal val="0"/>
+                                          </p:val>
+                                        </p:tav>
+                                        <p:tav tm="100000">
+                                          <p:val>
+                                            <p:fltVal val="1"/>
+                                          </p:val>
+                                        </p:tav>
+                                      </p:tavLst>
+                                    </p:anim>
+                                    <p:animScale>
+                                      <p:cBhvr>
+                                        <p:cTn id="237" dur="26">
+                                          <p:stCondLst>
+                                            <p:cond delay="650"/>
+                                          </p:stCondLst>
+                                        </p:cTn>
+                                        <p:tgtEl>
+                                          <p:spTgt spid="35"/>
+                                        </p:tgtEl>
+                                      </p:cBhvr>
+                                      <p:to x="100000" y="60000"/>
+                                    </p:animScale>
+                                    <p:animScale>
+                                      <p:cBhvr>
+                                        <p:cTn id="238" dur="166" decel="50000">
+                                          <p:stCondLst>
+                                            <p:cond delay="676"/>
+                                          </p:stCondLst>
+                                        </p:cTn>
+                                        <p:tgtEl>
+                                          <p:spTgt spid="35"/>
+                                        </p:tgtEl>
+                                      </p:cBhvr>
+                                      <p:to x="100000" y="100000"/>
+                                    </p:animScale>
+                                    <p:animScale>
+                                      <p:cBhvr>
+                                        <p:cTn id="239" dur="26">
+                                          <p:stCondLst>
+                                            <p:cond delay="1312"/>
+                                          </p:stCondLst>
+                                        </p:cTn>
+                                        <p:tgtEl>
+                                          <p:spTgt spid="35"/>
+                                        </p:tgtEl>
+                                      </p:cBhvr>
+                                      <p:to x="100000" y="80000"/>
+                                    </p:animScale>
+                                    <p:animScale>
+                                      <p:cBhvr>
+                                        <p:cTn id="240" dur="166" decel="50000">
+                                          <p:stCondLst>
+                                            <p:cond delay="1338"/>
+                                          </p:stCondLst>
+                                        </p:cTn>
+                                        <p:tgtEl>
+                                          <p:spTgt spid="35"/>
+                                        </p:tgtEl>
+                                      </p:cBhvr>
+                                      <p:to x="100000" y="100000"/>
+                                    </p:animScale>
+                                    <p:animScale>
+                                      <p:cBhvr>
+                                        <p:cTn id="241" dur="26">
+                                          <p:stCondLst>
+                                            <p:cond delay="1642"/>
+                                          </p:stCondLst>
+                                        </p:cTn>
+                                        <p:tgtEl>
+                                          <p:spTgt spid="35"/>
+                                        </p:tgtEl>
+                                      </p:cBhvr>
+                                      <p:to x="100000" y="90000"/>
+                                    </p:animScale>
+                                    <p:animScale>
+                                      <p:cBhvr>
+                                        <p:cTn id="242" dur="166" decel="50000">
+                                          <p:stCondLst>
+                                            <p:cond delay="1668"/>
+                                          </p:stCondLst>
+                                        </p:cTn>
+                                        <p:tgtEl>
+                                          <p:spTgt spid="35"/>
+                                        </p:tgtEl>
+                                      </p:cBhvr>
+                                      <p:to x="100000" y="100000"/>
+                                    </p:animScale>
+                                    <p:animScale>
+                                      <p:cBhvr>
+                                        <p:cTn id="243" dur="26">
+                                          <p:stCondLst>
+                                            <p:cond delay="1808"/>
+                                          </p:stCondLst>
+                                        </p:cTn>
+                                        <p:tgtEl>
+                                          <p:spTgt spid="35"/>
+                                        </p:tgtEl>
+                                      </p:cBhvr>
+                                      <p:to x="100000" y="95000"/>
+                                    </p:animScale>
+                                    <p:animScale>
+                                      <p:cBhvr>
+                                        <p:cTn id="244" dur="166" decel="50000">
+                                          <p:stCondLst>
+                                            <p:cond delay="1834"/>
+                                          </p:stCondLst>
+                                        </p:cTn>
+                                        <p:tgtEl>
+                                          <p:spTgt spid="35"/>
+                                        </p:tgtEl>
+                                      </p:cBhvr>
+                                      <p:to x="100000" y="100000"/>
+                                    </p:animScale>
+                                  </p:childTnLst>
+                                </p:cTn>
+                              </p:par>
+                              <p:par>
+                                <p:cTn id="245" presetID="26" presetClass="entr" presetSubtype="0" fill="hold" nodeType="withEffect">
+                                  <p:stCondLst>
+                                    <p:cond delay="0"/>
+                                  </p:stCondLst>
+                                  <p:childTnLst>
+                                    <p:set>
+                                      <p:cBhvr>
+                                        <p:cTn id="246" dur="1" fill="hold">
+                                          <p:stCondLst>
+                                            <p:cond delay="0"/>
+                                          </p:stCondLst>
+                                        </p:cTn>
+                                        <p:tgtEl>
+                                          <p:spTgt spid="38"/>
+                                        </p:tgtEl>
+                                        <p:attrNameLst>
+                                          <p:attrName>style.visibility</p:attrName>
+                                        </p:attrNameLst>
+                                      </p:cBhvr>
+                                      <p:to>
+                                        <p:strVal val="visible"/>
+                                      </p:to>
+                                    </p:set>
+                                    <p:animEffect transition="in" filter="wipe(down)">
+                                      <p:cBhvr>
+                                        <p:cTn id="247" dur="580">
+                                          <p:stCondLst>
+                                            <p:cond delay="0"/>
+                                          </p:stCondLst>
+                                        </p:cTn>
+                                        <p:tgtEl>
+                                          <p:spTgt spid="38"/>
+                                        </p:tgtEl>
+                                      </p:cBhvr>
+                                    </p:animEffect>
+                                    <p:anim calcmode="lin" valueType="num">
+                                      <p:cBhvr>
+                                        <p:cTn id="248" dur="1822" tmFilter="0,0; 0.14,0.36; 0.43,0.73; 0.71,0.91; 1.0,1.0">
+                                          <p:stCondLst>
+                                            <p:cond delay="0"/>
+                                          </p:stCondLst>
+                                        </p:cTn>
+                                        <p:tgtEl>
+                                          <p:spTgt spid="38"/>
+                                        </p:tgtEl>
+                                        <p:attrNameLst>
+                                          <p:attrName>ppt_x</p:attrName>
+                                        </p:attrNameLst>
+                                      </p:cBhvr>
+                                      <p:tavLst>
+                                        <p:tav tm="0">
+                                          <p:val>
+                                            <p:strVal val="#ppt_x-0.25"/>
+                                          </p:val>
+                                        </p:tav>
+                                        <p:tav tm="100000">
+                                          <p:val>
+                                            <p:strVal val="#ppt_x"/>
+                                          </p:val>
+                                        </p:tav>
+                                      </p:tavLst>
+                                    </p:anim>
+                                    <p:anim calcmode="lin" valueType="num">
+                                      <p:cBhvr>
+                                        <p:cTn id="249" dur="664" tmFilter="0.0,0.0; 0.25,0.07; 0.50,0.2; 0.75,0.467; 1.0,1.0">
+                                          <p:stCondLst>
+                                            <p:cond delay="0"/>
+                                          </p:stCondLst>
+                                        </p:cTn>
+                                        <p:tgtEl>
+                                          <p:spTgt spid="38"/>
+                                        </p:tgtEl>
+                                        <p:attrNameLst>
+                                          <p:attrName>ppt_y</p:attrName>
+                                        </p:attrNameLst>
+                                      </p:cBhvr>
+                                      <p:tavLst>
+                                        <p:tav tm="0" fmla="#ppt_y-sin(pi*$)/3">
+                                          <p:val>
+                                            <p:fltVal val="0.5"/>
+                                          </p:val>
+                                        </p:tav>
+                                        <p:tav tm="100000">
+                                          <p:val>
+                                            <p:fltVal val="1"/>
+                                          </p:val>
+                                        </p:tav>
+                                      </p:tavLst>
+                                    </p:anim>
+                                    <p:anim calcmode="lin" valueType="num">
+                                      <p:cBhvr>
+                                        <p:cTn id="250" dur="664" tmFilter="0, 0; 0.125,0.2665; 0.25,0.4; 0.375,0.465; 0.5,0.5;  0.625,0.535; 0.75,0.6; 0.875,0.7335; 1,1">
+                                          <p:stCondLst>
+                                            <p:cond delay="664"/>
+                                          </p:stCondLst>
+                                        </p:cTn>
+                                        <p:tgtEl>
+                                          <p:spTgt spid="38"/>
+                                        </p:tgtEl>
+                                        <p:attrNameLst>
+                                          <p:attrName>ppt_y</p:attrName>
+                                        </p:attrNameLst>
+                                      </p:cBhvr>
+                                      <p:tavLst>
+                                        <p:tav tm="0" fmla="#ppt_y-sin(pi*$)/9">
+                                          <p:val>
+                                            <p:fltVal val="0"/>
+                                          </p:val>
+                                        </p:tav>
+                                        <p:tav tm="100000">
+                                          <p:val>
+                                            <p:fltVal val="1"/>
+                                          </p:val>
+                                        </p:tav>
+                                      </p:tavLst>
+                                    </p:anim>
+                                    <p:anim calcmode="lin" valueType="num">
+                                      <p:cBhvr>
+                                        <p:cTn id="251" dur="332" tmFilter="0, 0; 0.125,0.2665; 0.25,0.4; 0.375,0.465; 0.5,0.5;  0.625,0.535; 0.75,0.6; 0.875,0.7335; 1,1">
+                                          <p:stCondLst>
+                                            <p:cond delay="1324"/>
+                                          </p:stCondLst>
+                                        </p:cTn>
+                                        <p:tgtEl>
+                                          <p:spTgt spid="38"/>
+                                        </p:tgtEl>
+                                        <p:attrNameLst>
+                                          <p:attrName>ppt_y</p:attrName>
+                                        </p:attrNameLst>
+                                      </p:cBhvr>
+                                      <p:tavLst>
+                                        <p:tav tm="0" fmla="#ppt_y-sin(pi*$)/27">
+                                          <p:val>
+                                            <p:fltVal val="0"/>
+                                          </p:val>
+                                        </p:tav>
+                                        <p:tav tm="100000">
+                                          <p:val>
+                                            <p:fltVal val="1"/>
+                                          </p:val>
+                                        </p:tav>
+                                      </p:tavLst>
+                                    </p:anim>
+                                    <p:anim calcmode="lin" valueType="num">
+                                      <p:cBhvr>
+                                        <p:cTn id="252" dur="164" tmFilter="0, 0; 0.125,0.2665; 0.25,0.4; 0.375,0.465; 0.5,0.5;  0.625,0.535; 0.75,0.6; 0.875,0.7335; 1,1">
+                                          <p:stCondLst>
+                                            <p:cond delay="1656"/>
+                                          </p:stCondLst>
+                                        </p:cTn>
+                                        <p:tgtEl>
+                                          <p:spTgt spid="38"/>
+                                        </p:tgtEl>
+                                        <p:attrNameLst>
+                                          <p:attrName>ppt_y</p:attrName>
+                                        </p:attrNameLst>
+                                      </p:cBhvr>
+                                      <p:tavLst>
+                                        <p:tav tm="0" fmla="#ppt_y-sin(pi*$)/81">
+                                          <p:val>
+                                            <p:fltVal val="0"/>
+                                          </p:val>
+                                        </p:tav>
+                                        <p:tav tm="100000">
+                                          <p:val>
+                                            <p:fltVal val="1"/>
+                                          </p:val>
+                                        </p:tav>
+                                      </p:tavLst>
+                                    </p:anim>
+                                    <p:animScale>
+                                      <p:cBhvr>
+                                        <p:cTn id="253" dur="26">
+                                          <p:stCondLst>
+                                            <p:cond delay="650"/>
+                                          </p:stCondLst>
+                                        </p:cTn>
+                                        <p:tgtEl>
+                                          <p:spTgt spid="38"/>
+                                        </p:tgtEl>
+                                      </p:cBhvr>
+                                      <p:to x="100000" y="60000"/>
+                                    </p:animScale>
+                                    <p:animScale>
+                                      <p:cBhvr>
+                                        <p:cTn id="254" dur="166" decel="50000">
+                                          <p:stCondLst>
+                                            <p:cond delay="676"/>
+                                          </p:stCondLst>
+                                        </p:cTn>
+                                        <p:tgtEl>
+                                          <p:spTgt spid="38"/>
+                                        </p:tgtEl>
+                                      </p:cBhvr>
+                                      <p:to x="100000" y="100000"/>
+                                    </p:animScale>
+                                    <p:animScale>
+                                      <p:cBhvr>
+                                        <p:cTn id="255" dur="26">
+                                          <p:stCondLst>
+                                            <p:cond delay="1312"/>
+                                          </p:stCondLst>
+                                        </p:cTn>
+                                        <p:tgtEl>
+                                          <p:spTgt spid="38"/>
+                                        </p:tgtEl>
+                                      </p:cBhvr>
+                                      <p:to x="100000" y="80000"/>
+                                    </p:animScale>
+                                    <p:animScale>
+                                      <p:cBhvr>
+                                        <p:cTn id="256" dur="166" decel="50000">
+                                          <p:stCondLst>
+                                            <p:cond delay="1338"/>
+                                          </p:stCondLst>
+                                        </p:cTn>
+                                        <p:tgtEl>
+                                          <p:spTgt spid="38"/>
+                                        </p:tgtEl>
+                                      </p:cBhvr>
+                                      <p:to x="100000" y="100000"/>
+                                    </p:animScale>
+                                    <p:animScale>
+                                      <p:cBhvr>
+                                        <p:cTn id="257" dur="26">
+                                          <p:stCondLst>
+                                            <p:cond delay="1642"/>
+                                          </p:stCondLst>
+                                        </p:cTn>
+                                        <p:tgtEl>
+                                          <p:spTgt spid="38"/>
+                                        </p:tgtEl>
+                                      </p:cBhvr>
+                                      <p:to x="100000" y="90000"/>
+                                    </p:animScale>
+                                    <p:animScale>
+                                      <p:cBhvr>
+                                        <p:cTn id="258" dur="166" decel="50000">
+                                          <p:stCondLst>
+                                            <p:cond delay="1668"/>
+                                          </p:stCondLst>
+                                        </p:cTn>
+                                        <p:tgtEl>
+                                          <p:spTgt spid="38"/>
+                                        </p:tgtEl>
+                                      </p:cBhvr>
+                                      <p:to x="100000" y="100000"/>
+                                    </p:animScale>
+                                    <p:animScale>
+                                      <p:cBhvr>
+                                        <p:cTn id="259" dur="26">
+                                          <p:stCondLst>
+                                            <p:cond delay="1808"/>
+                                          </p:stCondLst>
+                                        </p:cTn>
+                                        <p:tgtEl>
+                                          <p:spTgt spid="38"/>
+                                        </p:tgtEl>
+                                      </p:cBhvr>
+                                      <p:to x="100000" y="95000"/>
+                                    </p:animScale>
+                                    <p:animScale>
+                                      <p:cBhvr>
+                                        <p:cTn id="260" dur="166" decel="50000">
+                                          <p:stCondLst>
+                                            <p:cond delay="1834"/>
+                                          </p:stCondLst>
+                                        </p:cTn>
+                                        <p:tgtEl>
+                                          <p:spTgt spid="38"/>
+                                        </p:tgtEl>
+                                      </p:cBhvr>
+                                      <p:to x="100000" y="100000"/>
+                                    </p:animScale>
+                                  </p:childTnLst>
+                                </p:cTn>
+                              </p:par>
+                              <p:par>
+                                <p:cTn id="261" presetID="26" presetClass="entr" presetSubtype="0" fill="hold" nodeType="withEffect">
+                                  <p:stCondLst>
+                                    <p:cond delay="0"/>
+                                  </p:stCondLst>
+                                  <p:childTnLst>
+                                    <p:set>
+                                      <p:cBhvr>
+                                        <p:cTn id="262" dur="1" fill="hold">
+                                          <p:stCondLst>
+                                            <p:cond delay="0"/>
+                                          </p:stCondLst>
+                                        </p:cTn>
+                                        <p:tgtEl>
+                                          <p:spTgt spid="41"/>
+                                        </p:tgtEl>
+                                        <p:attrNameLst>
+                                          <p:attrName>style.visibility</p:attrName>
+                                        </p:attrNameLst>
+                                      </p:cBhvr>
+                                      <p:to>
+                                        <p:strVal val="visible"/>
+                                      </p:to>
+                                    </p:set>
+                                    <p:animEffect transition="in" filter="wipe(down)">
+                                      <p:cBhvr>
+                                        <p:cTn id="263" dur="580">
+                                          <p:stCondLst>
+                                            <p:cond delay="0"/>
+                                          </p:stCondLst>
+                                        </p:cTn>
+                                        <p:tgtEl>
+                                          <p:spTgt spid="41"/>
+                                        </p:tgtEl>
+                                      </p:cBhvr>
+                                    </p:animEffect>
+                                    <p:anim calcmode="lin" valueType="num">
+                                      <p:cBhvr>
+                                        <p:cTn id="264" dur="1822" tmFilter="0,0; 0.14,0.36; 0.43,0.73; 0.71,0.91; 1.0,1.0">
+                                          <p:stCondLst>
+                                            <p:cond delay="0"/>
+                                          </p:stCondLst>
+                                        </p:cTn>
+                                        <p:tgtEl>
+                                          <p:spTgt spid="41"/>
+                                        </p:tgtEl>
+                                        <p:attrNameLst>
+                                          <p:attrName>ppt_x</p:attrName>
+                                        </p:attrNameLst>
+                                      </p:cBhvr>
+                                      <p:tavLst>
+                                        <p:tav tm="0">
+                                          <p:val>
+                                            <p:strVal val="#ppt_x-0.25"/>
+                                          </p:val>
+                                        </p:tav>
+                                        <p:tav tm="100000">
+                                          <p:val>
+                                            <p:strVal val="#ppt_x"/>
+                                          </p:val>
+                                        </p:tav>
+                                      </p:tavLst>
+                                    </p:anim>
+                                    <p:anim calcmode="lin" valueType="num">
+                                      <p:cBhvr>
+                                        <p:cTn id="265" dur="664" tmFilter="0.0,0.0; 0.25,0.07; 0.50,0.2; 0.75,0.467; 1.0,1.0">
+                                          <p:stCondLst>
+                                            <p:cond delay="0"/>
+                                          </p:stCondLst>
+                                        </p:cTn>
+                                        <p:tgtEl>
+                                          <p:spTgt spid="41"/>
+                                        </p:tgtEl>
+                                        <p:attrNameLst>
+                                          <p:attrName>ppt_y</p:attrName>
+                                        </p:attrNameLst>
+                                      </p:cBhvr>
+                                      <p:tavLst>
+                                        <p:tav tm="0" fmla="#ppt_y-sin(pi*$)/3">
+                                          <p:val>
+                                            <p:fltVal val="0.5"/>
+                                          </p:val>
+                                        </p:tav>
+                                        <p:tav tm="100000">
+                                          <p:val>
+                                            <p:fltVal val="1"/>
+                                          </p:val>
+                                        </p:tav>
+                                      </p:tavLst>
+                                    </p:anim>
+                                    <p:anim calcmode="lin" valueType="num">
+                                      <p:cBhvr>
+                                        <p:cTn id="266" dur="664" tmFilter="0, 0; 0.125,0.2665; 0.25,0.4; 0.375,0.465; 0.5,0.5;  0.625,0.535; 0.75,0.6; 0.875,0.7335; 1,1">
+                                          <p:stCondLst>
+                                            <p:cond delay="664"/>
+                                          </p:stCondLst>
+                                        </p:cTn>
+                                        <p:tgtEl>
+                                          <p:spTgt spid="41"/>
+                                        </p:tgtEl>
+                                        <p:attrNameLst>
+                                          <p:attrName>ppt_y</p:attrName>
+                                        </p:attrNameLst>
+                                      </p:cBhvr>
+                                      <p:tavLst>
+                                        <p:tav tm="0" fmla="#ppt_y-sin(pi*$)/9">
+                                          <p:val>
+                                            <p:fltVal val="0"/>
+                                          </p:val>
+                                        </p:tav>
+                                        <p:tav tm="100000">
+                                          <p:val>
+                                            <p:fltVal val="1"/>
+                                          </p:val>
+                                        </p:tav>
+                                      </p:tavLst>
+                                    </p:anim>
+                                    <p:anim calcmode="lin" valueType="num">
+                                      <p:cBhvr>
+                                        <p:cTn id="267" dur="332" tmFilter="0, 0; 0.125,0.2665; 0.25,0.4; 0.375,0.465; 0.5,0.5;  0.625,0.535; 0.75,0.6; 0.875,0.7335; 1,1">
+                                          <p:stCondLst>
+                                            <p:cond delay="1324"/>
+                                          </p:stCondLst>
+                                        </p:cTn>
+                                        <p:tgtEl>
+                                          <p:spTgt spid="41"/>
+                                        </p:tgtEl>
+                                        <p:attrNameLst>
+                                          <p:attrName>ppt_y</p:attrName>
+                                        </p:attrNameLst>
+                                      </p:cBhvr>
+                                      <p:tavLst>
+                                        <p:tav tm="0" fmla="#ppt_y-sin(pi*$)/27">
+                                          <p:val>
+                                            <p:fltVal val="0"/>
+                                          </p:val>
+                                        </p:tav>
+                                        <p:tav tm="100000">
+                                          <p:val>
+                                            <p:fltVal val="1"/>
+                                          </p:val>
+                                        </p:tav>
+                                      </p:tavLst>
+                                    </p:anim>
+                                    <p:anim calcmode="lin" valueType="num">
+                                      <p:cBhvr>
+                                        <p:cTn id="268" dur="164" tmFilter="0, 0; 0.125,0.2665; 0.25,0.4; 0.375,0.465; 0.5,0.5;  0.625,0.535; 0.75,0.6; 0.875,0.7335; 1,1">
+                                          <p:stCondLst>
+                                            <p:cond delay="1656"/>
+                                          </p:stCondLst>
+                                        </p:cTn>
+                                        <p:tgtEl>
+                                          <p:spTgt spid="41"/>
+                                        </p:tgtEl>
+                                        <p:attrNameLst>
+                                          <p:attrName>ppt_y</p:attrName>
+                                        </p:attrNameLst>
+                                      </p:cBhvr>
+                                      <p:tavLst>
+                                        <p:tav tm="0" fmla="#ppt_y-sin(pi*$)/81">
+                                          <p:val>
+                                            <p:fltVal val="0"/>
+                                          </p:val>
+                                        </p:tav>
+                                        <p:tav tm="100000">
+                                          <p:val>
+                                            <p:fltVal val="1"/>
+                                          </p:val>
+                                        </p:tav>
+                                      </p:tavLst>
+                                    </p:anim>
+                                    <p:animScale>
+                                      <p:cBhvr>
+                                        <p:cTn id="269" dur="26">
+                                          <p:stCondLst>
+                                            <p:cond delay="650"/>
+                                          </p:stCondLst>
+                                        </p:cTn>
+                                        <p:tgtEl>
+                                          <p:spTgt spid="41"/>
+                                        </p:tgtEl>
+                                      </p:cBhvr>
+                                      <p:to x="100000" y="60000"/>
+                                    </p:animScale>
+                                    <p:animScale>
+                                      <p:cBhvr>
+                                        <p:cTn id="270" dur="166" decel="50000">
+                                          <p:stCondLst>
+                                            <p:cond delay="676"/>
+                                          </p:stCondLst>
+                                        </p:cTn>
+                                        <p:tgtEl>
+                                          <p:spTgt spid="41"/>
+                                        </p:tgtEl>
+                                      </p:cBhvr>
+                                      <p:to x="100000" y="100000"/>
+                                    </p:animScale>
+                                    <p:animScale>
+                                      <p:cBhvr>
+                                        <p:cTn id="271" dur="26">
+                                          <p:stCondLst>
+                                            <p:cond delay="1312"/>
+                                          </p:stCondLst>
+                                        </p:cTn>
+                                        <p:tgtEl>
+                                          <p:spTgt spid="41"/>
+                                        </p:tgtEl>
+                                      </p:cBhvr>
+                                      <p:to x="100000" y="80000"/>
+                                    </p:animScale>
+                                    <p:animScale>
+                                      <p:cBhvr>
+                                        <p:cTn id="272" dur="166" decel="50000">
+                                          <p:stCondLst>
+                                            <p:cond delay="1338"/>
+                                          </p:stCondLst>
+                                        </p:cTn>
+                                        <p:tgtEl>
+                                          <p:spTgt spid="41"/>
+                                        </p:tgtEl>
+                                      </p:cBhvr>
+                                      <p:to x="100000" y="100000"/>
+                                    </p:animScale>
+                                    <p:animScale>
+                                      <p:cBhvr>
+                                        <p:cTn id="273" dur="26">
+                                          <p:stCondLst>
+                                            <p:cond delay="1642"/>
+                                          </p:stCondLst>
+                                        </p:cTn>
+                                        <p:tgtEl>
+                                          <p:spTgt spid="41"/>
+                                        </p:tgtEl>
+                                      </p:cBhvr>
+                                      <p:to x="100000" y="90000"/>
+                                    </p:animScale>
+                                    <p:animScale>
+                                      <p:cBhvr>
+                                        <p:cTn id="274" dur="166" decel="50000">
+                                          <p:stCondLst>
+                                            <p:cond delay="1668"/>
+                                          </p:stCondLst>
+                                        </p:cTn>
+                                        <p:tgtEl>
+                                          <p:spTgt spid="41"/>
+                                        </p:tgtEl>
+                                      </p:cBhvr>
+                                      <p:to x="100000" y="100000"/>
+                                    </p:animScale>
+                                    <p:animScale>
+                                      <p:cBhvr>
+                                        <p:cTn id="275" dur="26">
+                                          <p:stCondLst>
+                                            <p:cond delay="1808"/>
+                                          </p:stCondLst>
+                                        </p:cTn>
+                                        <p:tgtEl>
+                                          <p:spTgt spid="41"/>
+                                        </p:tgtEl>
+                                      </p:cBhvr>
+                                      <p:to x="100000" y="95000"/>
+                                    </p:animScale>
+                                    <p:animScale>
+                                      <p:cBhvr>
+                                        <p:cTn id="276" dur="166" decel="50000">
+                                          <p:stCondLst>
+                                            <p:cond delay="1834"/>
+                                          </p:stCondLst>
+                                        </p:cTn>
+                                        <p:tgtEl>
+                                          <p:spTgt spid="41"/>
+                                        </p:tgtEl>
+                                      </p:cBhvr>
+                                      <p:to x="100000" y="100000"/>
+                                    </p:animScale>
+                                  </p:childTnLst>
+                                </p:cTn>
+                              </p:par>
+                              <p:par>
+                                <p:cTn id="277" presetID="26" presetClass="entr" presetSubtype="0" fill="hold" nodeType="withEffect">
+                                  <p:stCondLst>
+                                    <p:cond delay="0"/>
+                                  </p:stCondLst>
+                                  <p:childTnLst>
+                                    <p:set>
+                                      <p:cBhvr>
+                                        <p:cTn id="278" dur="1" fill="hold">
+                                          <p:stCondLst>
+                                            <p:cond delay="0"/>
+                                          </p:stCondLst>
+                                        </p:cTn>
+                                        <p:tgtEl>
+                                          <p:spTgt spid="48"/>
+                                        </p:tgtEl>
+                                        <p:attrNameLst>
+                                          <p:attrName>style.visibility</p:attrName>
+                                        </p:attrNameLst>
+                                      </p:cBhvr>
+                                      <p:to>
+                                        <p:strVal val="visible"/>
+                                      </p:to>
+                                    </p:set>
+                                    <p:animEffect transition="in" filter="wipe(down)">
+                                      <p:cBhvr>
+                                        <p:cTn id="279" dur="580">
+                                          <p:stCondLst>
+                                            <p:cond delay="0"/>
+                                          </p:stCondLst>
+                                        </p:cTn>
+                                        <p:tgtEl>
+                                          <p:spTgt spid="48"/>
+                                        </p:tgtEl>
+                                      </p:cBhvr>
+                                    </p:animEffect>
+                                    <p:anim calcmode="lin" valueType="num">
+                                      <p:cBhvr>
+                                        <p:cTn id="280" dur="1822" tmFilter="0,0; 0.14,0.36; 0.43,0.73; 0.71,0.91; 1.0,1.0">
+                                          <p:stCondLst>
+                                            <p:cond delay="0"/>
+                                          </p:stCondLst>
+                                        </p:cTn>
+                                        <p:tgtEl>
+                                          <p:spTgt spid="48"/>
+                                        </p:tgtEl>
+                                        <p:attrNameLst>
+                                          <p:attrName>ppt_x</p:attrName>
+                                        </p:attrNameLst>
+                                      </p:cBhvr>
+                                      <p:tavLst>
+                                        <p:tav tm="0">
+                                          <p:val>
+                                            <p:strVal val="#ppt_x-0.25"/>
+                                          </p:val>
+                                        </p:tav>
+                                        <p:tav tm="100000">
+                                          <p:val>
+                                            <p:strVal val="#ppt_x"/>
+                                          </p:val>
+                                        </p:tav>
+                                      </p:tavLst>
+                                    </p:anim>
+                                    <p:anim calcmode="lin" valueType="num">
+                                      <p:cBhvr>
+                                        <p:cTn id="281" dur="664" tmFilter="0.0,0.0; 0.25,0.07; 0.50,0.2; 0.75,0.467; 1.0,1.0">
+                                          <p:stCondLst>
+                                            <p:cond delay="0"/>
+                                          </p:stCondLst>
+                                        </p:cTn>
+                                        <p:tgtEl>
+                                          <p:spTgt spid="48"/>
+                                        </p:tgtEl>
+                                        <p:attrNameLst>
+                                          <p:attrName>ppt_y</p:attrName>
+                                        </p:attrNameLst>
+                                      </p:cBhvr>
+                                      <p:tavLst>
+                                        <p:tav tm="0" fmla="#ppt_y-sin(pi*$)/3">
+                                          <p:val>
+                                            <p:fltVal val="0.5"/>
+                                          </p:val>
+                                        </p:tav>
+                                        <p:tav tm="100000">
+                                          <p:val>
+                                            <p:fltVal val="1"/>
+                                          </p:val>
+                                        </p:tav>
+                                      </p:tavLst>
+                                    </p:anim>
+                                    <p:anim calcmode="lin" valueType="num">
+                                      <p:cBhvr>
+                                        <p:cTn id="282" dur="664" tmFilter="0, 0; 0.125,0.2665; 0.25,0.4; 0.375,0.465; 0.5,0.5;  0.625,0.535; 0.75,0.6; 0.875,0.7335; 1,1">
+                                          <p:stCondLst>
+                                            <p:cond delay="664"/>
+                                          </p:stCondLst>
+                                        </p:cTn>
+                                        <p:tgtEl>
+                                          <p:spTgt spid="48"/>
+                                        </p:tgtEl>
+                                        <p:attrNameLst>
+                                          <p:attrName>ppt_y</p:attrName>
+                                        </p:attrNameLst>
+                                      </p:cBhvr>
+                                      <p:tavLst>
+                                        <p:tav tm="0" fmla="#ppt_y-sin(pi*$)/9">
+                                          <p:val>
+                                            <p:fltVal val="0"/>
+                                          </p:val>
+                                        </p:tav>
+                                        <p:tav tm="100000">
+                                          <p:val>
+                                            <p:fltVal val="1"/>
+                                          </p:val>
+                                        </p:tav>
+                                      </p:tavLst>
+                                    </p:anim>
+                                    <p:anim calcmode="lin" valueType="num">
+                                      <p:cBhvr>
+                                        <p:cTn id="283" dur="332" tmFilter="0, 0; 0.125,0.2665; 0.25,0.4; 0.375,0.465; 0.5,0.5;  0.625,0.535; 0.75,0.6; 0.875,0.7335; 1,1">
+                                          <p:stCondLst>
+                                            <p:cond delay="1324"/>
+                                          </p:stCondLst>
+                                        </p:cTn>
+                                        <p:tgtEl>
+                                          <p:spTgt spid="48"/>
+                                        </p:tgtEl>
+                                        <p:attrNameLst>
+                                          <p:attrName>ppt_y</p:attrName>
+                                        </p:attrNameLst>
+                                      </p:cBhvr>
+                                      <p:tavLst>
+                                        <p:tav tm="0" fmla="#ppt_y-sin(pi*$)/27">
+                                          <p:val>
+                                            <p:fltVal val="0"/>
+                                          </p:val>
+                                        </p:tav>
+                                        <p:tav tm="100000">
+                                          <p:val>
+                                            <p:fltVal val="1"/>
+                                          </p:val>
+                                        </p:tav>
+                                      </p:tavLst>
+                                    </p:anim>
+                                    <p:anim calcmode="lin" valueType="num">
+                                      <p:cBhvr>
+                                        <p:cTn id="284" dur="164" tmFilter="0, 0; 0.125,0.2665; 0.25,0.4; 0.375,0.465; 0.5,0.5;  0.625,0.535; 0.75,0.6; 0.875,0.7335; 1,1">
+                                          <p:stCondLst>
+                                            <p:cond delay="1656"/>
+                                          </p:stCondLst>
+                                        </p:cTn>
+                                        <p:tgtEl>
+                                          <p:spTgt spid="48"/>
+                                        </p:tgtEl>
+                                        <p:attrNameLst>
+                                          <p:attrName>ppt_y</p:attrName>
+                                        </p:attrNameLst>
+                                      </p:cBhvr>
+                                      <p:tavLst>
+                                        <p:tav tm="0" fmla="#ppt_y-sin(pi*$)/81">
+                                          <p:val>
+                                            <p:fltVal val="0"/>
+                                          </p:val>
+                                        </p:tav>
+                                        <p:tav tm="100000">
+                                          <p:val>
+                                            <p:fltVal val="1"/>
+                                          </p:val>
+                                        </p:tav>
+                                      </p:tavLst>
+                                    </p:anim>
+                                    <p:animScale>
+                                      <p:cBhvr>
+                                        <p:cTn id="285" dur="26">
+                                          <p:stCondLst>
+                                            <p:cond delay="650"/>
+                                          </p:stCondLst>
+                                        </p:cTn>
+                                        <p:tgtEl>
+                                          <p:spTgt spid="48"/>
+                                        </p:tgtEl>
+                                      </p:cBhvr>
+                                      <p:to x="100000" y="60000"/>
+                                    </p:animScale>
+                                    <p:animScale>
+                                      <p:cBhvr>
+                                        <p:cTn id="286" dur="166" decel="50000">
+                                          <p:stCondLst>
+                                            <p:cond delay="676"/>
+                                          </p:stCondLst>
+                                        </p:cTn>
+                                        <p:tgtEl>
+                                          <p:spTgt spid="48"/>
+                                        </p:tgtEl>
+                                      </p:cBhvr>
+                                      <p:to x="100000" y="100000"/>
+                                    </p:animScale>
+                                    <p:animScale>
+                                      <p:cBhvr>
+                                        <p:cTn id="287" dur="26">
+                                          <p:stCondLst>
+                                            <p:cond delay="1312"/>
+                                          </p:stCondLst>
+                                        </p:cTn>
+                                        <p:tgtEl>
+                                          <p:spTgt spid="48"/>
+                                        </p:tgtEl>
+                                      </p:cBhvr>
+                                      <p:to x="100000" y="80000"/>
+                                    </p:animScale>
+                                    <p:animScale>
+                                      <p:cBhvr>
+                                        <p:cTn id="288" dur="166" decel="50000">
+                                          <p:stCondLst>
+                                            <p:cond delay="1338"/>
+                                          </p:stCondLst>
+                                        </p:cTn>
+                                        <p:tgtEl>
+                                          <p:spTgt spid="48"/>
+                                        </p:tgtEl>
+                                      </p:cBhvr>
+                                      <p:to x="100000" y="100000"/>
+                                    </p:animScale>
+                                    <p:animScale>
+                                      <p:cBhvr>
+                                        <p:cTn id="289" dur="26">
+                                          <p:stCondLst>
+                                            <p:cond delay="1642"/>
+                                          </p:stCondLst>
+                                        </p:cTn>
+                                        <p:tgtEl>
+                                          <p:spTgt spid="48"/>
+                                        </p:tgtEl>
+                                      </p:cBhvr>
+                                      <p:to x="100000" y="90000"/>
+                                    </p:animScale>
+                                    <p:animScale>
+                                      <p:cBhvr>
+                                        <p:cTn id="290" dur="166" decel="50000">
+                                          <p:stCondLst>
+                                            <p:cond delay="1668"/>
+                                          </p:stCondLst>
+                                        </p:cTn>
+                                        <p:tgtEl>
+                                          <p:spTgt spid="48"/>
+                                        </p:tgtEl>
+                                      </p:cBhvr>
+                                      <p:to x="100000" y="100000"/>
+                                    </p:animScale>
+                                    <p:animScale>
+                                      <p:cBhvr>
+                                        <p:cTn id="291" dur="26">
+                                          <p:stCondLst>
+                                            <p:cond delay="1808"/>
+                                          </p:stCondLst>
+                                        </p:cTn>
+                                        <p:tgtEl>
+                                          <p:spTgt spid="48"/>
+                                        </p:tgtEl>
+                                      </p:cBhvr>
+                                      <p:to x="100000" y="95000"/>
+                                    </p:animScale>
+                                    <p:animScale>
+                                      <p:cBhvr>
+                                        <p:cTn id="292" dur="166" decel="50000">
+                                          <p:stCondLst>
+                                            <p:cond delay="1834"/>
+                                          </p:stCondLst>
+                                        </p:cTn>
+                                        <p:tgtEl>
+                                          <p:spTgt spid="48"/>
+                                        </p:tgtEl>
+                                      </p:cBhvr>
+                                      <p:to x="100000" y="100000"/>
+                                    </p:animScale>
+                                  </p:childTnLst>
+                                </p:cTn>
+                              </p:par>
+                              <p:par>
+                                <p:cTn id="293" presetID="26" presetClass="entr" presetSubtype="0" fill="hold" nodeType="withEffect">
+                                  <p:stCondLst>
+                                    <p:cond delay="0"/>
+                                  </p:stCondLst>
+                                  <p:childTnLst>
+                                    <p:set>
+                                      <p:cBhvr>
+                                        <p:cTn id="294" dur="1" fill="hold">
+                                          <p:stCondLst>
+                                            <p:cond delay="0"/>
+                                          </p:stCondLst>
+                                        </p:cTn>
+                                        <p:tgtEl>
+                                          <p:spTgt spid="51"/>
+                                        </p:tgtEl>
+                                        <p:attrNameLst>
+                                          <p:attrName>style.visibility</p:attrName>
+                                        </p:attrNameLst>
+                                      </p:cBhvr>
+                                      <p:to>
+                                        <p:strVal val="visible"/>
+                                      </p:to>
+                                    </p:set>
+                                    <p:animEffect transition="in" filter="wipe(down)">
+                                      <p:cBhvr>
+                                        <p:cTn id="295" dur="580">
+                                          <p:stCondLst>
+                                            <p:cond delay="0"/>
+                                          </p:stCondLst>
+                                        </p:cTn>
+                                        <p:tgtEl>
+                                          <p:spTgt spid="51"/>
+                                        </p:tgtEl>
+                                      </p:cBhvr>
+                                    </p:animEffect>
+                                    <p:anim calcmode="lin" valueType="num">
+                                      <p:cBhvr>
+                                        <p:cTn id="296" dur="1822" tmFilter="0,0; 0.14,0.36; 0.43,0.73; 0.71,0.91; 1.0,1.0">
+                                          <p:stCondLst>
+                                            <p:cond delay="0"/>
+                                          </p:stCondLst>
+                                        </p:cTn>
+                                        <p:tgtEl>
+                                          <p:spTgt spid="51"/>
+                                        </p:tgtEl>
+                                        <p:attrNameLst>
+                                          <p:attrName>ppt_x</p:attrName>
+                                        </p:attrNameLst>
+                                      </p:cBhvr>
+                                      <p:tavLst>
+                                        <p:tav tm="0">
+                                          <p:val>
+                                            <p:strVal val="#ppt_x-0.25"/>
+                                          </p:val>
+                                        </p:tav>
+                                        <p:tav tm="100000">
+                                          <p:val>
+                                            <p:strVal val="#ppt_x"/>
+                                          </p:val>
+                                        </p:tav>
+                                      </p:tavLst>
+                                    </p:anim>
+                                    <p:anim calcmode="lin" valueType="num">
+                                      <p:cBhvr>
+                                        <p:cTn id="297" dur="664" tmFilter="0.0,0.0; 0.25,0.07; 0.50,0.2; 0.75,0.467; 1.0,1.0">
+                                          <p:stCondLst>
+                                            <p:cond delay="0"/>
+                                          </p:stCondLst>
+                                        </p:cTn>
+                                        <p:tgtEl>
+                                          <p:spTgt spid="51"/>
+                                        </p:tgtEl>
+                                        <p:attrNameLst>
+                                          <p:attrName>ppt_y</p:attrName>
+                                        </p:attrNameLst>
+                                      </p:cBhvr>
+                                      <p:tavLst>
+                                        <p:tav tm="0" fmla="#ppt_y-sin(pi*$)/3">
+                                          <p:val>
+                                            <p:fltVal val="0.5"/>
+                                          </p:val>
+                                        </p:tav>
+                                        <p:tav tm="100000">
+                                          <p:val>
+                                            <p:fltVal val="1"/>
+                                          </p:val>
+                                        </p:tav>
+                                      </p:tavLst>
+                                    </p:anim>
+                                    <p:anim calcmode="lin" valueType="num">
+                                      <p:cBhvr>
+                                        <p:cTn id="298" dur="664" tmFilter="0, 0; 0.125,0.2665; 0.25,0.4; 0.375,0.465; 0.5,0.5;  0.625,0.535; 0.75,0.6; 0.875,0.7335; 1,1">
+                                          <p:stCondLst>
+                                            <p:cond delay="664"/>
+                                          </p:stCondLst>
+                                        </p:cTn>
+                                        <p:tgtEl>
+                                          <p:spTgt spid="51"/>
+                                        </p:tgtEl>
+                                        <p:attrNameLst>
+                                          <p:attrName>ppt_y</p:attrName>
+                                        </p:attrNameLst>
+                                      </p:cBhvr>
+                                      <p:tavLst>
+                                        <p:tav tm="0" fmla="#ppt_y-sin(pi*$)/9">
+                                          <p:val>
+                                            <p:fltVal val="0"/>
+                                          </p:val>
+                                        </p:tav>
+                                        <p:tav tm="100000">
+                                          <p:val>
+                                            <p:fltVal val="1"/>
+                                          </p:val>
+                                        </p:tav>
+                                      </p:tavLst>
+                                    </p:anim>
+                                    <p:anim calcmode="lin" valueType="num">
+                                      <p:cBhvr>
+                                        <p:cTn id="299" dur="332" tmFilter="0, 0; 0.125,0.2665; 0.25,0.4; 0.375,0.465; 0.5,0.5;  0.625,0.535; 0.75,0.6; 0.875,0.7335; 1,1">
+                                          <p:stCondLst>
+                                            <p:cond delay="1324"/>
+                                          </p:stCondLst>
+                                        </p:cTn>
+                                        <p:tgtEl>
+                                          <p:spTgt spid="51"/>
+                                        </p:tgtEl>
+                                        <p:attrNameLst>
+                                          <p:attrName>ppt_y</p:attrName>
+                                        </p:attrNameLst>
+                                      </p:cBhvr>
+                                      <p:tavLst>
+                                        <p:tav tm="0" fmla="#ppt_y-sin(pi*$)/27">
+                                          <p:val>
+                                            <p:fltVal val="0"/>
+                                          </p:val>
+                                        </p:tav>
+                                        <p:tav tm="100000">
+                                          <p:val>
+                                            <p:fltVal val="1"/>
+                                          </p:val>
+                                        </p:tav>
+                                      </p:tavLst>
+                                    </p:anim>
+                                    <p:anim calcmode="lin" valueType="num">
+                                      <p:cBhvr>
+                                        <p:cTn id="300" dur="164" tmFilter="0, 0; 0.125,0.2665; 0.25,0.4; 0.375,0.465; 0.5,0.5;  0.625,0.535; 0.75,0.6; 0.875,0.7335; 1,1">
+                                          <p:stCondLst>
+                                            <p:cond delay="1656"/>
+                                          </p:stCondLst>
+                                        </p:cTn>
+                                        <p:tgtEl>
+                                          <p:spTgt spid="51"/>
+                                        </p:tgtEl>
+                                        <p:attrNameLst>
+                                          <p:attrName>ppt_y</p:attrName>
+                                        </p:attrNameLst>
+                                      </p:cBhvr>
+                                      <p:tavLst>
+                                        <p:tav tm="0" fmla="#ppt_y-sin(pi*$)/81">
+                                          <p:val>
+                                            <p:fltVal val="0"/>
+                                          </p:val>
+                                        </p:tav>
+                                        <p:tav tm="100000">
+                                          <p:val>
+                                            <p:fltVal val="1"/>
+                                          </p:val>
+                                        </p:tav>
+                                      </p:tavLst>
+                                    </p:anim>
+                                    <p:animScale>
+                                      <p:cBhvr>
+                                        <p:cTn id="301" dur="26">
+                                          <p:stCondLst>
+                                            <p:cond delay="650"/>
+                                          </p:stCondLst>
+                                        </p:cTn>
+                                        <p:tgtEl>
+                                          <p:spTgt spid="51"/>
+                                        </p:tgtEl>
+                                      </p:cBhvr>
+                                      <p:to x="100000" y="60000"/>
+                                    </p:animScale>
+                                    <p:animScale>
+                                      <p:cBhvr>
+                                        <p:cTn id="302" dur="166" decel="50000">
+                                          <p:stCondLst>
+                                            <p:cond delay="676"/>
+                                          </p:stCondLst>
+                                        </p:cTn>
+                                        <p:tgtEl>
+                                          <p:spTgt spid="51"/>
+                                        </p:tgtEl>
+                                      </p:cBhvr>
+                                      <p:to x="100000" y="100000"/>
+                                    </p:animScale>
+                                    <p:animScale>
+                                      <p:cBhvr>
+                                        <p:cTn id="303" dur="26">
+                                          <p:stCondLst>
+                                            <p:cond delay="1312"/>
+                                          </p:stCondLst>
+                                        </p:cTn>
+                                        <p:tgtEl>
+                                          <p:spTgt spid="51"/>
+                                        </p:tgtEl>
+                                      </p:cBhvr>
+                                      <p:to x="100000" y="80000"/>
+                                    </p:animScale>
+                                    <p:animScale>
+                                      <p:cBhvr>
+                                        <p:cTn id="304" dur="166" decel="50000">
+                                          <p:stCondLst>
+                                            <p:cond delay="1338"/>
+                                          </p:stCondLst>
+                                        </p:cTn>
+                                        <p:tgtEl>
+                                          <p:spTgt spid="51"/>
+                                        </p:tgtEl>
+                                      </p:cBhvr>
+                                      <p:to x="100000" y="100000"/>
+                                    </p:animScale>
+                                    <p:animScale>
+                                      <p:cBhvr>
+                                        <p:cTn id="305" dur="26">
+                                          <p:stCondLst>
+                                            <p:cond delay="1642"/>
+                                          </p:stCondLst>
+                                        </p:cTn>
+                                        <p:tgtEl>
+                                          <p:spTgt spid="51"/>
+                                        </p:tgtEl>
+                                      </p:cBhvr>
+                                      <p:to x="100000" y="90000"/>
+                                    </p:animScale>
+                                    <p:animScale>
+                                      <p:cBhvr>
+                                        <p:cTn id="306" dur="166" decel="50000">
+                                          <p:stCondLst>
+                                            <p:cond delay="1668"/>
+                                          </p:stCondLst>
+                                        </p:cTn>
+                                        <p:tgtEl>
+                                          <p:spTgt spid="51"/>
+                                        </p:tgtEl>
+                                      </p:cBhvr>
+                                      <p:to x="100000" y="100000"/>
+                                    </p:animScale>
+                                    <p:animScale>
+                                      <p:cBhvr>
+                                        <p:cTn id="307" dur="26">
+                                          <p:stCondLst>
+                                            <p:cond delay="1808"/>
+                                          </p:stCondLst>
+                                        </p:cTn>
+                                        <p:tgtEl>
+                                          <p:spTgt spid="51"/>
+                                        </p:tgtEl>
+                                      </p:cBhvr>
+                                      <p:to x="100000" y="95000"/>
+                                    </p:animScale>
+                                    <p:animScale>
+                                      <p:cBhvr>
+                                        <p:cTn id="308" dur="166" decel="50000">
+                                          <p:stCondLst>
+                                            <p:cond delay="1834"/>
+                                          </p:stCondLst>
+                                        </p:cTn>
+                                        <p:tgtEl>
+                                          <p:spTgt spid="51"/>
+                                        </p:tgtEl>
+                                      </p:cBhvr>
+                                      <p:to x="100000" y="100000"/>
+                                    </p:animScale>
+                                  </p:childTnLst>
+                                </p:cTn>
+                              </p:par>
+                              <p:par>
+                                <p:cTn id="309" presetID="26" presetClass="entr" presetSubtype="0" fill="hold" grpId="0" nodeType="withEffect">
+                                  <p:stCondLst>
+                                    <p:cond delay="0"/>
+                                  </p:stCondLst>
+                                  <p:childTnLst>
+                                    <p:set>
+                                      <p:cBhvr>
+                                        <p:cTn id="310" dur="1" fill="hold">
+                                          <p:stCondLst>
+                                            <p:cond delay="0"/>
+                                          </p:stCondLst>
+                                        </p:cTn>
+                                        <p:tgtEl>
+                                          <p:spTgt spid="53"/>
+                                        </p:tgtEl>
+                                        <p:attrNameLst>
+                                          <p:attrName>style.visibility</p:attrName>
+                                        </p:attrNameLst>
+                                      </p:cBhvr>
+                                      <p:to>
+                                        <p:strVal val="visible"/>
+                                      </p:to>
+                                    </p:set>
+                                    <p:animEffect transition="in" filter="wipe(down)">
+                                      <p:cBhvr>
+                                        <p:cTn id="311" dur="580">
+                                          <p:stCondLst>
+                                            <p:cond delay="0"/>
+                                          </p:stCondLst>
+                                        </p:cTn>
+                                        <p:tgtEl>
+                                          <p:spTgt spid="53"/>
+                                        </p:tgtEl>
+                                      </p:cBhvr>
+                                    </p:animEffect>
+                                    <p:anim calcmode="lin" valueType="num">
+                                      <p:cBhvr>
+                                        <p:cTn id="312" dur="1822" tmFilter="0,0; 0.14,0.36; 0.43,0.73; 0.71,0.91; 1.0,1.0">
+                                          <p:stCondLst>
+                                            <p:cond delay="0"/>
+                                          </p:stCondLst>
+                                        </p:cTn>
+                                        <p:tgtEl>
+                                          <p:spTgt spid="53"/>
+                                        </p:tgtEl>
+                                        <p:attrNameLst>
+                                          <p:attrName>ppt_x</p:attrName>
+                                        </p:attrNameLst>
+                                      </p:cBhvr>
+                                      <p:tavLst>
+                                        <p:tav tm="0">
+                                          <p:val>
+                                            <p:strVal val="#ppt_x-0.25"/>
+                                          </p:val>
+                                        </p:tav>
+                                        <p:tav tm="100000">
+                                          <p:val>
+                                            <p:strVal val="#ppt_x"/>
+                                          </p:val>
+                                        </p:tav>
+                                      </p:tavLst>
+                                    </p:anim>
+                                    <p:anim calcmode="lin" valueType="num">
+                                      <p:cBhvr>
+                                        <p:cTn id="313" dur="664" tmFilter="0.0,0.0; 0.25,0.07; 0.50,0.2; 0.75,0.467; 1.0,1.0">
+                                          <p:stCondLst>
+                                            <p:cond delay="0"/>
+                                          </p:stCondLst>
+                                        </p:cTn>
+                                        <p:tgtEl>
+                                          <p:spTgt spid="53"/>
+                                        </p:tgtEl>
+                                        <p:attrNameLst>
+                                          <p:attrName>ppt_y</p:attrName>
+                                        </p:attrNameLst>
+                                      </p:cBhvr>
+                                      <p:tavLst>
+                                        <p:tav tm="0" fmla="#ppt_y-sin(pi*$)/3">
+                                          <p:val>
+                                            <p:fltVal val="0.5"/>
+                                          </p:val>
+                                        </p:tav>
+                                        <p:tav tm="100000">
+                                          <p:val>
+                                            <p:fltVal val="1"/>
+                                          </p:val>
+                                        </p:tav>
+                                      </p:tavLst>
+                                    </p:anim>
+                                    <p:anim calcmode="lin" valueType="num">
+                                      <p:cBhvr>
+                                        <p:cTn id="314" dur="664" tmFilter="0, 0; 0.125,0.2665; 0.25,0.4; 0.375,0.465; 0.5,0.5;  0.625,0.535; 0.75,0.6; 0.875,0.7335; 1,1">
+                                          <p:stCondLst>
+                                            <p:cond delay="664"/>
+                                          </p:stCondLst>
+                                        </p:cTn>
+                                        <p:tgtEl>
+                                          <p:spTgt spid="53"/>
+                                        </p:tgtEl>
+                                        <p:attrNameLst>
+                                          <p:attrName>ppt_y</p:attrName>
+                                        </p:attrNameLst>
+                                      </p:cBhvr>
+                                      <p:tavLst>
+                                        <p:tav tm="0" fmla="#ppt_y-sin(pi*$)/9">
+                                          <p:val>
+                                            <p:fltVal val="0"/>
+                                          </p:val>
+                                        </p:tav>
+                                        <p:tav tm="100000">
+                                          <p:val>
+                                            <p:fltVal val="1"/>
+                                          </p:val>
+                                        </p:tav>
+                                      </p:tavLst>
+                                    </p:anim>
+                                    <p:anim calcmode="lin" valueType="num">
+                                      <p:cBhvr>
+                                        <p:cTn id="315" dur="332" tmFilter="0, 0; 0.125,0.2665; 0.25,0.4; 0.375,0.465; 0.5,0.5;  0.625,0.535; 0.75,0.6; 0.875,0.7335; 1,1">
+                                          <p:stCondLst>
+                                            <p:cond delay="1324"/>
+                                          </p:stCondLst>
+                                        </p:cTn>
+                                        <p:tgtEl>
+                                          <p:spTgt spid="53"/>
+                                        </p:tgtEl>
+                                        <p:attrNameLst>
+                                          <p:attrName>ppt_y</p:attrName>
+                                        </p:attrNameLst>
+                                      </p:cBhvr>
+                                      <p:tavLst>
+                                        <p:tav tm="0" fmla="#ppt_y-sin(pi*$)/27">
+                                          <p:val>
+                                            <p:fltVal val="0"/>
+                                          </p:val>
+                                        </p:tav>
+                                        <p:tav tm="100000">
+                                          <p:val>
+                                            <p:fltVal val="1"/>
+                                          </p:val>
+                                        </p:tav>
+                                      </p:tavLst>
+                                    </p:anim>
+                                    <p:anim calcmode="lin" valueType="num">
+                                      <p:cBhvr>
+                                        <p:cTn id="316" dur="164" tmFilter="0, 0; 0.125,0.2665; 0.25,0.4; 0.375,0.465; 0.5,0.5;  0.625,0.535; 0.75,0.6; 0.875,0.7335; 1,1">
+                                          <p:stCondLst>
+                                            <p:cond delay="1656"/>
+                                          </p:stCondLst>
+                                        </p:cTn>
+                                        <p:tgtEl>
+                                          <p:spTgt spid="53"/>
+                                        </p:tgtEl>
+                                        <p:attrNameLst>
+                                          <p:attrName>ppt_y</p:attrName>
+                                        </p:attrNameLst>
+                                      </p:cBhvr>
+                                      <p:tavLst>
+                                        <p:tav tm="0" fmla="#ppt_y-sin(pi*$)/81">
+                                          <p:val>
+                                            <p:fltVal val="0"/>
+                                          </p:val>
+                                        </p:tav>
+                                        <p:tav tm="100000">
+                                          <p:val>
+                                            <p:fltVal val="1"/>
+                                          </p:val>
+                                        </p:tav>
+                                      </p:tavLst>
+                                    </p:anim>
+                                    <p:animScale>
+                                      <p:cBhvr>
+                                        <p:cTn id="317" dur="26">
+                                          <p:stCondLst>
+                                            <p:cond delay="650"/>
+                                          </p:stCondLst>
+                                        </p:cTn>
+                                        <p:tgtEl>
+                                          <p:spTgt spid="53"/>
+                                        </p:tgtEl>
+                                      </p:cBhvr>
+                                      <p:to x="100000" y="60000"/>
+                                    </p:animScale>
+                                    <p:animScale>
+                                      <p:cBhvr>
+                                        <p:cTn id="318" dur="166" decel="50000">
+                                          <p:stCondLst>
+                                            <p:cond delay="676"/>
+                                          </p:stCondLst>
+                                        </p:cTn>
+                                        <p:tgtEl>
+                                          <p:spTgt spid="53"/>
+                                        </p:tgtEl>
+                                      </p:cBhvr>
+                                      <p:to x="100000" y="100000"/>
+                                    </p:animScale>
+                                    <p:animScale>
+                                      <p:cBhvr>
+                                        <p:cTn id="319" dur="26">
+                                          <p:stCondLst>
+                                            <p:cond delay="1312"/>
+                                          </p:stCondLst>
+                                        </p:cTn>
+                                        <p:tgtEl>
+                                          <p:spTgt spid="53"/>
+                                        </p:tgtEl>
+                                      </p:cBhvr>
+                                      <p:to x="100000" y="80000"/>
+                                    </p:animScale>
+                                    <p:animScale>
+                                      <p:cBhvr>
+                                        <p:cTn id="320" dur="166" decel="50000">
+                                          <p:stCondLst>
+                                            <p:cond delay="1338"/>
+                                          </p:stCondLst>
+                                        </p:cTn>
+                                        <p:tgtEl>
+                                          <p:spTgt spid="53"/>
+                                        </p:tgtEl>
+                                      </p:cBhvr>
+                                      <p:to x="100000" y="100000"/>
+                                    </p:animScale>
+                                    <p:animScale>
+                                      <p:cBhvr>
+                                        <p:cTn id="321" dur="26">
+                                          <p:stCondLst>
+                                            <p:cond delay="1642"/>
+                                          </p:stCondLst>
+                                        </p:cTn>
+                                        <p:tgtEl>
+                                          <p:spTgt spid="53"/>
+                                        </p:tgtEl>
+                                      </p:cBhvr>
+                                      <p:to x="100000" y="90000"/>
+                                    </p:animScale>
+                                    <p:animScale>
+                                      <p:cBhvr>
+                                        <p:cTn id="322" dur="166" decel="50000">
+                                          <p:stCondLst>
+                                            <p:cond delay="1668"/>
+                                          </p:stCondLst>
+                                        </p:cTn>
+                                        <p:tgtEl>
+                                          <p:spTgt spid="53"/>
+                                        </p:tgtEl>
+                                      </p:cBhvr>
+                                      <p:to x="100000" y="100000"/>
+                                    </p:animScale>
+                                    <p:animScale>
+                                      <p:cBhvr>
+                                        <p:cTn id="323" dur="26">
+                                          <p:stCondLst>
+                                            <p:cond delay="1808"/>
+                                          </p:stCondLst>
+                                        </p:cTn>
+                                        <p:tgtEl>
+                                          <p:spTgt spid="53"/>
+                                        </p:tgtEl>
+                                      </p:cBhvr>
+                                      <p:to x="100000" y="95000"/>
+                                    </p:animScale>
+                                    <p:animScale>
+                                      <p:cBhvr>
+                                        <p:cTn id="324" dur="166" decel="50000">
+                                          <p:stCondLst>
+                                            <p:cond delay="1834"/>
+                                          </p:stCondLst>
+                                        </p:cTn>
+                                        <p:tgtEl>
+                                          <p:spTgt spid="53"/>
+                                        </p:tgtEl>
+                                      </p:cBhvr>
+                                      <p:to x="100000" y="100000"/>
+                                    </p:animScale>
+                                  </p:childTnLst>
+                                </p:cTn>
+                              </p:par>
+                            </p:childTnLst>
+                          </p:cTn>
+                        </p:par>
+                      </p:childTnLst>
+                    </p:cTn>
+                  </p:par>
+                </p:childTnLst>
+              </p:cTn>
+              <p:prevCondLst>
+                <p:cond evt="onPrev" delay="0">
+                  <p:tgtEl>
+                    <p:sldTgt/>
+                  </p:tgtEl>
+                </p:cond>
+              </p:prevCondLst>
+              <p:nextCondLst>
+                <p:cond evt="onNext" delay="0">
+                  <p:tgtEl>
+                    <p:sldTgt/>
+                  </p:tgtEl>
+                </p:cond>
+              </p:nextCondLst>
+            </p:seq>
+          </p:childTnLst>
+        </p:cTn>
+      </p:par>
+    </p:tnLst>
+    <p:bldLst>
+      <p:bldP spid="7" grpId="0" animBg="1"/>
+      <p:bldP spid="8" grpId="0" animBg="1"/>
+      <p:bldP spid="9" grpId="0" animBg="1"/>
+      <p:bldP spid="12" grpId="0" animBg="1"/>
+      <p:bldP spid="13" grpId="0" animBg="1"/>
+      <p:bldP spid="18" grpId="0" animBg="1"/>
+      <p:bldP spid="19" grpId="0" animBg="1"/>
+      <p:bldP spid="31" grpId="0" animBg="1"/>
+      <p:bldP spid="53" grpId="0" animBg="1"/>
+    </p:bldLst>
+  </p:timing>
 </p:sld>
 </file>
 
@@ -4361,7 +10324,7 @@
         </p:nvSpPr>
         <p:spPr>
           <a:xfrm>
-            <a:off x="1524000" y="351652"/>
+            <a:off x="1524000" y="351656"/>
             <a:ext cx="9144000" cy="876255"/>
           </a:xfrm>
         </p:spPr>
@@ -4394,7 +10357,7 @@
         </p:nvSpPr>
         <p:spPr>
           <a:xfrm>
-            <a:off x="1524000" y="1227907"/>
+            <a:off x="1524000" y="1227911"/>
             <a:ext cx="9144000" cy="4029893"/>
           </a:xfrm>
         </p:spPr>
@@ -4522,6 +10485,16 @@
   <p:clrMapOvr>
     <a:masterClrMapping/>
   </p:clrMapOvr>
+  <p:transition spd="slow">
+    <p:push dir="u"/>
+  </p:transition>
+  <p:timing>
+    <p:tnLst>
+      <p:par>
+        <p:cTn id="1" dur="indefinite" restart="never" nodeType="tmRoot"/>
+      </p:par>
+    </p:tnLst>
+  </p:timing>
 </p:sld>
 </file>
 
@@ -4586,7 +10559,7 @@
         </p:nvSpPr>
         <p:spPr>
           <a:xfrm>
-            <a:off x="1524000" y="351652"/>
+            <a:off x="1524000" y="351656"/>
             <a:ext cx="9144000" cy="876255"/>
           </a:xfrm>
         </p:spPr>
@@ -4619,7 +10592,7 @@
         </p:nvSpPr>
         <p:spPr>
           <a:xfrm>
-            <a:off x="1524000" y="1227907"/>
+            <a:off x="1524000" y="1227911"/>
             <a:ext cx="9144000" cy="4029893"/>
           </a:xfrm>
         </p:spPr>
@@ -4816,6 +10789,16 @@
   <p:clrMapOvr>
     <a:masterClrMapping/>
   </p:clrMapOvr>
+  <p:transition spd="slow">
+    <p:push dir="u"/>
+  </p:transition>
+  <p:timing>
+    <p:tnLst>
+      <p:par>
+        <p:cTn id="1" dur="indefinite" restart="never" nodeType="tmRoot"/>
+      </p:par>
+    </p:tnLst>
+  </p:timing>
 </p:sld>
 </file>
 
@@ -4880,7 +10863,7 @@
         </p:nvSpPr>
         <p:spPr>
           <a:xfrm>
-            <a:off x="1524000" y="351652"/>
+            <a:off x="1524000" y="351656"/>
             <a:ext cx="9144000" cy="876255"/>
           </a:xfrm>
         </p:spPr>
@@ -4913,7 +10896,7 @@
         </p:nvSpPr>
         <p:spPr>
           <a:xfrm>
-            <a:off x="1524000" y="1227907"/>
+            <a:off x="1524000" y="1227911"/>
             <a:ext cx="9144000" cy="4029893"/>
           </a:xfrm>
         </p:spPr>
@@ -5040,6 +11023,16 @@
   <p:clrMapOvr>
     <a:masterClrMapping/>
   </p:clrMapOvr>
+  <p:transition spd="slow">
+    <p:push dir="u"/>
+  </p:transition>
+  <p:timing>
+    <p:tnLst>
+      <p:par>
+        <p:cTn id="1" dur="indefinite" restart="never" nodeType="tmRoot"/>
+      </p:par>
+    </p:tnLst>
+  </p:timing>
 </p:sld>
 </file>
 
@@ -5104,7 +11097,7 @@
         </p:nvSpPr>
         <p:spPr>
           <a:xfrm>
-            <a:off x="1524000" y="351652"/>
+            <a:off x="1524000" y="351656"/>
             <a:ext cx="9144000" cy="876255"/>
           </a:xfrm>
         </p:spPr>
@@ -5137,7 +11130,7 @@
         </p:nvSpPr>
         <p:spPr>
           <a:xfrm>
-            <a:off x="1524000" y="1227907"/>
+            <a:off x="1524000" y="1227911"/>
             <a:ext cx="9144000" cy="4029893"/>
           </a:xfrm>
         </p:spPr>
@@ -5314,6 +11307,16 @@
   <p:clrMapOvr>
     <a:masterClrMapping/>
   </p:clrMapOvr>
+  <p:transition spd="slow">
+    <p:push dir="u"/>
+  </p:transition>
+  <p:timing>
+    <p:tnLst>
+      <p:par>
+        <p:cTn id="1" dur="indefinite" restart="never" nodeType="tmRoot"/>
+      </p:par>
+    </p:tnLst>
+  </p:timing>
 </p:sld>
 </file>
 
@@ -5378,7 +11381,7 @@
         </p:nvSpPr>
         <p:spPr>
           <a:xfrm>
-            <a:off x="1524000" y="351652"/>
+            <a:off x="1524000" y="351656"/>
             <a:ext cx="9144000" cy="876255"/>
           </a:xfrm>
         </p:spPr>
@@ -5411,13 +11414,13 @@
         </p:nvSpPr>
         <p:spPr>
           <a:xfrm>
-            <a:off x="1524000" y="1227907"/>
-            <a:ext cx="9144000" cy="4029893"/>
+            <a:off x="1523999" y="1227912"/>
+            <a:ext cx="9146721" cy="2846068"/>
           </a:xfrm>
         </p:spPr>
         <p:txBody>
           <a:bodyPr>
-            <a:normAutofit/>
+            <a:normAutofit fontScale="92500" lnSpcReduction="20000"/>
           </a:bodyPr>
           <a:lstStyle/>
           <a:p>
@@ -5468,7 +11471,7 @@
               <a:buChar char="•"/>
             </a:pPr>
             <a:r>
-              <a:rPr lang="en-US">
+              <a:rPr lang="en-US" dirty="0">
                 <a:solidFill>
                   <a:schemeClr val="bg1"/>
                 </a:solidFill>
@@ -5529,7 +11532,37 @@
                   <a:schemeClr val="bg1"/>
                 </a:solidFill>
               </a:rPr>
-              <a:t>More cohesive workflow: A system instead of a collection	</a:t>
+              <a:t>More cohesive workflow: A system instead of a </a:t>
+            </a:r>
+            <a:r>
+              <a:rPr lang="en-US" dirty="0" smtClean="0">
+                <a:solidFill>
+                  <a:schemeClr val="bg1"/>
+                </a:solidFill>
+              </a:rPr>
+              <a:t>collection</a:t>
+            </a:r>
+          </a:p>
+          <a:p>
+            <a:pPr marL="342900" indent="-342900" algn="l">
+              <a:buFont typeface="Arial" panose="020B0604020202020204" pitchFamily="34" charset="0"/>
+              <a:buChar char="•"/>
+            </a:pPr>
+            <a:r>
+              <a:rPr lang="en-US" dirty="0" smtClean="0">
+                <a:solidFill>
+                  <a:schemeClr val="bg1"/>
+                </a:solidFill>
+              </a:rPr>
+              <a:t>Thank You!</a:t>
+            </a:r>
+            <a:r>
+              <a:rPr lang="en-US" dirty="0">
+                <a:solidFill>
+                  <a:schemeClr val="bg1"/>
+                </a:solidFill>
+              </a:rPr>
+              <a:t>	</a:t>
             </a:r>
           </a:p>
         </p:txBody>
@@ -5544,6 +11577,1190 @@
   <p:clrMapOvr>
     <a:masterClrMapping/>
   </p:clrMapOvr>
+  <p:transition spd="slow">
+    <p:push dir="u"/>
+  </p:transition>
+  <p:timing>
+    <p:tnLst>
+      <p:par>
+        <p:cTn id="1" dur="indefinite" restart="never" nodeType="tmRoot">
+          <p:childTnLst>
+            <p:seq concurrent="1" nextAc="seek">
+              <p:cTn id="2" dur="indefinite" nodeType="mainSeq">
+                <p:childTnLst>
+                  <p:par>
+                    <p:cTn id="3" fill="hold">
+                      <p:stCondLst>
+                        <p:cond delay="indefinite"/>
+                      </p:stCondLst>
+                      <p:childTnLst>
+                        <p:par>
+                          <p:cTn id="4" fill="hold">
+                            <p:stCondLst>
+                              <p:cond delay="0"/>
+                            </p:stCondLst>
+                            <p:childTnLst>
+                              <p:par>
+                                <p:cTn id="5" presetID="31" presetClass="exit" presetSubtype="0" fill="hold" nodeType="clickEffect">
+                                  <p:stCondLst>
+                                    <p:cond delay="0"/>
+                                  </p:stCondLst>
+                                  <p:childTnLst>
+                                    <p:anim calcmode="lin" valueType="num">
+                                      <p:cBhvr>
+                                        <p:cTn id="6" dur="1000"/>
+                                        <p:tgtEl>
+                                          <p:spTgt spid="3">
+                                            <p:txEl>
+                                              <p:pRg st="0" end="0"/>
+                                            </p:txEl>
+                                          </p:spTgt>
+                                        </p:tgtEl>
+                                        <p:attrNameLst>
+                                          <p:attrName>ppt_w</p:attrName>
+                                        </p:attrNameLst>
+                                      </p:cBhvr>
+                                      <p:tavLst>
+                                        <p:tav tm="0">
+                                          <p:val>
+                                            <p:strVal val="ppt_w"/>
+                                          </p:val>
+                                        </p:tav>
+                                        <p:tav tm="100000">
+                                          <p:val>
+                                            <p:fltVal val="0"/>
+                                          </p:val>
+                                        </p:tav>
+                                      </p:tavLst>
+                                    </p:anim>
+                                    <p:anim calcmode="lin" valueType="num">
+                                      <p:cBhvr>
+                                        <p:cTn id="7" dur="1000"/>
+                                        <p:tgtEl>
+                                          <p:spTgt spid="3">
+                                            <p:txEl>
+                                              <p:pRg st="0" end="0"/>
+                                            </p:txEl>
+                                          </p:spTgt>
+                                        </p:tgtEl>
+                                        <p:attrNameLst>
+                                          <p:attrName>ppt_h</p:attrName>
+                                        </p:attrNameLst>
+                                      </p:cBhvr>
+                                      <p:tavLst>
+                                        <p:tav tm="0">
+                                          <p:val>
+                                            <p:strVal val="ppt_h"/>
+                                          </p:val>
+                                        </p:tav>
+                                        <p:tav tm="100000">
+                                          <p:val>
+                                            <p:fltVal val="0"/>
+                                          </p:val>
+                                        </p:tav>
+                                      </p:tavLst>
+                                    </p:anim>
+                                    <p:anim calcmode="lin" valueType="num">
+                                      <p:cBhvr>
+                                        <p:cTn id="8" dur="1000"/>
+                                        <p:tgtEl>
+                                          <p:spTgt spid="3">
+                                            <p:txEl>
+                                              <p:pRg st="0" end="0"/>
+                                            </p:txEl>
+                                          </p:spTgt>
+                                        </p:tgtEl>
+                                        <p:attrNameLst>
+                                          <p:attrName>style.rotation</p:attrName>
+                                        </p:attrNameLst>
+                                      </p:cBhvr>
+                                      <p:tavLst>
+                                        <p:tav tm="0">
+                                          <p:val>
+                                            <p:fltVal val="0"/>
+                                          </p:val>
+                                        </p:tav>
+                                        <p:tav tm="100000">
+                                          <p:val>
+                                            <p:fltVal val="90"/>
+                                          </p:val>
+                                        </p:tav>
+                                      </p:tavLst>
+                                    </p:anim>
+                                    <p:animEffect transition="out" filter="fade">
+                                      <p:cBhvr>
+                                        <p:cTn id="9" dur="1000"/>
+                                        <p:tgtEl>
+                                          <p:spTgt spid="3">
+                                            <p:txEl>
+                                              <p:pRg st="0" end="0"/>
+                                            </p:txEl>
+                                          </p:spTgt>
+                                        </p:tgtEl>
+                                      </p:cBhvr>
+                                    </p:animEffect>
+                                    <p:set>
+                                      <p:cBhvr>
+                                        <p:cTn id="10" dur="1" fill="hold">
+                                          <p:stCondLst>
+                                            <p:cond delay="999"/>
+                                          </p:stCondLst>
+                                        </p:cTn>
+                                        <p:tgtEl>
+                                          <p:spTgt spid="3">
+                                            <p:txEl>
+                                              <p:pRg st="0" end="0"/>
+                                            </p:txEl>
+                                          </p:spTgt>
+                                        </p:tgtEl>
+                                        <p:attrNameLst>
+                                          <p:attrName>style.visibility</p:attrName>
+                                        </p:attrNameLst>
+                                      </p:cBhvr>
+                                      <p:to>
+                                        <p:strVal val="hidden"/>
+                                      </p:to>
+                                    </p:set>
+                                  </p:childTnLst>
+                                </p:cTn>
+                              </p:par>
+                              <p:par>
+                                <p:cTn id="11" presetID="31" presetClass="exit" presetSubtype="0" fill="hold" nodeType="withEffect">
+                                  <p:stCondLst>
+                                    <p:cond delay="0"/>
+                                  </p:stCondLst>
+                                  <p:childTnLst>
+                                    <p:anim calcmode="lin" valueType="num">
+                                      <p:cBhvr>
+                                        <p:cTn id="12" dur="1000"/>
+                                        <p:tgtEl>
+                                          <p:spTgt spid="3">
+                                            <p:txEl>
+                                              <p:pRg st="1" end="1"/>
+                                            </p:txEl>
+                                          </p:spTgt>
+                                        </p:tgtEl>
+                                        <p:attrNameLst>
+                                          <p:attrName>ppt_w</p:attrName>
+                                        </p:attrNameLst>
+                                      </p:cBhvr>
+                                      <p:tavLst>
+                                        <p:tav tm="0">
+                                          <p:val>
+                                            <p:strVal val="ppt_w"/>
+                                          </p:val>
+                                        </p:tav>
+                                        <p:tav tm="100000">
+                                          <p:val>
+                                            <p:fltVal val="0"/>
+                                          </p:val>
+                                        </p:tav>
+                                      </p:tavLst>
+                                    </p:anim>
+                                    <p:anim calcmode="lin" valueType="num">
+                                      <p:cBhvr>
+                                        <p:cTn id="13" dur="1000"/>
+                                        <p:tgtEl>
+                                          <p:spTgt spid="3">
+                                            <p:txEl>
+                                              <p:pRg st="1" end="1"/>
+                                            </p:txEl>
+                                          </p:spTgt>
+                                        </p:tgtEl>
+                                        <p:attrNameLst>
+                                          <p:attrName>ppt_h</p:attrName>
+                                        </p:attrNameLst>
+                                      </p:cBhvr>
+                                      <p:tavLst>
+                                        <p:tav tm="0">
+                                          <p:val>
+                                            <p:strVal val="ppt_h"/>
+                                          </p:val>
+                                        </p:tav>
+                                        <p:tav tm="100000">
+                                          <p:val>
+                                            <p:fltVal val="0"/>
+                                          </p:val>
+                                        </p:tav>
+                                      </p:tavLst>
+                                    </p:anim>
+                                    <p:anim calcmode="lin" valueType="num">
+                                      <p:cBhvr>
+                                        <p:cTn id="14" dur="1000"/>
+                                        <p:tgtEl>
+                                          <p:spTgt spid="3">
+                                            <p:txEl>
+                                              <p:pRg st="1" end="1"/>
+                                            </p:txEl>
+                                          </p:spTgt>
+                                        </p:tgtEl>
+                                        <p:attrNameLst>
+                                          <p:attrName>style.rotation</p:attrName>
+                                        </p:attrNameLst>
+                                      </p:cBhvr>
+                                      <p:tavLst>
+                                        <p:tav tm="0">
+                                          <p:val>
+                                            <p:fltVal val="0"/>
+                                          </p:val>
+                                        </p:tav>
+                                        <p:tav tm="100000">
+                                          <p:val>
+                                            <p:fltVal val="90"/>
+                                          </p:val>
+                                        </p:tav>
+                                      </p:tavLst>
+                                    </p:anim>
+                                    <p:animEffect transition="out" filter="fade">
+                                      <p:cBhvr>
+                                        <p:cTn id="15" dur="1000"/>
+                                        <p:tgtEl>
+                                          <p:spTgt spid="3">
+                                            <p:txEl>
+                                              <p:pRg st="1" end="1"/>
+                                            </p:txEl>
+                                          </p:spTgt>
+                                        </p:tgtEl>
+                                      </p:cBhvr>
+                                    </p:animEffect>
+                                    <p:set>
+                                      <p:cBhvr>
+                                        <p:cTn id="16" dur="1" fill="hold">
+                                          <p:stCondLst>
+                                            <p:cond delay="999"/>
+                                          </p:stCondLst>
+                                        </p:cTn>
+                                        <p:tgtEl>
+                                          <p:spTgt spid="3">
+                                            <p:txEl>
+                                              <p:pRg st="1" end="1"/>
+                                            </p:txEl>
+                                          </p:spTgt>
+                                        </p:tgtEl>
+                                        <p:attrNameLst>
+                                          <p:attrName>style.visibility</p:attrName>
+                                        </p:attrNameLst>
+                                      </p:cBhvr>
+                                      <p:to>
+                                        <p:strVal val="hidden"/>
+                                      </p:to>
+                                    </p:set>
+                                  </p:childTnLst>
+                                </p:cTn>
+                              </p:par>
+                              <p:par>
+                                <p:cTn id="17" presetID="31" presetClass="exit" presetSubtype="0" fill="hold" nodeType="withEffect">
+                                  <p:stCondLst>
+                                    <p:cond delay="0"/>
+                                  </p:stCondLst>
+                                  <p:childTnLst>
+                                    <p:anim calcmode="lin" valueType="num">
+                                      <p:cBhvr>
+                                        <p:cTn id="18" dur="1000"/>
+                                        <p:tgtEl>
+                                          <p:spTgt spid="3">
+                                            <p:txEl>
+                                              <p:pRg st="2" end="2"/>
+                                            </p:txEl>
+                                          </p:spTgt>
+                                        </p:tgtEl>
+                                        <p:attrNameLst>
+                                          <p:attrName>ppt_w</p:attrName>
+                                        </p:attrNameLst>
+                                      </p:cBhvr>
+                                      <p:tavLst>
+                                        <p:tav tm="0">
+                                          <p:val>
+                                            <p:strVal val="ppt_w"/>
+                                          </p:val>
+                                        </p:tav>
+                                        <p:tav tm="100000">
+                                          <p:val>
+                                            <p:fltVal val="0"/>
+                                          </p:val>
+                                        </p:tav>
+                                      </p:tavLst>
+                                    </p:anim>
+                                    <p:anim calcmode="lin" valueType="num">
+                                      <p:cBhvr>
+                                        <p:cTn id="19" dur="1000"/>
+                                        <p:tgtEl>
+                                          <p:spTgt spid="3">
+                                            <p:txEl>
+                                              <p:pRg st="2" end="2"/>
+                                            </p:txEl>
+                                          </p:spTgt>
+                                        </p:tgtEl>
+                                        <p:attrNameLst>
+                                          <p:attrName>ppt_h</p:attrName>
+                                        </p:attrNameLst>
+                                      </p:cBhvr>
+                                      <p:tavLst>
+                                        <p:tav tm="0">
+                                          <p:val>
+                                            <p:strVal val="ppt_h"/>
+                                          </p:val>
+                                        </p:tav>
+                                        <p:tav tm="100000">
+                                          <p:val>
+                                            <p:fltVal val="0"/>
+                                          </p:val>
+                                        </p:tav>
+                                      </p:tavLst>
+                                    </p:anim>
+                                    <p:anim calcmode="lin" valueType="num">
+                                      <p:cBhvr>
+                                        <p:cTn id="20" dur="1000"/>
+                                        <p:tgtEl>
+                                          <p:spTgt spid="3">
+                                            <p:txEl>
+                                              <p:pRg st="2" end="2"/>
+                                            </p:txEl>
+                                          </p:spTgt>
+                                        </p:tgtEl>
+                                        <p:attrNameLst>
+                                          <p:attrName>style.rotation</p:attrName>
+                                        </p:attrNameLst>
+                                      </p:cBhvr>
+                                      <p:tavLst>
+                                        <p:tav tm="0">
+                                          <p:val>
+                                            <p:fltVal val="0"/>
+                                          </p:val>
+                                        </p:tav>
+                                        <p:tav tm="100000">
+                                          <p:val>
+                                            <p:fltVal val="90"/>
+                                          </p:val>
+                                        </p:tav>
+                                      </p:tavLst>
+                                    </p:anim>
+                                    <p:animEffect transition="out" filter="fade">
+                                      <p:cBhvr>
+                                        <p:cTn id="21" dur="1000"/>
+                                        <p:tgtEl>
+                                          <p:spTgt spid="3">
+                                            <p:txEl>
+                                              <p:pRg st="2" end="2"/>
+                                            </p:txEl>
+                                          </p:spTgt>
+                                        </p:tgtEl>
+                                      </p:cBhvr>
+                                    </p:animEffect>
+                                    <p:set>
+                                      <p:cBhvr>
+                                        <p:cTn id="22" dur="1" fill="hold">
+                                          <p:stCondLst>
+                                            <p:cond delay="999"/>
+                                          </p:stCondLst>
+                                        </p:cTn>
+                                        <p:tgtEl>
+                                          <p:spTgt spid="3">
+                                            <p:txEl>
+                                              <p:pRg st="2" end="2"/>
+                                            </p:txEl>
+                                          </p:spTgt>
+                                        </p:tgtEl>
+                                        <p:attrNameLst>
+                                          <p:attrName>style.visibility</p:attrName>
+                                        </p:attrNameLst>
+                                      </p:cBhvr>
+                                      <p:to>
+                                        <p:strVal val="hidden"/>
+                                      </p:to>
+                                    </p:set>
+                                  </p:childTnLst>
+                                </p:cTn>
+                              </p:par>
+                              <p:par>
+                                <p:cTn id="23" presetID="31" presetClass="exit" presetSubtype="0" fill="hold" nodeType="withEffect">
+                                  <p:stCondLst>
+                                    <p:cond delay="0"/>
+                                  </p:stCondLst>
+                                  <p:childTnLst>
+                                    <p:anim calcmode="lin" valueType="num">
+                                      <p:cBhvr>
+                                        <p:cTn id="24" dur="1000"/>
+                                        <p:tgtEl>
+                                          <p:spTgt spid="3">
+                                            <p:txEl>
+                                              <p:pRg st="3" end="3"/>
+                                            </p:txEl>
+                                          </p:spTgt>
+                                        </p:tgtEl>
+                                        <p:attrNameLst>
+                                          <p:attrName>ppt_w</p:attrName>
+                                        </p:attrNameLst>
+                                      </p:cBhvr>
+                                      <p:tavLst>
+                                        <p:tav tm="0">
+                                          <p:val>
+                                            <p:strVal val="ppt_w"/>
+                                          </p:val>
+                                        </p:tav>
+                                        <p:tav tm="100000">
+                                          <p:val>
+                                            <p:fltVal val="0"/>
+                                          </p:val>
+                                        </p:tav>
+                                      </p:tavLst>
+                                    </p:anim>
+                                    <p:anim calcmode="lin" valueType="num">
+                                      <p:cBhvr>
+                                        <p:cTn id="25" dur="1000"/>
+                                        <p:tgtEl>
+                                          <p:spTgt spid="3">
+                                            <p:txEl>
+                                              <p:pRg st="3" end="3"/>
+                                            </p:txEl>
+                                          </p:spTgt>
+                                        </p:tgtEl>
+                                        <p:attrNameLst>
+                                          <p:attrName>ppt_h</p:attrName>
+                                        </p:attrNameLst>
+                                      </p:cBhvr>
+                                      <p:tavLst>
+                                        <p:tav tm="0">
+                                          <p:val>
+                                            <p:strVal val="ppt_h"/>
+                                          </p:val>
+                                        </p:tav>
+                                        <p:tav tm="100000">
+                                          <p:val>
+                                            <p:fltVal val="0"/>
+                                          </p:val>
+                                        </p:tav>
+                                      </p:tavLst>
+                                    </p:anim>
+                                    <p:anim calcmode="lin" valueType="num">
+                                      <p:cBhvr>
+                                        <p:cTn id="26" dur="1000"/>
+                                        <p:tgtEl>
+                                          <p:spTgt spid="3">
+                                            <p:txEl>
+                                              <p:pRg st="3" end="3"/>
+                                            </p:txEl>
+                                          </p:spTgt>
+                                        </p:tgtEl>
+                                        <p:attrNameLst>
+                                          <p:attrName>style.rotation</p:attrName>
+                                        </p:attrNameLst>
+                                      </p:cBhvr>
+                                      <p:tavLst>
+                                        <p:tav tm="0">
+                                          <p:val>
+                                            <p:fltVal val="0"/>
+                                          </p:val>
+                                        </p:tav>
+                                        <p:tav tm="100000">
+                                          <p:val>
+                                            <p:fltVal val="90"/>
+                                          </p:val>
+                                        </p:tav>
+                                      </p:tavLst>
+                                    </p:anim>
+                                    <p:animEffect transition="out" filter="fade">
+                                      <p:cBhvr>
+                                        <p:cTn id="27" dur="1000"/>
+                                        <p:tgtEl>
+                                          <p:spTgt spid="3">
+                                            <p:txEl>
+                                              <p:pRg st="3" end="3"/>
+                                            </p:txEl>
+                                          </p:spTgt>
+                                        </p:tgtEl>
+                                      </p:cBhvr>
+                                    </p:animEffect>
+                                    <p:set>
+                                      <p:cBhvr>
+                                        <p:cTn id="28" dur="1" fill="hold">
+                                          <p:stCondLst>
+                                            <p:cond delay="999"/>
+                                          </p:stCondLst>
+                                        </p:cTn>
+                                        <p:tgtEl>
+                                          <p:spTgt spid="3">
+                                            <p:txEl>
+                                              <p:pRg st="3" end="3"/>
+                                            </p:txEl>
+                                          </p:spTgt>
+                                        </p:tgtEl>
+                                        <p:attrNameLst>
+                                          <p:attrName>style.visibility</p:attrName>
+                                        </p:attrNameLst>
+                                      </p:cBhvr>
+                                      <p:to>
+                                        <p:strVal val="hidden"/>
+                                      </p:to>
+                                    </p:set>
+                                  </p:childTnLst>
+                                </p:cTn>
+                              </p:par>
+                              <p:par>
+                                <p:cTn id="29" presetID="31" presetClass="exit" presetSubtype="0" fill="hold" nodeType="withEffect">
+                                  <p:stCondLst>
+                                    <p:cond delay="0"/>
+                                  </p:stCondLst>
+                                  <p:childTnLst>
+                                    <p:anim calcmode="lin" valueType="num">
+                                      <p:cBhvr>
+                                        <p:cTn id="30" dur="1000"/>
+                                        <p:tgtEl>
+                                          <p:spTgt spid="3">
+                                            <p:txEl>
+                                              <p:pRg st="4" end="4"/>
+                                            </p:txEl>
+                                          </p:spTgt>
+                                        </p:tgtEl>
+                                        <p:attrNameLst>
+                                          <p:attrName>ppt_w</p:attrName>
+                                        </p:attrNameLst>
+                                      </p:cBhvr>
+                                      <p:tavLst>
+                                        <p:tav tm="0">
+                                          <p:val>
+                                            <p:strVal val="ppt_w"/>
+                                          </p:val>
+                                        </p:tav>
+                                        <p:tav tm="100000">
+                                          <p:val>
+                                            <p:fltVal val="0"/>
+                                          </p:val>
+                                        </p:tav>
+                                      </p:tavLst>
+                                    </p:anim>
+                                    <p:anim calcmode="lin" valueType="num">
+                                      <p:cBhvr>
+                                        <p:cTn id="31" dur="1000"/>
+                                        <p:tgtEl>
+                                          <p:spTgt spid="3">
+                                            <p:txEl>
+                                              <p:pRg st="4" end="4"/>
+                                            </p:txEl>
+                                          </p:spTgt>
+                                        </p:tgtEl>
+                                        <p:attrNameLst>
+                                          <p:attrName>ppt_h</p:attrName>
+                                        </p:attrNameLst>
+                                      </p:cBhvr>
+                                      <p:tavLst>
+                                        <p:tav tm="0">
+                                          <p:val>
+                                            <p:strVal val="ppt_h"/>
+                                          </p:val>
+                                        </p:tav>
+                                        <p:tav tm="100000">
+                                          <p:val>
+                                            <p:fltVal val="0"/>
+                                          </p:val>
+                                        </p:tav>
+                                      </p:tavLst>
+                                    </p:anim>
+                                    <p:anim calcmode="lin" valueType="num">
+                                      <p:cBhvr>
+                                        <p:cTn id="32" dur="1000"/>
+                                        <p:tgtEl>
+                                          <p:spTgt spid="3">
+                                            <p:txEl>
+                                              <p:pRg st="4" end="4"/>
+                                            </p:txEl>
+                                          </p:spTgt>
+                                        </p:tgtEl>
+                                        <p:attrNameLst>
+                                          <p:attrName>style.rotation</p:attrName>
+                                        </p:attrNameLst>
+                                      </p:cBhvr>
+                                      <p:tavLst>
+                                        <p:tav tm="0">
+                                          <p:val>
+                                            <p:fltVal val="0"/>
+                                          </p:val>
+                                        </p:tav>
+                                        <p:tav tm="100000">
+                                          <p:val>
+                                            <p:fltVal val="90"/>
+                                          </p:val>
+                                        </p:tav>
+                                      </p:tavLst>
+                                    </p:anim>
+                                    <p:animEffect transition="out" filter="fade">
+                                      <p:cBhvr>
+                                        <p:cTn id="33" dur="1000"/>
+                                        <p:tgtEl>
+                                          <p:spTgt spid="3">
+                                            <p:txEl>
+                                              <p:pRg st="4" end="4"/>
+                                            </p:txEl>
+                                          </p:spTgt>
+                                        </p:tgtEl>
+                                      </p:cBhvr>
+                                    </p:animEffect>
+                                    <p:set>
+                                      <p:cBhvr>
+                                        <p:cTn id="34" dur="1" fill="hold">
+                                          <p:stCondLst>
+                                            <p:cond delay="999"/>
+                                          </p:stCondLst>
+                                        </p:cTn>
+                                        <p:tgtEl>
+                                          <p:spTgt spid="3">
+                                            <p:txEl>
+                                              <p:pRg st="4" end="4"/>
+                                            </p:txEl>
+                                          </p:spTgt>
+                                        </p:tgtEl>
+                                        <p:attrNameLst>
+                                          <p:attrName>style.visibility</p:attrName>
+                                        </p:attrNameLst>
+                                      </p:cBhvr>
+                                      <p:to>
+                                        <p:strVal val="hidden"/>
+                                      </p:to>
+                                    </p:set>
+                                  </p:childTnLst>
+                                </p:cTn>
+                              </p:par>
+                              <p:par>
+                                <p:cTn id="35" presetID="31" presetClass="exit" presetSubtype="0" fill="hold" nodeType="withEffect">
+                                  <p:stCondLst>
+                                    <p:cond delay="0"/>
+                                  </p:stCondLst>
+                                  <p:childTnLst>
+                                    <p:anim calcmode="lin" valueType="num">
+                                      <p:cBhvr>
+                                        <p:cTn id="36" dur="1000"/>
+                                        <p:tgtEl>
+                                          <p:spTgt spid="3">
+                                            <p:txEl>
+                                              <p:pRg st="5" end="5"/>
+                                            </p:txEl>
+                                          </p:spTgt>
+                                        </p:tgtEl>
+                                        <p:attrNameLst>
+                                          <p:attrName>ppt_w</p:attrName>
+                                        </p:attrNameLst>
+                                      </p:cBhvr>
+                                      <p:tavLst>
+                                        <p:tav tm="0">
+                                          <p:val>
+                                            <p:strVal val="ppt_w"/>
+                                          </p:val>
+                                        </p:tav>
+                                        <p:tav tm="100000">
+                                          <p:val>
+                                            <p:fltVal val="0"/>
+                                          </p:val>
+                                        </p:tav>
+                                      </p:tavLst>
+                                    </p:anim>
+                                    <p:anim calcmode="lin" valueType="num">
+                                      <p:cBhvr>
+                                        <p:cTn id="37" dur="1000"/>
+                                        <p:tgtEl>
+                                          <p:spTgt spid="3">
+                                            <p:txEl>
+                                              <p:pRg st="5" end="5"/>
+                                            </p:txEl>
+                                          </p:spTgt>
+                                        </p:tgtEl>
+                                        <p:attrNameLst>
+                                          <p:attrName>ppt_h</p:attrName>
+                                        </p:attrNameLst>
+                                      </p:cBhvr>
+                                      <p:tavLst>
+                                        <p:tav tm="0">
+                                          <p:val>
+                                            <p:strVal val="ppt_h"/>
+                                          </p:val>
+                                        </p:tav>
+                                        <p:tav tm="100000">
+                                          <p:val>
+                                            <p:fltVal val="0"/>
+                                          </p:val>
+                                        </p:tav>
+                                      </p:tavLst>
+                                    </p:anim>
+                                    <p:anim calcmode="lin" valueType="num">
+                                      <p:cBhvr>
+                                        <p:cTn id="38" dur="1000"/>
+                                        <p:tgtEl>
+                                          <p:spTgt spid="3">
+                                            <p:txEl>
+                                              <p:pRg st="5" end="5"/>
+                                            </p:txEl>
+                                          </p:spTgt>
+                                        </p:tgtEl>
+                                        <p:attrNameLst>
+                                          <p:attrName>style.rotation</p:attrName>
+                                        </p:attrNameLst>
+                                      </p:cBhvr>
+                                      <p:tavLst>
+                                        <p:tav tm="0">
+                                          <p:val>
+                                            <p:fltVal val="0"/>
+                                          </p:val>
+                                        </p:tav>
+                                        <p:tav tm="100000">
+                                          <p:val>
+                                            <p:fltVal val="90"/>
+                                          </p:val>
+                                        </p:tav>
+                                      </p:tavLst>
+                                    </p:anim>
+                                    <p:animEffect transition="out" filter="fade">
+                                      <p:cBhvr>
+                                        <p:cTn id="39" dur="1000"/>
+                                        <p:tgtEl>
+                                          <p:spTgt spid="3">
+                                            <p:txEl>
+                                              <p:pRg st="5" end="5"/>
+                                            </p:txEl>
+                                          </p:spTgt>
+                                        </p:tgtEl>
+                                      </p:cBhvr>
+                                    </p:animEffect>
+                                    <p:set>
+                                      <p:cBhvr>
+                                        <p:cTn id="40" dur="1" fill="hold">
+                                          <p:stCondLst>
+                                            <p:cond delay="999"/>
+                                          </p:stCondLst>
+                                        </p:cTn>
+                                        <p:tgtEl>
+                                          <p:spTgt spid="3">
+                                            <p:txEl>
+                                              <p:pRg st="5" end="5"/>
+                                            </p:txEl>
+                                          </p:spTgt>
+                                        </p:tgtEl>
+                                        <p:attrNameLst>
+                                          <p:attrName>style.visibility</p:attrName>
+                                        </p:attrNameLst>
+                                      </p:cBhvr>
+                                      <p:to>
+                                        <p:strVal val="hidden"/>
+                                      </p:to>
+                                    </p:set>
+                                  </p:childTnLst>
+                                </p:cTn>
+                              </p:par>
+                              <p:par>
+                                <p:cTn id="41" presetID="31" presetClass="exit" presetSubtype="0" fill="hold" nodeType="withEffect">
+                                  <p:stCondLst>
+                                    <p:cond delay="0"/>
+                                  </p:stCondLst>
+                                  <p:childTnLst>
+                                    <p:anim calcmode="lin" valueType="num">
+                                      <p:cBhvr>
+                                        <p:cTn id="42" dur="1000"/>
+                                        <p:tgtEl>
+                                          <p:spTgt spid="3">
+                                            <p:txEl>
+                                              <p:pRg st="6" end="6"/>
+                                            </p:txEl>
+                                          </p:spTgt>
+                                        </p:tgtEl>
+                                        <p:attrNameLst>
+                                          <p:attrName>ppt_w</p:attrName>
+                                        </p:attrNameLst>
+                                      </p:cBhvr>
+                                      <p:tavLst>
+                                        <p:tav tm="0">
+                                          <p:val>
+                                            <p:strVal val="ppt_w"/>
+                                          </p:val>
+                                        </p:tav>
+                                        <p:tav tm="100000">
+                                          <p:val>
+                                            <p:fltVal val="0"/>
+                                          </p:val>
+                                        </p:tav>
+                                      </p:tavLst>
+                                    </p:anim>
+                                    <p:anim calcmode="lin" valueType="num">
+                                      <p:cBhvr>
+                                        <p:cTn id="43" dur="1000"/>
+                                        <p:tgtEl>
+                                          <p:spTgt spid="3">
+                                            <p:txEl>
+                                              <p:pRg st="6" end="6"/>
+                                            </p:txEl>
+                                          </p:spTgt>
+                                        </p:tgtEl>
+                                        <p:attrNameLst>
+                                          <p:attrName>ppt_h</p:attrName>
+                                        </p:attrNameLst>
+                                      </p:cBhvr>
+                                      <p:tavLst>
+                                        <p:tav tm="0">
+                                          <p:val>
+                                            <p:strVal val="ppt_h"/>
+                                          </p:val>
+                                        </p:tav>
+                                        <p:tav tm="100000">
+                                          <p:val>
+                                            <p:fltVal val="0"/>
+                                          </p:val>
+                                        </p:tav>
+                                      </p:tavLst>
+                                    </p:anim>
+                                    <p:anim calcmode="lin" valueType="num">
+                                      <p:cBhvr>
+                                        <p:cTn id="44" dur="1000"/>
+                                        <p:tgtEl>
+                                          <p:spTgt spid="3">
+                                            <p:txEl>
+                                              <p:pRg st="6" end="6"/>
+                                            </p:txEl>
+                                          </p:spTgt>
+                                        </p:tgtEl>
+                                        <p:attrNameLst>
+                                          <p:attrName>style.rotation</p:attrName>
+                                        </p:attrNameLst>
+                                      </p:cBhvr>
+                                      <p:tavLst>
+                                        <p:tav tm="0">
+                                          <p:val>
+                                            <p:fltVal val="0"/>
+                                          </p:val>
+                                        </p:tav>
+                                        <p:tav tm="100000">
+                                          <p:val>
+                                            <p:fltVal val="90"/>
+                                          </p:val>
+                                        </p:tav>
+                                      </p:tavLst>
+                                    </p:anim>
+                                    <p:animEffect transition="out" filter="fade">
+                                      <p:cBhvr>
+                                        <p:cTn id="45" dur="1000"/>
+                                        <p:tgtEl>
+                                          <p:spTgt spid="3">
+                                            <p:txEl>
+                                              <p:pRg st="6" end="6"/>
+                                            </p:txEl>
+                                          </p:spTgt>
+                                        </p:tgtEl>
+                                      </p:cBhvr>
+                                    </p:animEffect>
+                                    <p:set>
+                                      <p:cBhvr>
+                                        <p:cTn id="46" dur="1" fill="hold">
+                                          <p:stCondLst>
+                                            <p:cond delay="999"/>
+                                          </p:stCondLst>
+                                        </p:cTn>
+                                        <p:tgtEl>
+                                          <p:spTgt spid="3">
+                                            <p:txEl>
+                                              <p:pRg st="6" end="6"/>
+                                            </p:txEl>
+                                          </p:spTgt>
+                                        </p:tgtEl>
+                                        <p:attrNameLst>
+                                          <p:attrName>style.visibility</p:attrName>
+                                        </p:attrNameLst>
+                                      </p:cBhvr>
+                                      <p:to>
+                                        <p:strVal val="hidden"/>
+                                      </p:to>
+                                    </p:set>
+                                  </p:childTnLst>
+                                </p:cTn>
+                              </p:par>
+                              <p:par>
+                                <p:cTn id="47" presetID="31" presetClass="exit" presetSubtype="0" fill="hold" nodeType="withEffect">
+                                  <p:stCondLst>
+                                    <p:cond delay="0"/>
+                                  </p:stCondLst>
+                                  <p:childTnLst>
+                                    <p:anim calcmode="lin" valueType="num">
+                                      <p:cBhvr>
+                                        <p:cTn id="48" dur="1000"/>
+                                        <p:tgtEl>
+                                          <p:spTgt spid="3">
+                                            <p:txEl>
+                                              <p:pRg st="7" end="7"/>
+                                            </p:txEl>
+                                          </p:spTgt>
+                                        </p:tgtEl>
+                                        <p:attrNameLst>
+                                          <p:attrName>ppt_w</p:attrName>
+                                        </p:attrNameLst>
+                                      </p:cBhvr>
+                                      <p:tavLst>
+                                        <p:tav tm="0">
+                                          <p:val>
+                                            <p:strVal val="ppt_w"/>
+                                          </p:val>
+                                        </p:tav>
+                                        <p:tav tm="100000">
+                                          <p:val>
+                                            <p:fltVal val="0"/>
+                                          </p:val>
+                                        </p:tav>
+                                      </p:tavLst>
+                                    </p:anim>
+                                    <p:anim calcmode="lin" valueType="num">
+                                      <p:cBhvr>
+                                        <p:cTn id="49" dur="1000"/>
+                                        <p:tgtEl>
+                                          <p:spTgt spid="3">
+                                            <p:txEl>
+                                              <p:pRg st="7" end="7"/>
+                                            </p:txEl>
+                                          </p:spTgt>
+                                        </p:tgtEl>
+                                        <p:attrNameLst>
+                                          <p:attrName>ppt_h</p:attrName>
+                                        </p:attrNameLst>
+                                      </p:cBhvr>
+                                      <p:tavLst>
+                                        <p:tav tm="0">
+                                          <p:val>
+                                            <p:strVal val="ppt_h"/>
+                                          </p:val>
+                                        </p:tav>
+                                        <p:tav tm="100000">
+                                          <p:val>
+                                            <p:fltVal val="0"/>
+                                          </p:val>
+                                        </p:tav>
+                                      </p:tavLst>
+                                    </p:anim>
+                                    <p:anim calcmode="lin" valueType="num">
+                                      <p:cBhvr>
+                                        <p:cTn id="50" dur="1000"/>
+                                        <p:tgtEl>
+                                          <p:spTgt spid="3">
+                                            <p:txEl>
+                                              <p:pRg st="7" end="7"/>
+                                            </p:txEl>
+                                          </p:spTgt>
+                                        </p:tgtEl>
+                                        <p:attrNameLst>
+                                          <p:attrName>style.rotation</p:attrName>
+                                        </p:attrNameLst>
+                                      </p:cBhvr>
+                                      <p:tavLst>
+                                        <p:tav tm="0">
+                                          <p:val>
+                                            <p:fltVal val="0"/>
+                                          </p:val>
+                                        </p:tav>
+                                        <p:tav tm="100000">
+                                          <p:val>
+                                            <p:fltVal val="90"/>
+                                          </p:val>
+                                        </p:tav>
+                                      </p:tavLst>
+                                    </p:anim>
+                                    <p:animEffect transition="out" filter="fade">
+                                      <p:cBhvr>
+                                        <p:cTn id="51" dur="1000"/>
+                                        <p:tgtEl>
+                                          <p:spTgt spid="3">
+                                            <p:txEl>
+                                              <p:pRg st="7" end="7"/>
+                                            </p:txEl>
+                                          </p:spTgt>
+                                        </p:tgtEl>
+                                      </p:cBhvr>
+                                    </p:animEffect>
+                                    <p:set>
+                                      <p:cBhvr>
+                                        <p:cTn id="52" dur="1" fill="hold">
+                                          <p:stCondLst>
+                                            <p:cond delay="999"/>
+                                          </p:stCondLst>
+                                        </p:cTn>
+                                        <p:tgtEl>
+                                          <p:spTgt spid="3">
+                                            <p:txEl>
+                                              <p:pRg st="7" end="7"/>
+                                            </p:txEl>
+                                          </p:spTgt>
+                                        </p:tgtEl>
+                                        <p:attrNameLst>
+                                          <p:attrName>style.visibility</p:attrName>
+                                        </p:attrNameLst>
+                                      </p:cBhvr>
+                                      <p:to>
+                                        <p:strVal val="hidden"/>
+                                      </p:to>
+                                    </p:set>
+                                  </p:childTnLst>
+                                </p:cTn>
+                              </p:par>
+                            </p:childTnLst>
+                          </p:cTn>
+                        </p:par>
+                        <p:par>
+                          <p:cTn id="53" fill="hold">
+                            <p:stCondLst>
+                              <p:cond delay="1000"/>
+                            </p:stCondLst>
+                            <p:childTnLst>
+                              <p:par>
+                                <p:cTn id="54" presetID="42" presetClass="entr" presetSubtype="0" fill="hold" nodeType="afterEffect">
+                                  <p:stCondLst>
+                                    <p:cond delay="0"/>
+                                  </p:stCondLst>
+                                  <p:childTnLst>
+                                    <p:set>
+                                      <p:cBhvr>
+                                        <p:cTn id="55" dur="1" fill="hold">
+                                          <p:stCondLst>
+                                            <p:cond delay="0"/>
+                                          </p:stCondLst>
+                                        </p:cTn>
+                                        <p:tgtEl>
+                                          <p:spTgt spid="3">
+                                            <p:txEl>
+                                              <p:pRg st="8" end="8"/>
+                                            </p:txEl>
+                                          </p:spTgt>
+                                        </p:tgtEl>
+                                        <p:attrNameLst>
+                                          <p:attrName>style.visibility</p:attrName>
+                                        </p:attrNameLst>
+                                      </p:cBhvr>
+                                      <p:to>
+                                        <p:strVal val="visible"/>
+                                      </p:to>
+                                    </p:set>
+                                    <p:animEffect transition="in" filter="fade">
+                                      <p:cBhvr>
+                                        <p:cTn id="56" dur="1000"/>
+                                        <p:tgtEl>
+                                          <p:spTgt spid="3">
+                                            <p:txEl>
+                                              <p:pRg st="8" end="8"/>
+                                            </p:txEl>
+                                          </p:spTgt>
+                                        </p:tgtEl>
+                                      </p:cBhvr>
+                                    </p:animEffect>
+                                    <p:anim calcmode="lin" valueType="num">
+                                      <p:cBhvr>
+                                        <p:cTn id="57" dur="1000" fill="hold"/>
+                                        <p:tgtEl>
+                                          <p:spTgt spid="3">
+                                            <p:txEl>
+                                              <p:pRg st="8" end="8"/>
+                                            </p:txEl>
+                                          </p:spTgt>
+                                        </p:tgtEl>
+                                        <p:attrNameLst>
+                                          <p:attrName>ppt_x</p:attrName>
+                                        </p:attrNameLst>
+                                      </p:cBhvr>
+                                      <p:tavLst>
+                                        <p:tav tm="0">
+                                          <p:val>
+                                            <p:strVal val="#ppt_x"/>
+                                          </p:val>
+                                        </p:tav>
+                                        <p:tav tm="100000">
+                                          <p:val>
+                                            <p:strVal val="#ppt_x"/>
+                                          </p:val>
+                                        </p:tav>
+                                      </p:tavLst>
+                                    </p:anim>
+                                    <p:anim calcmode="lin" valueType="num">
+                                      <p:cBhvr>
+                                        <p:cTn id="58" dur="1000" fill="hold"/>
+                                        <p:tgtEl>
+                                          <p:spTgt spid="3">
+                                            <p:txEl>
+                                              <p:pRg st="8" end="8"/>
+                                            </p:txEl>
+                                          </p:spTgt>
+                                        </p:tgtEl>
+                                        <p:attrNameLst>
+                                          <p:attrName>ppt_y</p:attrName>
+                                        </p:attrNameLst>
+                                      </p:cBhvr>
+                                      <p:tavLst>
+                                        <p:tav tm="0">
+                                          <p:val>
+                                            <p:strVal val="#ppt_y+.1"/>
+                                          </p:val>
+                                        </p:tav>
+                                        <p:tav tm="100000">
+                                          <p:val>
+                                            <p:strVal val="#ppt_y"/>
+                                          </p:val>
+                                        </p:tav>
+                                      </p:tavLst>
+                                    </p:anim>
+                                  </p:childTnLst>
+                                </p:cTn>
+                              </p:par>
+                            </p:childTnLst>
+                          </p:cTn>
+                        </p:par>
+                        <p:par>
+                          <p:cTn id="59" fill="hold">
+                            <p:stCondLst>
+                              <p:cond delay="2000"/>
+                            </p:stCondLst>
+                            <p:childTnLst>
+                              <p:par>
+                                <p:cTn id="60" presetID="64" presetClass="path" presetSubtype="0" accel="50000" decel="50000" fill="hold" nodeType="afterEffect">
+                                  <p:stCondLst>
+                                    <p:cond delay="0"/>
+                                  </p:stCondLst>
+                                  <p:childTnLst>
+                                    <p:animMotion origin="layout" path="M 1.25E-6 -3.97409E-6 L -0.00143 -0.32616 " pathEditMode="relative" rAng="0" ptsTypes="AA">
+                                      <p:cBhvr>
+                                        <p:cTn id="61" dur="2000" fill="hold"/>
+                                        <p:tgtEl>
+                                          <p:spTgt spid="3">
+                                            <p:txEl>
+                                              <p:pRg st="8" end="8"/>
+                                            </p:txEl>
+                                          </p:spTgt>
+                                        </p:tgtEl>
+                                        <p:attrNameLst>
+                                          <p:attrName>ppt_x</p:attrName>
+                                          <p:attrName>ppt_y</p:attrName>
+                                        </p:attrNameLst>
+                                      </p:cBhvr>
+                                      <p:rCtr x="-78" y="-16308"/>
+                                    </p:animMotion>
+                                  </p:childTnLst>
+                                </p:cTn>
+                              </p:par>
+                            </p:childTnLst>
+                          </p:cTn>
+                        </p:par>
+                      </p:childTnLst>
+                    </p:cTn>
+                  </p:par>
+                </p:childTnLst>
+              </p:cTn>
+              <p:prevCondLst>
+                <p:cond evt="onPrev" delay="0">
+                  <p:tgtEl>
+                    <p:sldTgt/>
+                  </p:tgtEl>
+                </p:cond>
+              </p:prevCondLst>
+              <p:nextCondLst>
+                <p:cond evt="onNext" delay="0">
+                  <p:tgtEl>
+                    <p:sldTgt/>
+                  </p:tgtEl>
+                </p:cond>
+              </p:nextCondLst>
+            </p:seq>
+          </p:childTnLst>
+        </p:cTn>
+      </p:par>
+    </p:tnLst>
+  </p:timing>
 </p:sld>
 </file>
 
@@ -5836,7 +13053,7 @@
   <a:extraClrSchemeLst/>
   <a:extLst>
     <a:ext uri="{05A4C25C-085E-4340-85A3-A5531E510DB2}">
-      <thm15:themeFamily xmlns:thm15="http://schemas.microsoft.com/office/thememl/2012/main" name="Office Theme" id="{62F939B6-93AF-4DB8-9C6B-D6C7DFDC589F}" vid="{4A3C46E8-61CC-4603-A589-7422A47A8E4A}"/>
+      <thm15:themeFamily xmlns:thm15="http://schemas.microsoft.com/office/thememl/2012/main" xmlns="" name="Office Theme" id="{62F939B6-93AF-4DB8-9C6B-D6C7DFDC589F}" vid="{4A3C46E8-61CC-4603-A589-7422A47A8E4A}"/>
     </a:ext>
   </a:extLst>
 </a:theme>
